--- a/documentacao/slide-synergy.pptx
+++ b/documentacao/slide-synergy.pptx
@@ -5,7 +5,7 @@
     <p:sldMasterId id="2147483648" r:id="rId1"/>
   </p:sldMasterIdLst>
   <p:notesMasterIdLst>
-    <p:notesMasterId r:id="rId13"/>
+    <p:notesMasterId r:id="rId12"/>
   </p:notesMasterIdLst>
   <p:sldIdLst>
     <p:sldId id="256" r:id="rId2"/>
@@ -15,10 +15,9 @@
     <p:sldId id="260" r:id="rId6"/>
     <p:sldId id="261" r:id="rId7"/>
     <p:sldId id="262" r:id="rId8"/>
-    <p:sldId id="263" r:id="rId9"/>
-    <p:sldId id="264" r:id="rId10"/>
-    <p:sldId id="265" r:id="rId11"/>
-    <p:sldId id="266" r:id="rId12"/>
+    <p:sldId id="264" r:id="rId9"/>
+    <p:sldId id="265" r:id="rId10"/>
+    <p:sldId id="266" r:id="rId11"/>
   </p:sldIdLst>
   <p:sldSz cx="12192000" cy="6858000"/>
   <p:notesSz cx="6858000" cy="9144000"/>
@@ -207,7 +206,7 @@
           <a:p>
             <a:fld id="{655F7DB7-5B35-44EF-86DD-30F04B6260EF}" type="datetimeFigureOut">
               <a:rPr lang="pt-BR" smtClean="0"/>
-              <a:t>08/03/2020</a:t>
+              <a:t>09/03/2020</a:t>
             </a:fld>
             <a:endParaRPr lang="pt-BR"/>
           </a:p>
@@ -621,7 +620,7 @@
           <a:p>
             <a:fld id="{15B003F1-72A3-4565-B369-F67C067E940D}" type="datetimeFigureOut">
               <a:rPr lang="pt-BR" smtClean="0"/>
-              <a:t>08/03/2020</a:t>
+              <a:t>09/03/2020</a:t>
             </a:fld>
             <a:endParaRPr lang="pt-BR"/>
           </a:p>
@@ -822,7 +821,7 @@
           <a:p>
             <a:fld id="{15B003F1-72A3-4565-B369-F67C067E940D}" type="datetimeFigureOut">
               <a:rPr lang="pt-BR" smtClean="0"/>
-              <a:t>08/03/2020</a:t>
+              <a:t>09/03/2020</a:t>
             </a:fld>
             <a:endParaRPr lang="pt-BR"/>
           </a:p>
@@ -1033,7 +1032,7 @@
           <a:p>
             <a:fld id="{15B003F1-72A3-4565-B369-F67C067E940D}" type="datetimeFigureOut">
               <a:rPr lang="pt-BR" smtClean="0"/>
-              <a:t>08/03/2020</a:t>
+              <a:t>09/03/2020</a:t>
             </a:fld>
             <a:endParaRPr lang="pt-BR"/>
           </a:p>
@@ -1234,7 +1233,7 @@
           <a:p>
             <a:fld id="{15B003F1-72A3-4565-B369-F67C067E940D}" type="datetimeFigureOut">
               <a:rPr lang="pt-BR" smtClean="0"/>
-              <a:t>08/03/2020</a:t>
+              <a:t>09/03/2020</a:t>
             </a:fld>
             <a:endParaRPr lang="pt-BR"/>
           </a:p>
@@ -1512,7 +1511,7 @@
           <a:p>
             <a:fld id="{15B003F1-72A3-4565-B369-F67C067E940D}" type="datetimeFigureOut">
               <a:rPr lang="pt-BR" smtClean="0"/>
-              <a:t>08/03/2020</a:t>
+              <a:t>09/03/2020</a:t>
             </a:fld>
             <a:endParaRPr lang="pt-BR"/>
           </a:p>
@@ -1780,7 +1779,7 @@
           <a:p>
             <a:fld id="{15B003F1-72A3-4565-B369-F67C067E940D}" type="datetimeFigureOut">
               <a:rPr lang="pt-BR" smtClean="0"/>
-              <a:t>08/03/2020</a:t>
+              <a:t>09/03/2020</a:t>
             </a:fld>
             <a:endParaRPr lang="pt-BR"/>
           </a:p>
@@ -2195,7 +2194,7 @@
           <a:p>
             <a:fld id="{15B003F1-72A3-4565-B369-F67C067E940D}" type="datetimeFigureOut">
               <a:rPr lang="pt-BR" smtClean="0"/>
-              <a:t>08/03/2020</a:t>
+              <a:t>09/03/2020</a:t>
             </a:fld>
             <a:endParaRPr lang="pt-BR"/>
           </a:p>
@@ -2339,7 +2338,7 @@
           <a:p>
             <a:fld id="{15B003F1-72A3-4565-B369-F67C067E940D}" type="datetimeFigureOut">
               <a:rPr lang="pt-BR" smtClean="0"/>
-              <a:t>08/03/2020</a:t>
+              <a:t>09/03/2020</a:t>
             </a:fld>
             <a:endParaRPr lang="pt-BR"/>
           </a:p>
@@ -2455,7 +2454,7 @@
           <a:p>
             <a:fld id="{15B003F1-72A3-4565-B369-F67C067E940D}" type="datetimeFigureOut">
               <a:rPr lang="pt-BR" smtClean="0"/>
-              <a:t>08/03/2020</a:t>
+              <a:t>09/03/2020</a:t>
             </a:fld>
             <a:endParaRPr lang="pt-BR"/>
           </a:p>
@@ -2769,7 +2768,7 @@
           <a:p>
             <a:fld id="{15B003F1-72A3-4565-B369-F67C067E940D}" type="datetimeFigureOut">
               <a:rPr lang="pt-BR" smtClean="0"/>
-              <a:t>08/03/2020</a:t>
+              <a:t>09/03/2020</a:t>
             </a:fld>
             <a:endParaRPr lang="pt-BR"/>
           </a:p>
@@ -3060,7 +3059,7 @@
           <a:p>
             <a:fld id="{15B003F1-72A3-4565-B369-F67C067E940D}" type="datetimeFigureOut">
               <a:rPr lang="pt-BR" smtClean="0"/>
-              <a:t>08/03/2020</a:t>
+              <a:t>09/03/2020</a:t>
             </a:fld>
             <a:endParaRPr lang="pt-BR"/>
           </a:p>
@@ -3304,7 +3303,7 @@
           <a:p>
             <a:fld id="{15B003F1-72A3-4565-B369-F67C067E940D}" type="datetimeFigureOut">
               <a:rPr lang="pt-BR" smtClean="0"/>
-              <a:t>08/03/2020</a:t>
+              <a:t>09/03/2020</a:t>
             </a:fld>
             <a:endParaRPr lang="pt-BR"/>
           </a:p>
@@ -3793,54 +3792,12 @@
           <a:chExt cx="0" cy="0"/>
         </a:xfrm>
       </p:grpSpPr>
-      <p:sp>
-        <p:nvSpPr>
-          <p:cNvPr id="2" name="Título 1">
-            <a:extLst>
-              <a:ext uri="{FF2B5EF4-FFF2-40B4-BE49-F238E27FC236}">
-                <a16:creationId xmlns:a16="http://schemas.microsoft.com/office/drawing/2014/main" id="{99F76FBE-1BC2-4EE6-B90A-22263BF7BDCD}"/>
-              </a:ext>
-            </a:extLst>
-          </p:cNvPr>
-          <p:cNvSpPr>
-            <a:spLocks noGrp="1"/>
-          </p:cNvSpPr>
-          <p:nvPr>
-            <p:ph type="title"/>
-          </p:nvPr>
-        </p:nvSpPr>
-        <p:spPr>
-          <a:xfrm>
-            <a:off x="838200" y="2766218"/>
-            <a:ext cx="10515600" cy="1325563"/>
-          </a:xfrm>
-        </p:spPr>
-        <p:txBody>
-          <a:bodyPr/>
-          <a:lstStyle/>
-          <a:p>
-            <a:pPr algn="ctr"/>
-            <a:r>
-              <a:rPr lang="pt-BR" dirty="0">
-                <a:solidFill>
-                  <a:schemeClr val="tx1">
-                    <a:lumMod val="75000"/>
-                    <a:lumOff val="25000"/>
-                  </a:schemeClr>
-                </a:solidFill>
-                <a:latin typeface="Bariol Bold" panose="02000506040000020003" pitchFamily="2" charset="0"/>
-              </a:rPr>
-              <a:t>Arduino e Sensor</a:t>
-            </a:r>
-          </a:p>
-        </p:txBody>
-      </p:sp>
       <p:pic>
         <p:nvPicPr>
           <p:cNvPr id="3" name="Imagem 2" descr="Uma imagem contendo texto, desenho&#10;&#10;Descrição gerada automaticamente">
             <a:extLst>
               <a:ext uri="{FF2B5EF4-FFF2-40B4-BE49-F238E27FC236}">
-                <a16:creationId xmlns:a16="http://schemas.microsoft.com/office/drawing/2014/main" id="{24410E01-CFD3-472C-9726-E54607DAAD0F}"/>
+                <a16:creationId xmlns:a16="http://schemas.microsoft.com/office/drawing/2014/main" id="{6AECC232-D7AB-402E-90C7-3E1285C8879A}"/>
               </a:ext>
             </a:extLst>
           </p:cNvPr>
@@ -3850,154 +3807,7 @@
           <p:nvPr/>
         </p:nvPicPr>
         <p:blipFill>
-          <a:blip r:embed="rId2">
-            <a:extLst>
-              <a:ext uri="{28A0092B-C50C-407E-A947-70E740481C1C}">
-                <a14:useLocalDpi xmlns:a14="http://schemas.microsoft.com/office/drawing/2010/main" val="0"/>
-              </a:ext>
-            </a:extLst>
-          </a:blip>
-          <a:stretch>
-            <a:fillRect/>
-          </a:stretch>
-        </p:blipFill>
-        <p:spPr>
-          <a:xfrm>
-            <a:off x="11371740" y="365125"/>
-            <a:ext cx="599846" cy="535577"/>
-          </a:xfrm>
-          <a:prstGeom prst="rect">
-            <a:avLst/>
-          </a:prstGeom>
-        </p:spPr>
-      </p:pic>
-      <p:pic>
-        <p:nvPicPr>
-          <p:cNvPr id="6" name="Imagem 5" descr="Uma imagem contendo homem, em pé&#10;&#10;Descrição gerada automaticamente">
-            <a:extLst>
-              <a:ext uri="{FF2B5EF4-FFF2-40B4-BE49-F238E27FC236}">
-                <a16:creationId xmlns:a16="http://schemas.microsoft.com/office/drawing/2014/main" id="{DA7F4A6C-A6AF-458A-BCA8-4F6A41D15F36}"/>
-              </a:ext>
-            </a:extLst>
-          </p:cNvPr>
-          <p:cNvPicPr>
-            <a:picLocks noChangeAspect="1"/>
-          </p:cNvPicPr>
-          <p:nvPr/>
-        </p:nvPicPr>
-        <p:blipFill>
-          <a:blip r:embed="rId3">
-            <a:extLst>
-              <a:ext uri="{28A0092B-C50C-407E-A947-70E740481C1C}">
-                <a14:useLocalDpi xmlns:a14="http://schemas.microsoft.com/office/drawing/2010/main" val="0"/>
-              </a:ext>
-            </a:extLst>
-          </a:blip>
-          <a:stretch>
-            <a:fillRect/>
-          </a:stretch>
-        </p:blipFill>
-        <p:spPr>
-          <a:xfrm>
-            <a:off x="4222891" y="4091781"/>
-            <a:ext cx="3746217" cy="2115550"/>
-          </a:xfrm>
-          <a:prstGeom prst="rect">
-            <a:avLst/>
-          </a:prstGeom>
-        </p:spPr>
-      </p:pic>
-    </p:spTree>
-    <p:extLst>
-      <p:ext uri="{BB962C8B-B14F-4D97-AF65-F5344CB8AC3E}">
-        <p14:creationId xmlns:p14="http://schemas.microsoft.com/office/powerpoint/2010/main" val="3564643130"/>
-      </p:ext>
-    </p:extLst>
-  </p:cSld>
-  <p:clrMapOvr>
-    <a:masterClrMapping/>
-  </p:clrMapOvr>
-  <p:transition>
-    <p:fade/>
-  </p:transition>
-</p:sld>
-</file>
-
-<file path=ppt/slides/slide11.xml><?xml version="1.0" encoding="utf-8"?>
-<p:sld xmlns:a="http://schemas.openxmlformats.org/drawingml/2006/main" xmlns:r="http://schemas.openxmlformats.org/officeDocument/2006/relationships" xmlns:p="http://schemas.openxmlformats.org/presentationml/2006/main">
-  <p:cSld>
-    <p:spTree>
-      <p:nvGrpSpPr>
-        <p:cNvPr id="1" name=""/>
-        <p:cNvGrpSpPr/>
-        <p:nvPr/>
-      </p:nvGrpSpPr>
-      <p:grpSpPr>
-        <a:xfrm>
-          <a:off x="0" y="0"/>
-          <a:ext cx="0" cy="0"/>
-          <a:chOff x="0" y="0"/>
-          <a:chExt cx="0" cy="0"/>
-        </a:xfrm>
-      </p:grpSpPr>
-      <p:sp>
-        <p:nvSpPr>
-          <p:cNvPr id="2" name="Título 1">
-            <a:extLst>
-              <a:ext uri="{FF2B5EF4-FFF2-40B4-BE49-F238E27FC236}">
-                <a16:creationId xmlns:a16="http://schemas.microsoft.com/office/drawing/2014/main" id="{99F76FBE-1BC2-4EE6-B90A-22263BF7BDCD}"/>
-              </a:ext>
-            </a:extLst>
-          </p:cNvPr>
-          <p:cNvSpPr>
-            <a:spLocks noGrp="1"/>
-          </p:cNvSpPr>
-          <p:nvPr>
-            <p:ph type="title"/>
-          </p:nvPr>
-        </p:nvSpPr>
-        <p:spPr>
-          <a:xfrm>
-            <a:off x="838200" y="2766218"/>
-            <a:ext cx="10515600" cy="1325563"/>
-          </a:xfrm>
-        </p:spPr>
-        <p:txBody>
-          <a:bodyPr/>
-          <a:lstStyle/>
-          <a:p>
-            <a:pPr algn="ctr"/>
-            <a:r>
-              <a:rPr lang="pt-BR" dirty="0">
-                <a:solidFill>
-                  <a:schemeClr val="tx1">
-                    <a:lumMod val="75000"/>
-                    <a:lumOff val="25000"/>
-                  </a:schemeClr>
-                </a:solidFill>
-                <a:latin typeface="Bariol Bold" panose="02000506040000020003" pitchFamily="2" charset="0"/>
-              </a:rPr>
-              <a:t>Projeto no GitHub</a:t>
-            </a:r>
-          </a:p>
-        </p:txBody>
-      </p:sp>
-      <p:pic>
-        <p:nvPicPr>
-          <p:cNvPr id="3" name="Imagem 2" descr="Uma imagem contendo texto, desenho&#10;&#10;Descrição gerada automaticamente">
-            <a:extLst>
-              <a:ext uri="{FF2B5EF4-FFF2-40B4-BE49-F238E27FC236}">
-                <a16:creationId xmlns:a16="http://schemas.microsoft.com/office/drawing/2014/main" id="{6AECC232-D7AB-402E-90C7-3E1285C8879A}"/>
-              </a:ext>
-            </a:extLst>
-          </p:cNvPr>
-          <p:cNvPicPr>
-            <a:picLocks noChangeAspect="1"/>
-          </p:cNvPicPr>
-          <p:nvPr/>
-        </p:nvPicPr>
-        <p:blipFill>
-          <a:blip r:embed="rId2">
+          <a:blip r:embed="rId2" cstate="hqprint">
             <a:extLst>
               <a:ext uri="{28A0092B-C50C-407E-A947-70E740481C1C}">
                 <a14:useLocalDpi xmlns:a14="http://schemas.microsoft.com/office/drawing/2010/main" val="0"/>
@@ -4046,14 +3856,86 @@
         </p:blipFill>
         <p:spPr>
           <a:xfrm>
-            <a:off x="4410890" y="4091781"/>
-            <a:ext cx="3370217" cy="1892094"/>
+            <a:off x="2663047" y="2537301"/>
+            <a:ext cx="6865904" cy="3854629"/>
           </a:xfrm>
           <a:prstGeom prst="rect">
             <a:avLst/>
           </a:prstGeom>
         </p:spPr>
       </p:pic>
+      <p:sp>
+        <p:nvSpPr>
+          <p:cNvPr id="7" name="Título 1">
+            <a:extLst>
+              <a:ext uri="{FF2B5EF4-FFF2-40B4-BE49-F238E27FC236}">
+                <a16:creationId xmlns:a16="http://schemas.microsoft.com/office/drawing/2014/main" id="{99F76FBE-1BC2-4EE6-B90A-22263BF7BDCD}"/>
+              </a:ext>
+            </a:extLst>
+          </p:cNvPr>
+          <p:cNvSpPr txBox="1">
+            <a:spLocks/>
+          </p:cNvSpPr>
+          <p:nvPr/>
+        </p:nvSpPr>
+        <p:spPr>
+          <a:xfrm>
+            <a:off x="838199" y="1433807"/>
+            <a:ext cx="10515600" cy="1325563"/>
+          </a:xfrm>
+          <a:prstGeom prst="rect">
+            <a:avLst/>
+          </a:prstGeom>
+        </p:spPr>
+        <p:txBody>
+          <a:bodyPr vert="horz" lIns="91440" tIns="45720" rIns="91440" bIns="45720" rtlCol="0" anchor="ctr">
+            <a:normAutofit/>
+          </a:bodyPr>
+          <a:lstStyle>
+            <a:lvl1pPr algn="l" defTabSz="914400" rtl="0" eaLnBrk="1" latinLnBrk="0" hangingPunct="1">
+              <a:lnSpc>
+                <a:spcPct val="90000"/>
+              </a:lnSpc>
+              <a:spcBef>
+                <a:spcPct val="0"/>
+              </a:spcBef>
+              <a:buNone/>
+              <a:defRPr sz="4400" kern="1200">
+                <a:solidFill>
+                  <a:schemeClr val="tx1"/>
+                </a:solidFill>
+                <a:latin typeface="+mj-lt"/>
+                <a:ea typeface="+mj-ea"/>
+                <a:cs typeface="+mj-cs"/>
+              </a:defRPr>
+            </a:lvl1pPr>
+          </a:lstStyle>
+          <a:p>
+            <a:pPr algn="ctr"/>
+            <a:r>
+              <a:rPr lang="pt-BR" dirty="0" smtClean="0">
+                <a:solidFill>
+                  <a:schemeClr val="tx1">
+                    <a:lumMod val="75000"/>
+                    <a:lumOff val="25000"/>
+                  </a:schemeClr>
+                </a:solidFill>
+                <a:latin typeface="Bariol Bold" panose="02000506040000020003" pitchFamily="2" charset="0"/>
+              </a:rPr>
+              <a:t>Repositório no GitHub</a:t>
+            </a:r>
+            <a:endParaRPr lang="pt-BR" dirty="0">
+              <a:solidFill>
+                <a:schemeClr val="tx1">
+                  <a:lumMod val="75000"/>
+                  <a:lumOff val="25000"/>
+                </a:schemeClr>
+              </a:solidFill>
+              <a:latin typeface="Bariol Bold" panose="02000506040000020003" pitchFamily="2" charset="0"/>
+            </a:endParaRPr>
+          </a:p>
+        </p:txBody>
+      </p:sp>
     </p:spTree>
     <p:extLst>
       <p:ext uri="{BB962C8B-B14F-4D97-AF65-F5344CB8AC3E}">
@@ -4603,7 +4485,7 @@
           <p:nvPr/>
         </p:nvPicPr>
         <p:blipFill>
-          <a:blip r:embed="rId2">
+          <a:blip r:embed="rId2" cstate="hqprint">
             <a:extLst>
               <a:ext uri="{28A0092B-C50C-407E-A947-70E740481C1C}">
                 <a14:useLocalDpi xmlns:a14="http://schemas.microsoft.com/office/drawing/2010/main" val="0"/>
@@ -4708,7 +4590,7 @@
           <p:nvPr/>
         </p:nvPicPr>
         <p:blipFill>
-          <a:blip r:embed="rId2">
+          <a:blip r:embed="rId2" cstate="hqprint">
             <a:extLst>
               <a:ext uri="{28A0092B-C50C-407E-A947-70E740481C1C}">
                 <a14:useLocalDpi xmlns:a14="http://schemas.microsoft.com/office/drawing/2010/main" val="0"/>
@@ -4849,7 +4731,7 @@
           <p:nvPr/>
         </p:nvPicPr>
         <p:blipFill>
-          <a:blip r:embed="rId2">
+          <a:blip r:embed="rId2" cstate="hqprint">
             <a:extLst>
               <a:ext uri="{28A0092B-C50C-407E-A947-70E740481C1C}">
                 <a14:useLocalDpi xmlns:a14="http://schemas.microsoft.com/office/drawing/2010/main" val="0"/>
@@ -5062,7 +4944,7 @@
           <p:nvPr/>
         </p:nvPicPr>
         <p:blipFill>
-          <a:blip r:embed="rId2">
+          <a:blip r:embed="rId2" cstate="hqprint">
             <a:extLst>
               <a:ext uri="{28A0092B-C50C-407E-A947-70E740481C1C}">
                 <a14:useLocalDpi xmlns:a14="http://schemas.microsoft.com/office/drawing/2010/main" val="0"/>
@@ -5304,7 +5186,7 @@
           <p:nvPr/>
         </p:nvPicPr>
         <p:blipFill>
-          <a:blip r:embed="rId2">
+          <a:blip r:embed="rId2" cstate="hqprint">
             <a:extLst>
               <a:ext uri="{28A0092B-C50C-407E-A947-70E740481C1C}">
                 <a14:useLocalDpi xmlns:a14="http://schemas.microsoft.com/office/drawing/2010/main" val="0"/>
@@ -5515,7 +5397,7 @@
         </p:nvSpPr>
         <p:spPr>
           <a:xfrm>
-            <a:off x="838200" y="2766218"/>
+            <a:off x="838199" y="1433807"/>
             <a:ext cx="10515600" cy="1325563"/>
           </a:xfrm>
         </p:spPr>
@@ -5554,7 +5436,7 @@
           <p:nvPr/>
         </p:nvPicPr>
         <p:blipFill>
-          <a:blip r:embed="rId2">
+          <a:blip r:embed="rId2" cstate="hqprint">
             <a:extLst>
               <a:ext uri="{28A0092B-C50C-407E-A947-70E740481C1C}">
                 <a14:useLocalDpi xmlns:a14="http://schemas.microsoft.com/office/drawing/2010/main" val="0"/>
@@ -5603,8 +5485,8 @@
         </p:blipFill>
         <p:spPr>
           <a:xfrm>
-            <a:off x="4365740" y="4091781"/>
-            <a:ext cx="3460519" cy="2046849"/>
+            <a:off x="2773007" y="2759370"/>
+            <a:ext cx="6645983" cy="3931007"/>
           </a:xfrm>
           <a:prstGeom prst="rect">
             <a:avLst/>
@@ -5624,6 +5506,13 @@
   <p:transition>
     <p:fade/>
   </p:transition>
+  <p:timing>
+    <p:tnLst>
+      <p:par>
+        <p:cTn id="1" dur="indefinite" restart="never" nodeType="tmRoot"/>
+      </p:par>
+    </p:tnLst>
+  </p:timing>
 </p:sld>
 </file>
 
@@ -5644,54 +5533,12 @@
           <a:chExt cx="0" cy="0"/>
         </a:xfrm>
       </p:grpSpPr>
-      <p:sp>
-        <p:nvSpPr>
-          <p:cNvPr id="2" name="Título 1">
-            <a:extLst>
-              <a:ext uri="{FF2B5EF4-FFF2-40B4-BE49-F238E27FC236}">
-                <a16:creationId xmlns:a16="http://schemas.microsoft.com/office/drawing/2014/main" id="{99F76FBE-1BC2-4EE6-B90A-22263BF7BDCD}"/>
-              </a:ext>
-            </a:extLst>
-          </p:cNvPr>
-          <p:cNvSpPr>
-            <a:spLocks noGrp="1"/>
-          </p:cNvSpPr>
-          <p:nvPr>
-            <p:ph type="title"/>
-          </p:nvPr>
-        </p:nvSpPr>
-        <p:spPr>
-          <a:xfrm>
-            <a:off x="838200" y="2766218"/>
-            <a:ext cx="10515600" cy="1325563"/>
-          </a:xfrm>
-        </p:spPr>
-        <p:txBody>
-          <a:bodyPr/>
-          <a:lstStyle/>
-          <a:p>
-            <a:pPr algn="ctr"/>
-            <a:r>
-              <a:rPr lang="pt-BR" dirty="0">
-                <a:solidFill>
-                  <a:schemeClr val="tx1">
-                    <a:lumMod val="75000"/>
-                    <a:lumOff val="25000"/>
-                  </a:schemeClr>
-                </a:solidFill>
-                <a:latin typeface="Bariol Bold" panose="02000506040000020003" pitchFamily="2" charset="0"/>
-              </a:rPr>
-              <a:t>Simulador Financeiro</a:t>
-            </a:r>
-          </a:p>
-        </p:txBody>
-      </p:sp>
       <p:pic>
         <p:nvPicPr>
           <p:cNvPr id="3" name="Imagem 2" descr="Uma imagem contendo texto, desenho&#10;&#10;Descrição gerada automaticamente">
             <a:extLst>
               <a:ext uri="{FF2B5EF4-FFF2-40B4-BE49-F238E27FC236}">
-                <a16:creationId xmlns:a16="http://schemas.microsoft.com/office/drawing/2014/main" id="{AB243EF2-94A6-4283-B7D5-7E213A10E6D9}"/>
+                <a16:creationId xmlns:a16="http://schemas.microsoft.com/office/drawing/2014/main" id="{1BC5E0AB-6EDC-4020-80FC-407DFD0D3C3E}"/>
               </a:ext>
             </a:extLst>
           </p:cNvPr>
@@ -5701,7 +5548,7 @@
           <p:nvPr/>
         </p:nvPicPr>
         <p:blipFill>
-          <a:blip r:embed="rId2">
+          <a:blip r:embed="rId2" cstate="hqprint">
             <a:extLst>
               <a:ext uri="{28A0092B-C50C-407E-A947-70E740481C1C}">
                 <a14:useLocalDpi xmlns:a14="http://schemas.microsoft.com/office/drawing/2010/main" val="0"/>
@@ -5722,12 +5569,84 @@
           </a:prstGeom>
         </p:spPr>
       </p:pic>
+      <p:sp>
+        <p:nvSpPr>
+          <p:cNvPr id="6" name="Título 1">
+            <a:extLst>
+              <a:ext uri="{FF2B5EF4-FFF2-40B4-BE49-F238E27FC236}">
+                <a16:creationId xmlns:a16="http://schemas.microsoft.com/office/drawing/2014/main" id="{99F76FBE-1BC2-4EE6-B90A-22263BF7BDCD}"/>
+              </a:ext>
+            </a:extLst>
+          </p:cNvPr>
+          <p:cNvSpPr txBox="1">
+            <a:spLocks/>
+          </p:cNvSpPr>
+          <p:nvPr/>
+        </p:nvSpPr>
+        <p:spPr>
+          <a:xfrm>
+            <a:off x="838199" y="1433807"/>
+            <a:ext cx="10515600" cy="1325563"/>
+          </a:xfrm>
+          <a:prstGeom prst="rect">
+            <a:avLst/>
+          </a:prstGeom>
+        </p:spPr>
+        <p:txBody>
+          <a:bodyPr vert="horz" lIns="91440" tIns="45720" rIns="91440" bIns="45720" rtlCol="0" anchor="ctr">
+            <a:normAutofit/>
+          </a:bodyPr>
+          <a:lstStyle>
+            <a:lvl1pPr algn="l" defTabSz="914400" rtl="0" eaLnBrk="1" latinLnBrk="0" hangingPunct="1">
+              <a:lnSpc>
+                <a:spcPct val="90000"/>
+              </a:lnSpc>
+              <a:spcBef>
+                <a:spcPct val="0"/>
+              </a:spcBef>
+              <a:buNone/>
+              <a:defRPr sz="4400" kern="1200">
+                <a:solidFill>
+                  <a:schemeClr val="tx1"/>
+                </a:solidFill>
+                <a:latin typeface="+mj-lt"/>
+                <a:ea typeface="+mj-ea"/>
+                <a:cs typeface="+mj-cs"/>
+              </a:defRPr>
+            </a:lvl1pPr>
+          </a:lstStyle>
+          <a:p>
+            <a:pPr algn="ctr"/>
+            <a:r>
+              <a:rPr lang="pt-BR" dirty="0" smtClean="0">
+                <a:solidFill>
+                  <a:schemeClr val="tx1">
+                    <a:lumMod val="75000"/>
+                    <a:lumOff val="25000"/>
+                  </a:schemeClr>
+                </a:solidFill>
+                <a:latin typeface="Bariol Bold" panose="02000506040000020003" pitchFamily="2" charset="0"/>
+              </a:rPr>
+              <a:t>Banco de Dados (Protótipo)</a:t>
+            </a:r>
+            <a:endParaRPr lang="pt-BR" dirty="0">
+              <a:solidFill>
+                <a:schemeClr val="tx1">
+                  <a:lumMod val="75000"/>
+                  <a:lumOff val="25000"/>
+                </a:schemeClr>
+              </a:solidFill>
+              <a:latin typeface="Bariol Bold" panose="02000506040000020003" pitchFamily="2" charset="0"/>
+            </a:endParaRPr>
+          </a:p>
+        </p:txBody>
+      </p:sp>
       <p:pic>
         <p:nvPicPr>
-          <p:cNvPr id="4" name="Imagem 3" descr="Uma imagem contendo mesa, computador, jogador&#10;&#10;Descrição gerada automaticamente">
-            <a:extLst>
-              <a:ext uri="{FF2B5EF4-FFF2-40B4-BE49-F238E27FC236}">
-                <a16:creationId xmlns:a16="http://schemas.microsoft.com/office/drawing/2014/main" id="{D68D9B47-3DB8-4646-9F8A-6E58C6B877A8}"/>
+          <p:cNvPr id="7" name="Imagem 6" descr="Uma imagem contendo homem, segurando, esqui, neve&#10;&#10;Descrição gerada automaticamente">
+            <a:extLst>
+              <a:ext uri="{FF2B5EF4-FFF2-40B4-BE49-F238E27FC236}">
+                <a16:creationId xmlns:a16="http://schemas.microsoft.com/office/drawing/2014/main" id="{2EB99745-E546-4AF1-BB7A-70FE206BCD05}"/>
               </a:ext>
             </a:extLst>
           </p:cNvPr>
@@ -5750,8 +5669,8 @@
         </p:blipFill>
         <p:spPr>
           <a:xfrm>
-            <a:off x="4523298" y="4091781"/>
-            <a:ext cx="3145403" cy="2045732"/>
+            <a:off x="2950595" y="2394055"/>
+            <a:ext cx="6468395" cy="4661637"/>
           </a:xfrm>
           <a:prstGeom prst="rect">
             <a:avLst/>
@@ -5761,7 +5680,7 @@
     </p:spTree>
     <p:extLst>
       <p:ext uri="{BB962C8B-B14F-4D97-AF65-F5344CB8AC3E}">
-        <p14:creationId xmlns:p14="http://schemas.microsoft.com/office/powerpoint/2010/main" val="903579282"/>
+        <p14:creationId xmlns:p14="http://schemas.microsoft.com/office/powerpoint/2010/main" val="2158821782"/>
       </p:ext>
     </p:extLst>
   </p:cSld>
@@ -5771,6 +5690,13 @@
   <p:transition>
     <p:fade/>
   </p:transition>
+  <p:timing>
+    <p:tnLst>
+      <p:par>
+        <p:cTn id="1" dur="indefinite" restart="never" nodeType="tmRoot"/>
+      </p:par>
+    </p:tnLst>
+  </p:timing>
 </p:sld>
 </file>
 
@@ -5791,54 +5717,12 @@
           <a:chExt cx="0" cy="0"/>
         </a:xfrm>
       </p:grpSpPr>
-      <p:sp>
-        <p:nvSpPr>
-          <p:cNvPr id="2" name="Título 1">
-            <a:extLst>
-              <a:ext uri="{FF2B5EF4-FFF2-40B4-BE49-F238E27FC236}">
-                <a16:creationId xmlns:a16="http://schemas.microsoft.com/office/drawing/2014/main" id="{99F76FBE-1BC2-4EE6-B90A-22263BF7BDCD}"/>
-              </a:ext>
-            </a:extLst>
-          </p:cNvPr>
-          <p:cNvSpPr>
-            <a:spLocks noGrp="1"/>
-          </p:cNvSpPr>
-          <p:nvPr>
-            <p:ph type="title"/>
-          </p:nvPr>
-        </p:nvSpPr>
-        <p:spPr>
-          <a:xfrm>
-            <a:off x="838200" y="2766218"/>
-            <a:ext cx="10515600" cy="1325563"/>
-          </a:xfrm>
-        </p:spPr>
-        <p:txBody>
-          <a:bodyPr/>
-          <a:lstStyle/>
-          <a:p>
-            <a:pPr algn="ctr"/>
-            <a:r>
-              <a:rPr lang="pt-BR" dirty="0">
-                <a:solidFill>
-                  <a:schemeClr val="tx1">
-                    <a:lumMod val="75000"/>
-                    <a:lumOff val="25000"/>
-                  </a:schemeClr>
-                </a:solidFill>
-                <a:latin typeface="Bariol Bold" panose="02000506040000020003" pitchFamily="2" charset="0"/>
-              </a:rPr>
-              <a:t>Banco de Dados (Protótipo)</a:t>
-            </a:r>
-          </a:p>
-        </p:txBody>
-      </p:sp>
       <p:pic>
         <p:nvPicPr>
           <p:cNvPr id="3" name="Imagem 2" descr="Uma imagem contendo texto, desenho&#10;&#10;Descrição gerada automaticamente">
             <a:extLst>
               <a:ext uri="{FF2B5EF4-FFF2-40B4-BE49-F238E27FC236}">
-                <a16:creationId xmlns:a16="http://schemas.microsoft.com/office/drawing/2014/main" id="{1BC5E0AB-6EDC-4020-80FC-407DFD0D3C3E}"/>
+                <a16:creationId xmlns:a16="http://schemas.microsoft.com/office/drawing/2014/main" id="{24410E01-CFD3-472C-9726-E54607DAAD0F}"/>
               </a:ext>
             </a:extLst>
           </p:cNvPr>
@@ -5848,7 +5732,7 @@
           <p:nvPr/>
         </p:nvPicPr>
         <p:blipFill>
-          <a:blip r:embed="rId2">
+          <a:blip r:embed="rId2" cstate="hqprint">
             <a:extLst>
               <a:ext uri="{28A0092B-C50C-407E-A947-70E740481C1C}">
                 <a14:useLocalDpi xmlns:a14="http://schemas.microsoft.com/office/drawing/2010/main" val="0"/>
@@ -5869,12 +5753,96 @@
           </a:prstGeom>
         </p:spPr>
       </p:pic>
+      <p:sp>
+        <p:nvSpPr>
+          <p:cNvPr id="7" name="Título 1">
+            <a:extLst>
+              <a:ext uri="{FF2B5EF4-FFF2-40B4-BE49-F238E27FC236}">
+                <a16:creationId xmlns:a16="http://schemas.microsoft.com/office/drawing/2014/main" id="{99F76FBE-1BC2-4EE6-B90A-22263BF7BDCD}"/>
+              </a:ext>
+            </a:extLst>
+          </p:cNvPr>
+          <p:cNvSpPr txBox="1">
+            <a:spLocks/>
+          </p:cNvSpPr>
+          <p:nvPr/>
+        </p:nvSpPr>
+        <p:spPr>
+          <a:xfrm>
+            <a:off x="838199" y="1433807"/>
+            <a:ext cx="10515600" cy="1325563"/>
+          </a:xfrm>
+          <a:prstGeom prst="rect">
+            <a:avLst/>
+          </a:prstGeom>
+        </p:spPr>
+        <p:txBody>
+          <a:bodyPr vert="horz" lIns="91440" tIns="45720" rIns="91440" bIns="45720" rtlCol="0" anchor="ctr">
+            <a:normAutofit/>
+          </a:bodyPr>
+          <a:lstStyle>
+            <a:lvl1pPr algn="l" defTabSz="914400" rtl="0" eaLnBrk="1" latinLnBrk="0" hangingPunct="1">
+              <a:lnSpc>
+                <a:spcPct val="90000"/>
+              </a:lnSpc>
+              <a:spcBef>
+                <a:spcPct val="0"/>
+              </a:spcBef>
+              <a:buNone/>
+              <a:defRPr sz="4400" kern="1200">
+                <a:solidFill>
+                  <a:schemeClr val="tx1"/>
+                </a:solidFill>
+                <a:latin typeface="+mj-lt"/>
+                <a:ea typeface="+mj-ea"/>
+                <a:cs typeface="+mj-cs"/>
+              </a:defRPr>
+            </a:lvl1pPr>
+          </a:lstStyle>
+          <a:p>
+            <a:pPr algn="ctr"/>
+            <a:r>
+              <a:rPr lang="pt-BR" dirty="0" err="1" smtClean="0">
+                <a:solidFill>
+                  <a:schemeClr val="tx1">
+                    <a:lumMod val="75000"/>
+                    <a:lumOff val="25000"/>
+                  </a:schemeClr>
+                </a:solidFill>
+                <a:latin typeface="Bariol Bold" panose="02000506040000020003" pitchFamily="2" charset="0"/>
+              </a:rPr>
+              <a:t>Arduino</a:t>
+            </a:r>
+            <a:r>
+              <a:rPr lang="pt-BR" dirty="0" smtClean="0">
+                <a:solidFill>
+                  <a:schemeClr val="tx1">
+                    <a:lumMod val="75000"/>
+                    <a:lumOff val="25000"/>
+                  </a:schemeClr>
+                </a:solidFill>
+                <a:latin typeface="Bariol Bold" panose="02000506040000020003" pitchFamily="2" charset="0"/>
+              </a:rPr>
+              <a:t> e Sensor</a:t>
+            </a:r>
+            <a:endParaRPr lang="pt-BR" dirty="0">
+              <a:solidFill>
+                <a:schemeClr val="tx1">
+                  <a:lumMod val="75000"/>
+                  <a:lumOff val="25000"/>
+                </a:schemeClr>
+              </a:solidFill>
+              <a:latin typeface="Bariol Bold" panose="02000506040000020003" pitchFamily="2" charset="0"/>
+            </a:endParaRPr>
+          </a:p>
+        </p:txBody>
+      </p:sp>
       <p:pic>
         <p:nvPicPr>
-          <p:cNvPr id="4" name="Imagem 3" descr="Uma imagem contendo homem, segurando, esqui, neve&#10;&#10;Descrição gerada automaticamente">
-            <a:extLst>
-              <a:ext uri="{FF2B5EF4-FFF2-40B4-BE49-F238E27FC236}">
-                <a16:creationId xmlns:a16="http://schemas.microsoft.com/office/drawing/2014/main" id="{2EB99745-E546-4AF1-BB7A-70FE206BCD05}"/>
+          <p:cNvPr id="8" name="Imagem 7" descr="Uma imagem contendo homem, em pé&#10;&#10;Descrição gerada automaticamente">
+            <a:extLst>
+              <a:ext uri="{FF2B5EF4-FFF2-40B4-BE49-F238E27FC236}">
+                <a16:creationId xmlns:a16="http://schemas.microsoft.com/office/drawing/2014/main" id="{DA7F4A6C-A6AF-458A-BCA8-4F6A41D15F36}"/>
               </a:ext>
             </a:extLst>
           </p:cNvPr>
@@ -5897,8 +5865,8 @@
         </p:blipFill>
         <p:spPr>
           <a:xfrm>
-            <a:off x="4523298" y="4091781"/>
-            <a:ext cx="3145403" cy="2266826"/>
+            <a:off x="2282411" y="2394055"/>
+            <a:ext cx="7627176" cy="4307191"/>
           </a:xfrm>
           <a:prstGeom prst="rect">
             <a:avLst/>
@@ -5908,7 +5876,7 @@
     </p:spTree>
     <p:extLst>
       <p:ext uri="{BB962C8B-B14F-4D97-AF65-F5344CB8AC3E}">
-        <p14:creationId xmlns:p14="http://schemas.microsoft.com/office/powerpoint/2010/main" val="2158821782"/>
+        <p14:creationId xmlns:p14="http://schemas.microsoft.com/office/powerpoint/2010/main" val="3564643130"/>
       </p:ext>
     </p:extLst>
   </p:cSld>
@@ -5918,6 +5886,13 @@
   <p:transition>
     <p:fade/>
   </p:transition>
+  <p:timing>
+    <p:tnLst>
+      <p:par>
+        <p:cTn id="1" dur="indefinite" restart="never" nodeType="tmRoot"/>
+      </p:par>
+    </p:tnLst>
+  </p:timing>
 </p:sld>
 </file>
 

--- a/documentacao/slide-synergy.pptx
+++ b/documentacao/slide-synergy.pptx
@@ -5,7 +5,7 @@
     <p:sldMasterId id="2147483648" r:id="rId1"/>
   </p:sldMasterIdLst>
   <p:notesMasterIdLst>
-    <p:notesMasterId r:id="rId12"/>
+    <p:notesMasterId r:id="rId13"/>
   </p:notesMasterIdLst>
   <p:sldIdLst>
     <p:sldId id="256" r:id="rId2"/>
@@ -13,11 +13,12 @@
     <p:sldId id="258" r:id="rId4"/>
     <p:sldId id="259" r:id="rId5"/>
     <p:sldId id="260" r:id="rId6"/>
-    <p:sldId id="261" r:id="rId7"/>
-    <p:sldId id="262" r:id="rId8"/>
-    <p:sldId id="264" r:id="rId9"/>
-    <p:sldId id="265" r:id="rId10"/>
-    <p:sldId id="266" r:id="rId11"/>
+    <p:sldId id="267" r:id="rId7"/>
+    <p:sldId id="261" r:id="rId8"/>
+    <p:sldId id="262" r:id="rId9"/>
+    <p:sldId id="264" r:id="rId10"/>
+    <p:sldId id="265" r:id="rId11"/>
+    <p:sldId id="266" r:id="rId12"/>
   </p:sldIdLst>
   <p:sldSz cx="12192000" cy="6858000"/>
   <p:notesSz cx="6858000" cy="9144000"/>
@@ -3797,6 +3798,202 @@
           <p:cNvPr id="3" name="Imagem 2" descr="Uma imagem contendo texto, desenho&#10;&#10;Descrição gerada automaticamente">
             <a:extLst>
               <a:ext uri="{FF2B5EF4-FFF2-40B4-BE49-F238E27FC236}">
+                <a16:creationId xmlns:a16="http://schemas.microsoft.com/office/drawing/2014/main" id="{24410E01-CFD3-472C-9726-E54607DAAD0F}"/>
+              </a:ext>
+            </a:extLst>
+          </p:cNvPr>
+          <p:cNvPicPr>
+            <a:picLocks noChangeAspect="1"/>
+          </p:cNvPicPr>
+          <p:nvPr/>
+        </p:nvPicPr>
+        <p:blipFill>
+          <a:blip r:embed="rId2" cstate="hqprint">
+            <a:extLst>
+              <a:ext uri="{28A0092B-C50C-407E-A947-70E740481C1C}">
+                <a14:useLocalDpi xmlns:a14="http://schemas.microsoft.com/office/drawing/2010/main" val="0"/>
+              </a:ext>
+            </a:extLst>
+          </a:blip>
+          <a:stretch>
+            <a:fillRect/>
+          </a:stretch>
+        </p:blipFill>
+        <p:spPr>
+          <a:xfrm>
+            <a:off x="11371740" y="365125"/>
+            <a:ext cx="599846" cy="535577"/>
+          </a:xfrm>
+          <a:prstGeom prst="rect">
+            <a:avLst/>
+          </a:prstGeom>
+        </p:spPr>
+      </p:pic>
+      <p:sp>
+        <p:nvSpPr>
+          <p:cNvPr id="7" name="Título 1">
+            <a:extLst>
+              <a:ext uri="{FF2B5EF4-FFF2-40B4-BE49-F238E27FC236}">
+                <a16:creationId xmlns:a16="http://schemas.microsoft.com/office/drawing/2014/main" id="{99F76FBE-1BC2-4EE6-B90A-22263BF7BDCD}"/>
+              </a:ext>
+            </a:extLst>
+          </p:cNvPr>
+          <p:cNvSpPr txBox="1">
+            <a:spLocks/>
+          </p:cNvSpPr>
+          <p:nvPr/>
+        </p:nvSpPr>
+        <p:spPr>
+          <a:xfrm>
+            <a:off x="838199" y="1433807"/>
+            <a:ext cx="10515600" cy="1325563"/>
+          </a:xfrm>
+          <a:prstGeom prst="rect">
+            <a:avLst/>
+          </a:prstGeom>
+        </p:spPr>
+        <p:txBody>
+          <a:bodyPr vert="horz" lIns="91440" tIns="45720" rIns="91440" bIns="45720" rtlCol="0" anchor="ctr">
+            <a:normAutofit/>
+          </a:bodyPr>
+          <a:lstStyle>
+            <a:lvl1pPr algn="l" defTabSz="914400" rtl="0" eaLnBrk="1" latinLnBrk="0" hangingPunct="1">
+              <a:lnSpc>
+                <a:spcPct val="90000"/>
+              </a:lnSpc>
+              <a:spcBef>
+                <a:spcPct val="0"/>
+              </a:spcBef>
+              <a:buNone/>
+              <a:defRPr sz="4400" kern="1200">
+                <a:solidFill>
+                  <a:schemeClr val="tx1"/>
+                </a:solidFill>
+                <a:latin typeface="+mj-lt"/>
+                <a:ea typeface="+mj-ea"/>
+                <a:cs typeface="+mj-cs"/>
+              </a:defRPr>
+            </a:lvl1pPr>
+          </a:lstStyle>
+          <a:p>
+            <a:pPr algn="ctr"/>
+            <a:r>
+              <a:rPr lang="pt-BR" dirty="0" err="1" smtClean="0">
+                <a:solidFill>
+                  <a:schemeClr val="tx1">
+                    <a:lumMod val="75000"/>
+                    <a:lumOff val="25000"/>
+                  </a:schemeClr>
+                </a:solidFill>
+                <a:latin typeface="Bariol Bold" panose="02000506040000020003" pitchFamily="2" charset="0"/>
+              </a:rPr>
+              <a:t>Arduino</a:t>
+            </a:r>
+            <a:r>
+              <a:rPr lang="pt-BR" dirty="0" smtClean="0">
+                <a:solidFill>
+                  <a:schemeClr val="tx1">
+                    <a:lumMod val="75000"/>
+                    <a:lumOff val="25000"/>
+                  </a:schemeClr>
+                </a:solidFill>
+                <a:latin typeface="Bariol Bold" panose="02000506040000020003" pitchFamily="2" charset="0"/>
+              </a:rPr>
+              <a:t> e Sensor</a:t>
+            </a:r>
+            <a:endParaRPr lang="pt-BR" dirty="0">
+              <a:solidFill>
+                <a:schemeClr val="tx1">
+                  <a:lumMod val="75000"/>
+                  <a:lumOff val="25000"/>
+                </a:schemeClr>
+              </a:solidFill>
+              <a:latin typeface="Bariol Bold" panose="02000506040000020003" pitchFamily="2" charset="0"/>
+            </a:endParaRPr>
+          </a:p>
+        </p:txBody>
+      </p:sp>
+      <p:pic>
+        <p:nvPicPr>
+          <p:cNvPr id="8" name="Imagem 7" descr="Uma imagem contendo homem, em pé&#10;&#10;Descrição gerada automaticamente">
+            <a:extLst>
+              <a:ext uri="{FF2B5EF4-FFF2-40B4-BE49-F238E27FC236}">
+                <a16:creationId xmlns:a16="http://schemas.microsoft.com/office/drawing/2014/main" id="{DA7F4A6C-A6AF-458A-BCA8-4F6A41D15F36}"/>
+              </a:ext>
+            </a:extLst>
+          </p:cNvPr>
+          <p:cNvPicPr>
+            <a:picLocks noChangeAspect="1"/>
+          </p:cNvPicPr>
+          <p:nvPr/>
+        </p:nvPicPr>
+        <p:blipFill>
+          <a:blip r:embed="rId3">
+            <a:extLst>
+              <a:ext uri="{28A0092B-C50C-407E-A947-70E740481C1C}">
+                <a14:useLocalDpi xmlns:a14="http://schemas.microsoft.com/office/drawing/2010/main" val="0"/>
+              </a:ext>
+            </a:extLst>
+          </a:blip>
+          <a:stretch>
+            <a:fillRect/>
+          </a:stretch>
+        </p:blipFill>
+        <p:spPr>
+          <a:xfrm>
+            <a:off x="2282411" y="2394055"/>
+            <a:ext cx="7627176" cy="4307191"/>
+          </a:xfrm>
+          <a:prstGeom prst="rect">
+            <a:avLst/>
+          </a:prstGeom>
+        </p:spPr>
+      </p:pic>
+    </p:spTree>
+    <p:extLst>
+      <p:ext uri="{BB962C8B-B14F-4D97-AF65-F5344CB8AC3E}">
+        <p14:creationId xmlns:p14="http://schemas.microsoft.com/office/powerpoint/2010/main" val="3564643130"/>
+      </p:ext>
+    </p:extLst>
+  </p:cSld>
+  <p:clrMapOvr>
+    <a:masterClrMapping/>
+  </p:clrMapOvr>
+  <p:transition>
+    <p:fade/>
+  </p:transition>
+  <p:timing>
+    <p:tnLst>
+      <p:par>
+        <p:cTn id="1" dur="indefinite" restart="never" nodeType="tmRoot"/>
+      </p:par>
+    </p:tnLst>
+  </p:timing>
+</p:sld>
+</file>
+
+<file path=ppt/slides/slide11.xml><?xml version="1.0" encoding="utf-8"?>
+<p:sld xmlns:a="http://schemas.openxmlformats.org/drawingml/2006/main" xmlns:r="http://schemas.openxmlformats.org/officeDocument/2006/relationships" xmlns:p="http://schemas.openxmlformats.org/presentationml/2006/main">
+  <p:cSld>
+    <p:spTree>
+      <p:nvGrpSpPr>
+        <p:cNvPr id="1" name=""/>
+        <p:cNvGrpSpPr/>
+        <p:nvPr/>
+      </p:nvGrpSpPr>
+      <p:grpSpPr>
+        <a:xfrm>
+          <a:off x="0" y="0"/>
+          <a:ext cx="0" cy="0"/>
+          <a:chOff x="0" y="0"/>
+          <a:chExt cx="0" cy="0"/>
+        </a:xfrm>
+      </p:grpSpPr>
+      <p:pic>
+        <p:nvPicPr>
+          <p:cNvPr id="3" name="Imagem 2" descr="Uma imagem contendo texto, desenho&#10;&#10;Descrição gerada automaticamente">
+            <a:extLst>
+              <a:ext uri="{FF2B5EF4-FFF2-40B4-BE49-F238E27FC236}">
                 <a16:creationId xmlns:a16="http://schemas.microsoft.com/office/drawing/2014/main" id="{6AECC232-D7AB-402E-90C7-3E1285C8879A}"/>
               </a:ext>
             </a:extLst>
@@ -5135,58 +5332,16 @@
           <a:chExt cx="0" cy="0"/>
         </a:xfrm>
       </p:grpSpPr>
-      <p:sp>
-        <p:nvSpPr>
-          <p:cNvPr id="2" name="Título 1">
-            <a:extLst>
-              <a:ext uri="{FF2B5EF4-FFF2-40B4-BE49-F238E27FC236}">
-                <a16:creationId xmlns:a16="http://schemas.microsoft.com/office/drawing/2014/main" id="{99F76FBE-1BC2-4EE6-B90A-22263BF7BDCD}"/>
-              </a:ext>
-            </a:extLst>
-          </p:cNvPr>
-          <p:cNvSpPr>
-            <a:spLocks noGrp="1"/>
-          </p:cNvSpPr>
-          <p:nvPr>
-            <p:ph type="title"/>
-          </p:nvPr>
-        </p:nvSpPr>
-        <p:spPr/>
-        <p:txBody>
-          <a:bodyPr/>
-          <a:lstStyle/>
-          <a:p>
-            <a:r>
-              <a:rPr lang="pt-BR" dirty="0">
-                <a:solidFill>
-                  <a:schemeClr val="tx1">
-                    <a:lumMod val="75000"/>
-                    <a:lumOff val="25000"/>
-                  </a:schemeClr>
-                </a:solidFill>
-                <a:latin typeface="Bariol Bold" panose="02000506040000020003" pitchFamily="2" charset="0"/>
-              </a:rPr>
-              <a:t>Requisitos (Backlog)</a:t>
-            </a:r>
-          </a:p>
-        </p:txBody>
-      </p:sp>
       <p:pic>
         <p:nvPicPr>
-          <p:cNvPr id="3" name="Imagem 2" descr="Uma imagem contendo texto, desenho&#10;&#10;Descrição gerada automaticamente">
-            <a:extLst>
-              <a:ext uri="{FF2B5EF4-FFF2-40B4-BE49-F238E27FC236}">
-                <a16:creationId xmlns:a16="http://schemas.microsoft.com/office/drawing/2014/main" id="{59A68F05-1D84-4CD4-A095-E10372FD04AA}"/>
-              </a:ext>
-            </a:extLst>
-          </p:cNvPr>
+          <p:cNvPr id="13" name="Imagem 12"/>
           <p:cNvPicPr>
             <a:picLocks noChangeAspect="1"/>
           </p:cNvPicPr>
           <p:nvPr/>
         </p:nvPicPr>
         <p:blipFill>
-          <a:blip r:embed="rId2" cstate="hqprint">
+          <a:blip r:embed="rId2" cstate="print">
             <a:extLst>
               <a:ext uri="{28A0092B-C50C-407E-A947-70E740481C1C}">
                 <a14:useLocalDpi xmlns:a14="http://schemas.microsoft.com/office/drawing/2010/main" val="0"/>
@@ -5199,8 +5354,8 @@
         </p:blipFill>
         <p:spPr>
           <a:xfrm>
-            <a:off x="11371740" y="365125"/>
-            <a:ext cx="599846" cy="535577"/>
+            <a:off x="328625" y="206360"/>
+            <a:ext cx="3028173" cy="2111223"/>
           </a:xfrm>
           <a:prstGeom prst="rect">
             <a:avLst/>
@@ -5209,20 +5364,14 @@
       </p:pic>
       <p:pic>
         <p:nvPicPr>
-          <p:cNvPr id="6" name="Imagem 5" descr="Uma imagem contendo guarda-chuva&#10;&#10;Descrição gerada automaticamente">
-            <a:extLst>
-              <a:ext uri="{FF2B5EF4-FFF2-40B4-BE49-F238E27FC236}">
-                <a16:creationId xmlns:a16="http://schemas.microsoft.com/office/drawing/2014/main" id="{D62B1CC3-60C1-4DE7-A5AA-E47DADABEBAD}"/>
-              </a:ext>
-            </a:extLst>
-          </p:cNvPr>
+          <p:cNvPr id="15" name="Imagem 14"/>
           <p:cNvPicPr>
             <a:picLocks noChangeAspect="1"/>
           </p:cNvPicPr>
           <p:nvPr/>
         </p:nvPicPr>
         <p:blipFill>
-          <a:blip r:embed="rId3">
+          <a:blip r:embed="rId3" cstate="print">
             <a:extLst>
               <a:ext uri="{28A0092B-C50C-407E-A947-70E740481C1C}">
                 <a14:useLocalDpi xmlns:a14="http://schemas.microsoft.com/office/drawing/2010/main" val="0"/>
@@ -5235,8 +5384,8 @@
         </p:blipFill>
         <p:spPr>
           <a:xfrm>
-            <a:off x="7148569" y="3428999"/>
-            <a:ext cx="5003615" cy="3429001"/>
+            <a:off x="4481318" y="212429"/>
+            <a:ext cx="3122779" cy="2188713"/>
           </a:xfrm>
           <a:prstGeom prst="rect">
             <a:avLst/>
@@ -5245,20 +5394,14 @@
       </p:pic>
       <p:sp>
         <p:nvSpPr>
-          <p:cNvPr id="5" name="CaixaDeTexto 4">
-            <a:extLst>
-              <a:ext uri="{FF2B5EF4-FFF2-40B4-BE49-F238E27FC236}">
-                <a16:creationId xmlns:a16="http://schemas.microsoft.com/office/drawing/2014/main" id="{869545E3-DC46-4CDB-A839-CA8AA4E80E78}"/>
-              </a:ext>
-            </a:extLst>
-          </p:cNvPr>
+          <p:cNvPr id="18" name="CaixaDeTexto 17"/>
           <p:cNvSpPr txBox="1"/>
           <p:nvPr/>
         </p:nvSpPr>
         <p:spPr>
           <a:xfrm>
-            <a:off x="838200" y="2274838"/>
-            <a:ext cx="5995851" cy="1938992"/>
+            <a:off x="4213926" y="2207780"/>
+            <a:ext cx="3516806" cy="830997"/>
           </a:xfrm>
           <a:prstGeom prst="rect">
             <a:avLst/>
@@ -5271,85 +5414,505 @@
           </a:bodyPr>
           <a:lstStyle/>
           <a:p>
-            <a:pPr marL="342900" indent="-342900">
-              <a:buClr>
-                <a:srgbClr val="4772FF"/>
-              </a:buClr>
-              <a:buSzPct val="80000"/>
-              <a:buFont typeface="Wingdings" panose="05000000000000000000" pitchFamily="2" charset="2"/>
-              <a:buChar char="ü"/>
-            </a:pPr>
-            <a:r>
-              <a:rPr lang="pt-BR" sz="2400" dirty="0">
-                <a:latin typeface="Bariol Bold" panose="02000506040000020003" pitchFamily="2" charset="0"/>
+            <a:pPr algn="ctr"/>
+            <a:r>
+              <a:rPr lang="pt-BR" sz="1600" dirty="0" smtClean="0">
+                <a:latin typeface="Arial" panose="020B0604020202020204" pitchFamily="34" charset="0"/>
+                <a:cs typeface="Arial" panose="020B0604020202020204" pitchFamily="34" charset="0"/>
               </a:rPr>
-              <a:t>Sensor de temperatura</a:t>
-            </a:r>
-          </a:p>
-          <a:p>
-            <a:pPr marL="342900" indent="-342900">
-              <a:buClr>
-                <a:srgbClr val="4772FF"/>
-              </a:buClr>
-              <a:buSzPct val="80000"/>
-              <a:buFont typeface="Wingdings" panose="05000000000000000000" pitchFamily="2" charset="2"/>
-              <a:buChar char="ü"/>
-            </a:pPr>
-            <a:endParaRPr lang="pt-BR" sz="2400" dirty="0">
-              <a:latin typeface="Bariol Bold" panose="02000506040000020003" pitchFamily="2" charset="0"/>
+              <a:t>O sistema determina com esses dados o nível de circulação de pessoas no local.</a:t>
+            </a:r>
+          </a:p>
+        </p:txBody>
+      </p:sp>
+      <p:sp>
+        <p:nvSpPr>
+          <p:cNvPr id="19" name="CaixaDeTexto 18"/>
+          <p:cNvSpPr txBox="1"/>
+          <p:nvPr/>
+        </p:nvSpPr>
+        <p:spPr>
+          <a:xfrm>
+            <a:off x="328625" y="2197946"/>
+            <a:ext cx="3139434" cy="830997"/>
+          </a:xfrm>
+          <a:prstGeom prst="rect">
+            <a:avLst/>
+          </a:prstGeom>
+          <a:noFill/>
+        </p:spPr>
+        <p:txBody>
+          <a:bodyPr wrap="square" rtlCol="0">
+            <a:spAutoFit/>
+          </a:bodyPr>
+          <a:lstStyle/>
+          <a:p>
+            <a:pPr algn="ctr"/>
+            <a:r>
+              <a:rPr lang="pt-BR" sz="1600" dirty="0" smtClean="0">
+                <a:latin typeface="Arial" panose="020B0604020202020204" pitchFamily="34" charset="0"/>
+                <a:cs typeface="Arial" panose="020B0604020202020204" pitchFamily="34" charset="0"/>
+              </a:rPr>
+              <a:t>Coleta de dados através de sensor de calor.</a:t>
+            </a:r>
+          </a:p>
+          <a:p>
+            <a:endParaRPr lang="pt-BR" sz="1600" dirty="0"/>
+          </a:p>
+        </p:txBody>
+      </p:sp>
+      <p:sp>
+        <p:nvSpPr>
+          <p:cNvPr id="20" name="CaixaDeTexto 19"/>
+          <p:cNvSpPr txBox="1"/>
+          <p:nvPr/>
+        </p:nvSpPr>
+        <p:spPr>
+          <a:xfrm>
+            <a:off x="8161393" y="2235048"/>
+            <a:ext cx="3743438" cy="830997"/>
+          </a:xfrm>
+          <a:prstGeom prst="rect">
+            <a:avLst/>
+          </a:prstGeom>
+          <a:noFill/>
+        </p:spPr>
+        <p:txBody>
+          <a:bodyPr wrap="square" rtlCol="0">
+            <a:spAutoFit/>
+          </a:bodyPr>
+          <a:lstStyle/>
+          <a:p>
+            <a:pPr algn="ctr"/>
+            <a:r>
+              <a:rPr lang="pt-BR" sz="1600" dirty="0" smtClean="0">
+                <a:latin typeface="Arial" panose="020B0604020202020204" pitchFamily="34" charset="0"/>
+                <a:cs typeface="Arial" panose="020B0604020202020204" pitchFamily="34" charset="0"/>
+              </a:rPr>
+              <a:t>Um órgão responsável pelo transporte coletivo  pode usa-las para tomadas de decisão operacionais  nesses lugares</a:t>
+            </a:r>
+            <a:endParaRPr lang="pt-BR" sz="1600" dirty="0">
+              <a:latin typeface="Arial" panose="020B0604020202020204" pitchFamily="34" charset="0"/>
+              <a:cs typeface="Arial" panose="020B0604020202020204" pitchFamily="34" charset="0"/>
             </a:endParaRPr>
           </a:p>
-          <a:p>
-            <a:pPr marL="342900" indent="-342900">
-              <a:buClr>
-                <a:srgbClr val="4772FF"/>
-              </a:buClr>
-              <a:buSzPct val="80000"/>
-              <a:buFont typeface="Wingdings" panose="05000000000000000000" pitchFamily="2" charset="2"/>
-              <a:buChar char="ü"/>
-            </a:pPr>
-            <a:r>
-              <a:rPr lang="pt-BR" sz="2400" dirty="0">
-                <a:latin typeface="Bariol Bold" panose="02000506040000020003" pitchFamily="2" charset="0"/>
+        </p:txBody>
+      </p:sp>
+      <p:pic>
+        <p:nvPicPr>
+          <p:cNvPr id="21" name="Imagem 20"/>
+          <p:cNvPicPr>
+            <a:picLocks noChangeAspect="1"/>
+          </p:cNvPicPr>
+          <p:nvPr/>
+        </p:nvPicPr>
+        <p:blipFill>
+          <a:blip r:embed="rId4" cstate="print">
+            <a:extLst>
+              <a:ext uri="{28A0092B-C50C-407E-A947-70E740481C1C}">
+                <a14:useLocalDpi xmlns:a14="http://schemas.microsoft.com/office/drawing/2010/main" val="0"/>
+              </a:ext>
+            </a:extLst>
+          </a:blip>
+          <a:stretch>
+            <a:fillRect/>
+          </a:stretch>
+        </p:blipFill>
+        <p:spPr>
+          <a:xfrm>
+            <a:off x="8524179" y="301834"/>
+            <a:ext cx="3105170" cy="1918620"/>
+          </a:xfrm>
+          <a:prstGeom prst="rect">
+            <a:avLst/>
+          </a:prstGeom>
+        </p:spPr>
+      </p:pic>
+      <p:sp>
+        <p:nvSpPr>
+          <p:cNvPr id="22" name="CaixaDeTexto 21"/>
+          <p:cNvSpPr txBox="1"/>
+          <p:nvPr/>
+        </p:nvSpPr>
+        <p:spPr>
+          <a:xfrm>
+            <a:off x="93919" y="5799162"/>
+            <a:ext cx="3566160" cy="830997"/>
+          </a:xfrm>
+          <a:prstGeom prst="rect">
+            <a:avLst/>
+          </a:prstGeom>
+          <a:noFill/>
+        </p:spPr>
+        <p:txBody>
+          <a:bodyPr wrap="square" rtlCol="0">
+            <a:spAutoFit/>
+          </a:bodyPr>
+          <a:lstStyle/>
+          <a:p>
+            <a:pPr algn="ctr"/>
+            <a:r>
+              <a:rPr lang="pt-BR" sz="1600" dirty="0" smtClean="0">
+                <a:latin typeface="Arial" panose="020B0604020202020204" pitchFamily="34" charset="0"/>
+                <a:cs typeface="Arial" panose="020B0604020202020204" pitchFamily="34" charset="0"/>
               </a:rPr>
-              <a:t>Site Institucional</a:t>
-            </a:r>
-          </a:p>
-          <a:p>
-            <a:pPr marL="342900" indent="-342900">
-              <a:buClr>
-                <a:srgbClr val="4772FF"/>
-              </a:buClr>
-              <a:buSzPct val="80000"/>
-              <a:buFont typeface="Wingdings" panose="05000000000000000000" pitchFamily="2" charset="2"/>
-              <a:buChar char="ü"/>
-            </a:pPr>
-            <a:endParaRPr lang="pt-BR" sz="2400" dirty="0">
-              <a:latin typeface="Bariol Bold" panose="02000506040000020003" pitchFamily="2" charset="0"/>
+              <a:t>E assim eles podem optar por outras rotas se quiserem evitar a lotação desse local.</a:t>
+            </a:r>
+            <a:endParaRPr lang="pt-BR" sz="1600" dirty="0">
+              <a:latin typeface="Arial" panose="020B0604020202020204" pitchFamily="34" charset="0"/>
+              <a:cs typeface="Arial" panose="020B0604020202020204" pitchFamily="34" charset="0"/>
             </a:endParaRPr>
           </a:p>
-          <a:p>
-            <a:pPr marL="342900" indent="-342900">
-              <a:buClr>
-                <a:srgbClr val="4772FF"/>
-              </a:buClr>
-              <a:buSzPct val="80000"/>
-              <a:buFont typeface="Wingdings" panose="05000000000000000000" pitchFamily="2" charset="2"/>
-              <a:buChar char="ü"/>
-            </a:pPr>
-            <a:r>
-              <a:rPr lang="pt-BR" sz="2400" dirty="0">
-                <a:latin typeface="Bariol Bold" panose="02000506040000020003" pitchFamily="2" charset="0"/>
+        </p:txBody>
+      </p:sp>
+      <p:pic>
+        <p:nvPicPr>
+          <p:cNvPr id="23" name="Imagem 22"/>
+          <p:cNvPicPr>
+            <a:picLocks noChangeAspect="1"/>
+          </p:cNvPicPr>
+          <p:nvPr/>
+        </p:nvPicPr>
+        <p:blipFill>
+          <a:blip r:embed="rId5" cstate="print">
+            <a:extLst>
+              <a:ext uri="{28A0092B-C50C-407E-A947-70E740481C1C}">
+                <a14:useLocalDpi xmlns:a14="http://schemas.microsoft.com/office/drawing/2010/main" val="0"/>
+              </a:ext>
+            </a:extLst>
+          </a:blip>
+          <a:stretch>
+            <a:fillRect/>
+          </a:stretch>
+        </p:blipFill>
+        <p:spPr>
+          <a:xfrm>
+            <a:off x="643167" y="3891353"/>
+            <a:ext cx="2467664" cy="1882755"/>
+          </a:xfrm>
+          <a:prstGeom prst="rect">
+            <a:avLst/>
+          </a:prstGeom>
+        </p:spPr>
+      </p:pic>
+      <p:sp>
+        <p:nvSpPr>
+          <p:cNvPr id="24" name="CaixaDeTexto 23"/>
+          <p:cNvSpPr txBox="1"/>
+          <p:nvPr/>
+        </p:nvSpPr>
+        <p:spPr>
+          <a:xfrm>
+            <a:off x="3907671" y="5816954"/>
+            <a:ext cx="4129315" cy="830997"/>
+          </a:xfrm>
+          <a:prstGeom prst="rect">
+            <a:avLst/>
+          </a:prstGeom>
+          <a:noFill/>
+        </p:spPr>
+        <p:txBody>
+          <a:bodyPr wrap="square" rtlCol="0">
+            <a:spAutoFit/>
+          </a:bodyPr>
+          <a:lstStyle/>
+          <a:p>
+            <a:pPr algn="ctr"/>
+            <a:r>
+              <a:rPr lang="pt-BR" sz="1600" dirty="0" smtClean="0">
+                <a:latin typeface="Arial" panose="020B0604020202020204" pitchFamily="34" charset="0"/>
+                <a:cs typeface="Arial" panose="020B0604020202020204" pitchFamily="34" charset="0"/>
               </a:rPr>
-              <a:t>Sistema integrado ao Site</a:t>
-            </a:r>
-          </a:p>
-        </p:txBody>
-      </p:sp>
+              <a:t> A informação será disponibilizada através de um website para usuários do trem/ metrô.</a:t>
+            </a:r>
+            <a:endParaRPr lang="pt-BR" sz="1600" dirty="0">
+              <a:latin typeface="Arial" panose="020B0604020202020204" pitchFamily="34" charset="0"/>
+              <a:cs typeface="Arial" panose="020B0604020202020204" pitchFamily="34" charset="0"/>
+            </a:endParaRPr>
+          </a:p>
+        </p:txBody>
+      </p:sp>
+      <p:sp>
+        <p:nvSpPr>
+          <p:cNvPr id="26" name="CaixaDeTexto 25"/>
+          <p:cNvSpPr txBox="1"/>
+          <p:nvPr/>
+        </p:nvSpPr>
+        <p:spPr>
+          <a:xfrm>
+            <a:off x="8280615" y="5813676"/>
+            <a:ext cx="3566160" cy="830997"/>
+          </a:xfrm>
+          <a:prstGeom prst="rect">
+            <a:avLst/>
+          </a:prstGeom>
+          <a:noFill/>
+        </p:spPr>
+        <p:txBody>
+          <a:bodyPr wrap="square" rtlCol="0">
+            <a:spAutoFit/>
+          </a:bodyPr>
+          <a:lstStyle/>
+          <a:p>
+            <a:pPr algn="ctr"/>
+            <a:r>
+              <a:rPr lang="pt-BR" sz="1600" dirty="0" smtClean="0">
+                <a:latin typeface="Arial" panose="020B0604020202020204" pitchFamily="34" charset="0"/>
+                <a:cs typeface="Arial" panose="020B0604020202020204" pitchFamily="34" charset="0"/>
+              </a:rPr>
+              <a:t>E empresas para posicionamento estratégico de franquias e marketing em tais locais.</a:t>
+            </a:r>
+            <a:endParaRPr lang="pt-BR" sz="1600" dirty="0">
+              <a:latin typeface="Arial" panose="020B0604020202020204" pitchFamily="34" charset="0"/>
+              <a:cs typeface="Arial" panose="020B0604020202020204" pitchFamily="34" charset="0"/>
+            </a:endParaRPr>
+          </a:p>
+        </p:txBody>
+      </p:sp>
+      <p:pic>
+        <p:nvPicPr>
+          <p:cNvPr id="27" name="Imagem 26"/>
+          <p:cNvPicPr>
+            <a:picLocks noChangeAspect="1"/>
+          </p:cNvPicPr>
+          <p:nvPr/>
+        </p:nvPicPr>
+        <p:blipFill>
+          <a:blip r:embed="rId6" cstate="print">
+            <a:extLst>
+              <a:ext uri="{28A0092B-C50C-407E-A947-70E740481C1C}">
+                <a14:useLocalDpi xmlns:a14="http://schemas.microsoft.com/office/drawing/2010/main" val="0"/>
+              </a:ext>
+            </a:extLst>
+          </a:blip>
+          <a:stretch>
+            <a:fillRect/>
+          </a:stretch>
+        </p:blipFill>
+        <p:spPr>
+          <a:xfrm>
+            <a:off x="9021917" y="3924752"/>
+            <a:ext cx="2109694" cy="1841862"/>
+          </a:xfrm>
+          <a:prstGeom prst="rect">
+            <a:avLst/>
+          </a:prstGeom>
+        </p:spPr>
+      </p:pic>
+      <p:cxnSp>
+        <p:nvCxnSpPr>
+          <p:cNvPr id="30" name="Conector de Seta Reta 29"/>
+          <p:cNvCxnSpPr/>
+          <p:nvPr/>
+        </p:nvCxnSpPr>
+        <p:spPr>
+          <a:xfrm>
+            <a:off x="3480016" y="1389650"/>
+            <a:ext cx="801702" cy="3725"/>
+          </a:xfrm>
+          <a:prstGeom prst="straightConnector1">
+            <a:avLst/>
+          </a:prstGeom>
+          <a:ln w="38100">
+            <a:solidFill>
+              <a:srgbClr val="6159E6"/>
+            </a:solidFill>
+            <a:tailEnd type="triangle"/>
+          </a:ln>
+        </p:spPr>
+        <p:style>
+          <a:lnRef idx="1">
+            <a:schemeClr val="accent1"/>
+          </a:lnRef>
+          <a:fillRef idx="0">
+            <a:schemeClr val="accent1"/>
+          </a:fillRef>
+          <a:effectRef idx="0">
+            <a:schemeClr val="accent1"/>
+          </a:effectRef>
+          <a:fontRef idx="minor">
+            <a:schemeClr val="tx1"/>
+          </a:fontRef>
+        </p:style>
+      </p:cxnSp>
+      <p:cxnSp>
+        <p:nvCxnSpPr>
+          <p:cNvPr id="32" name="Conector de Seta Reta 31"/>
+          <p:cNvCxnSpPr/>
+          <p:nvPr/>
+        </p:nvCxnSpPr>
+        <p:spPr>
+          <a:xfrm>
+            <a:off x="7638356" y="1396910"/>
+            <a:ext cx="801702" cy="3725"/>
+          </a:xfrm>
+          <a:prstGeom prst="straightConnector1">
+            <a:avLst/>
+          </a:prstGeom>
+          <a:ln w="38100">
+            <a:solidFill>
+              <a:srgbClr val="6159E6"/>
+            </a:solidFill>
+            <a:tailEnd type="triangle"/>
+          </a:ln>
+        </p:spPr>
+        <p:style>
+          <a:lnRef idx="1">
+            <a:schemeClr val="accent1"/>
+          </a:lnRef>
+          <a:fillRef idx="0">
+            <a:schemeClr val="accent1"/>
+          </a:fillRef>
+          <a:effectRef idx="0">
+            <a:schemeClr val="accent1"/>
+          </a:effectRef>
+          <a:fontRef idx="minor">
+            <a:schemeClr val="tx1"/>
+          </a:fontRef>
+        </p:style>
+      </p:cxnSp>
+      <p:cxnSp>
+        <p:nvCxnSpPr>
+          <p:cNvPr id="33" name="Conector de Seta Reta 32"/>
+          <p:cNvCxnSpPr/>
+          <p:nvPr/>
+        </p:nvCxnSpPr>
+        <p:spPr>
+          <a:xfrm flipH="1">
+            <a:off x="7631098" y="4713427"/>
+            <a:ext cx="801702" cy="3725"/>
+          </a:xfrm>
+          <a:prstGeom prst="straightConnector1">
+            <a:avLst/>
+          </a:prstGeom>
+          <a:ln w="38100">
+            <a:solidFill>
+              <a:srgbClr val="6159E6"/>
+            </a:solidFill>
+            <a:tailEnd type="triangle"/>
+          </a:ln>
+        </p:spPr>
+        <p:style>
+          <a:lnRef idx="1">
+            <a:schemeClr val="accent1"/>
+          </a:lnRef>
+          <a:fillRef idx="0">
+            <a:schemeClr val="accent1"/>
+          </a:fillRef>
+          <a:effectRef idx="0">
+            <a:schemeClr val="accent1"/>
+          </a:effectRef>
+          <a:fontRef idx="minor">
+            <a:schemeClr val="tx1"/>
+          </a:fontRef>
+        </p:style>
+      </p:cxnSp>
+      <p:cxnSp>
+        <p:nvCxnSpPr>
+          <p:cNvPr id="34" name="Conector de Seta Reta 33"/>
+          <p:cNvCxnSpPr/>
+          <p:nvPr/>
+        </p:nvCxnSpPr>
+        <p:spPr>
+          <a:xfrm flipH="1">
+            <a:off x="3298582" y="4720687"/>
+            <a:ext cx="801702" cy="3725"/>
+          </a:xfrm>
+          <a:prstGeom prst="straightConnector1">
+            <a:avLst/>
+          </a:prstGeom>
+          <a:ln w="38100">
+            <a:solidFill>
+              <a:srgbClr val="6159E6"/>
+            </a:solidFill>
+            <a:tailEnd type="triangle"/>
+          </a:ln>
+        </p:spPr>
+        <p:style>
+          <a:lnRef idx="1">
+            <a:schemeClr val="accent1"/>
+          </a:lnRef>
+          <a:fillRef idx="0">
+            <a:schemeClr val="accent1"/>
+          </a:fillRef>
+          <a:effectRef idx="0">
+            <a:schemeClr val="accent1"/>
+          </a:effectRef>
+          <a:fontRef idx="minor">
+            <a:schemeClr val="tx1"/>
+          </a:fontRef>
+        </p:style>
+      </p:cxnSp>
+      <p:cxnSp>
+        <p:nvCxnSpPr>
+          <p:cNvPr id="35" name="Conector de Seta Reta 34"/>
+          <p:cNvCxnSpPr/>
+          <p:nvPr/>
+        </p:nvCxnSpPr>
+        <p:spPr>
+          <a:xfrm>
+            <a:off x="10214488" y="3123575"/>
+            <a:ext cx="3573" cy="635627"/>
+          </a:xfrm>
+          <a:prstGeom prst="straightConnector1">
+            <a:avLst/>
+          </a:prstGeom>
+          <a:ln w="38100">
+            <a:solidFill>
+              <a:srgbClr val="6159E6"/>
+            </a:solidFill>
+            <a:tailEnd type="triangle"/>
+          </a:ln>
+        </p:spPr>
+        <p:style>
+          <a:lnRef idx="1">
+            <a:schemeClr val="accent1"/>
+          </a:lnRef>
+          <a:fillRef idx="0">
+            <a:schemeClr val="accent1"/>
+          </a:fillRef>
+          <a:effectRef idx="0">
+            <a:schemeClr val="accent1"/>
+          </a:effectRef>
+          <a:fontRef idx="minor">
+            <a:schemeClr val="tx1"/>
+          </a:fontRef>
+        </p:style>
+      </p:cxnSp>
+      <p:pic>
+        <p:nvPicPr>
+          <p:cNvPr id="28" name="Imagem 27"/>
+          <p:cNvPicPr>
+            <a:picLocks noChangeAspect="1"/>
+          </p:cNvPicPr>
+          <p:nvPr/>
+        </p:nvPicPr>
+        <p:blipFill>
+          <a:blip r:embed="rId7" cstate="print">
+            <a:extLst>
+              <a:ext uri="{28A0092B-C50C-407E-A947-70E740481C1C}">
+                <a14:useLocalDpi xmlns:a14="http://schemas.microsoft.com/office/drawing/2010/main" val="0"/>
+              </a:ext>
+            </a:extLst>
+          </a:blip>
+          <a:stretch>
+            <a:fillRect/>
+          </a:stretch>
+        </p:blipFill>
+        <p:spPr>
+          <a:xfrm>
+            <a:off x="4533143" y="3746528"/>
+            <a:ext cx="2878369" cy="2027580"/>
+          </a:xfrm>
+          <a:prstGeom prst="rect">
+            <a:avLst/>
+          </a:prstGeom>
+        </p:spPr>
+      </p:pic>
     </p:spTree>
     <p:extLst>
       <p:ext uri="{BB962C8B-B14F-4D97-AF65-F5344CB8AC3E}">
-        <p14:creationId xmlns:p14="http://schemas.microsoft.com/office/powerpoint/2010/main" val="943267528"/>
+        <p14:creationId xmlns:p14="http://schemas.microsoft.com/office/powerpoint/2010/main" val="178609516"/>
       </p:ext>
     </p:extLst>
   </p:cSld>
@@ -5359,6 +5922,13 @@
   <p:transition>
     <p:fade/>
   </p:transition>
+  <p:timing>
+    <p:tnLst>
+      <p:par>
+        <p:cTn id="1" dur="indefinite" restart="never" nodeType="tmRoot"/>
+      </p:par>
+    </p:tnLst>
+  </p:timing>
 </p:sld>
 </file>
 
@@ -5395,17 +5965,11 @@
             <p:ph type="title"/>
           </p:nvPr>
         </p:nvSpPr>
-        <p:spPr>
-          <a:xfrm>
-            <a:off x="838199" y="1433807"/>
-            <a:ext cx="10515600" cy="1325563"/>
-          </a:xfrm>
-        </p:spPr>
+        <p:spPr/>
         <p:txBody>
           <a:bodyPr/>
           <a:lstStyle/>
           <a:p>
-            <a:pPr algn="ctr"/>
             <a:r>
               <a:rPr lang="pt-BR" dirty="0">
                 <a:solidFill>
@@ -5416,7 +5980,7 @@
                 </a:solidFill>
                 <a:latin typeface="Bariol Bold" panose="02000506040000020003" pitchFamily="2" charset="0"/>
               </a:rPr>
-              <a:t>Protótipo do Site</a:t>
+              <a:t>Requisitos (Backlog)</a:t>
             </a:r>
           </a:p>
         </p:txBody>
@@ -5426,7 +5990,7 @@
           <p:cNvPr id="3" name="Imagem 2" descr="Uma imagem contendo texto, desenho&#10;&#10;Descrição gerada automaticamente">
             <a:extLst>
               <a:ext uri="{FF2B5EF4-FFF2-40B4-BE49-F238E27FC236}">
-                <a16:creationId xmlns:a16="http://schemas.microsoft.com/office/drawing/2014/main" id="{33CEE295-8B68-4E72-8E77-548A33B7E7BB}"/>
+                <a16:creationId xmlns:a16="http://schemas.microsoft.com/office/drawing/2014/main" id="{59A68F05-1D84-4CD4-A095-E10372FD04AA}"/>
               </a:ext>
             </a:extLst>
           </p:cNvPr>
@@ -5459,10 +6023,10 @@
       </p:pic>
       <p:pic>
         <p:nvPicPr>
-          <p:cNvPr id="5" name="Imagem 4" descr="Uma imagem contendo computador&#10;&#10;Descrição gerada automaticamente">
-            <a:extLst>
-              <a:ext uri="{FF2B5EF4-FFF2-40B4-BE49-F238E27FC236}">
-                <a16:creationId xmlns:a16="http://schemas.microsoft.com/office/drawing/2014/main" id="{83C4BF57-CA9B-4FB0-826A-3CF89B791B0E}"/>
+          <p:cNvPr id="6" name="Imagem 5" descr="Uma imagem contendo guarda-chuva&#10;&#10;Descrição gerada automaticamente">
+            <a:extLst>
+              <a:ext uri="{FF2B5EF4-FFF2-40B4-BE49-F238E27FC236}">
+                <a16:creationId xmlns:a16="http://schemas.microsoft.com/office/drawing/2014/main" id="{D62B1CC3-60C1-4DE7-A5AA-E47DADABEBAD}"/>
               </a:ext>
             </a:extLst>
           </p:cNvPr>
@@ -5485,18 +6049,121 @@
         </p:blipFill>
         <p:spPr>
           <a:xfrm>
-            <a:off x="2773007" y="2759370"/>
-            <a:ext cx="6645983" cy="3931007"/>
+            <a:off x="7148569" y="3428999"/>
+            <a:ext cx="5003615" cy="3429001"/>
           </a:xfrm>
           <a:prstGeom prst="rect">
             <a:avLst/>
           </a:prstGeom>
         </p:spPr>
       </p:pic>
+      <p:sp>
+        <p:nvSpPr>
+          <p:cNvPr id="5" name="CaixaDeTexto 4">
+            <a:extLst>
+              <a:ext uri="{FF2B5EF4-FFF2-40B4-BE49-F238E27FC236}">
+                <a16:creationId xmlns:a16="http://schemas.microsoft.com/office/drawing/2014/main" id="{869545E3-DC46-4CDB-A839-CA8AA4E80E78}"/>
+              </a:ext>
+            </a:extLst>
+          </p:cNvPr>
+          <p:cNvSpPr txBox="1"/>
+          <p:nvPr/>
+        </p:nvSpPr>
+        <p:spPr>
+          <a:xfrm>
+            <a:off x="838200" y="2274838"/>
+            <a:ext cx="5995851" cy="1938992"/>
+          </a:xfrm>
+          <a:prstGeom prst="rect">
+            <a:avLst/>
+          </a:prstGeom>
+          <a:noFill/>
+        </p:spPr>
+        <p:txBody>
+          <a:bodyPr wrap="square" rtlCol="0">
+            <a:spAutoFit/>
+          </a:bodyPr>
+          <a:lstStyle/>
+          <a:p>
+            <a:pPr marL="342900" indent="-342900">
+              <a:buClr>
+                <a:srgbClr val="4772FF"/>
+              </a:buClr>
+              <a:buSzPct val="80000"/>
+              <a:buFont typeface="Wingdings" panose="05000000000000000000" pitchFamily="2" charset="2"/>
+              <a:buChar char="ü"/>
+            </a:pPr>
+            <a:r>
+              <a:rPr lang="pt-BR" sz="2400" dirty="0">
+                <a:latin typeface="Bariol Bold" panose="02000506040000020003" pitchFamily="2" charset="0"/>
+              </a:rPr>
+              <a:t>Sensor de temperatura</a:t>
+            </a:r>
+          </a:p>
+          <a:p>
+            <a:pPr marL="342900" indent="-342900">
+              <a:buClr>
+                <a:srgbClr val="4772FF"/>
+              </a:buClr>
+              <a:buSzPct val="80000"/>
+              <a:buFont typeface="Wingdings" panose="05000000000000000000" pitchFamily="2" charset="2"/>
+              <a:buChar char="ü"/>
+            </a:pPr>
+            <a:endParaRPr lang="pt-BR" sz="2400" dirty="0">
+              <a:latin typeface="Bariol Bold" panose="02000506040000020003" pitchFamily="2" charset="0"/>
+            </a:endParaRPr>
+          </a:p>
+          <a:p>
+            <a:pPr marL="342900" indent="-342900">
+              <a:buClr>
+                <a:srgbClr val="4772FF"/>
+              </a:buClr>
+              <a:buSzPct val="80000"/>
+              <a:buFont typeface="Wingdings" panose="05000000000000000000" pitchFamily="2" charset="2"/>
+              <a:buChar char="ü"/>
+            </a:pPr>
+            <a:r>
+              <a:rPr lang="pt-BR" sz="2400" dirty="0">
+                <a:latin typeface="Bariol Bold" panose="02000506040000020003" pitchFamily="2" charset="0"/>
+              </a:rPr>
+              <a:t>Site Institucional</a:t>
+            </a:r>
+          </a:p>
+          <a:p>
+            <a:pPr marL="342900" indent="-342900">
+              <a:buClr>
+                <a:srgbClr val="4772FF"/>
+              </a:buClr>
+              <a:buSzPct val="80000"/>
+              <a:buFont typeface="Wingdings" panose="05000000000000000000" pitchFamily="2" charset="2"/>
+              <a:buChar char="ü"/>
+            </a:pPr>
+            <a:endParaRPr lang="pt-BR" sz="2400" dirty="0">
+              <a:latin typeface="Bariol Bold" panose="02000506040000020003" pitchFamily="2" charset="0"/>
+            </a:endParaRPr>
+          </a:p>
+          <a:p>
+            <a:pPr marL="342900" indent="-342900">
+              <a:buClr>
+                <a:srgbClr val="4772FF"/>
+              </a:buClr>
+              <a:buSzPct val="80000"/>
+              <a:buFont typeface="Wingdings" panose="05000000000000000000" pitchFamily="2" charset="2"/>
+              <a:buChar char="ü"/>
+            </a:pPr>
+            <a:r>
+              <a:rPr lang="pt-BR" sz="2400" dirty="0">
+                <a:latin typeface="Bariol Bold" panose="02000506040000020003" pitchFamily="2" charset="0"/>
+              </a:rPr>
+              <a:t>Sistema integrado ao Site</a:t>
+            </a:r>
+          </a:p>
+        </p:txBody>
+      </p:sp>
     </p:spTree>
     <p:extLst>
       <p:ext uri="{BB962C8B-B14F-4D97-AF65-F5344CB8AC3E}">
-        <p14:creationId xmlns:p14="http://schemas.microsoft.com/office/powerpoint/2010/main" val="2246586275"/>
+        <p14:creationId xmlns:p14="http://schemas.microsoft.com/office/powerpoint/2010/main" val="943267528"/>
       </p:ext>
     </p:extLst>
   </p:cSld>
@@ -5506,13 +6173,6 @@
   <p:transition>
     <p:fade/>
   </p:transition>
-  <p:timing>
-    <p:tnLst>
-      <p:par>
-        <p:cTn id="1" dur="indefinite" restart="never" nodeType="tmRoot"/>
-      </p:par>
-    </p:tnLst>
-  </p:timing>
 </p:sld>
 </file>
 
@@ -5533,92 +6193,35 @@
           <a:chExt cx="0" cy="0"/>
         </a:xfrm>
       </p:grpSpPr>
-      <p:pic>
-        <p:nvPicPr>
-          <p:cNvPr id="3" name="Imagem 2" descr="Uma imagem contendo texto, desenho&#10;&#10;Descrição gerada automaticamente">
-            <a:extLst>
-              <a:ext uri="{FF2B5EF4-FFF2-40B4-BE49-F238E27FC236}">
-                <a16:creationId xmlns:a16="http://schemas.microsoft.com/office/drawing/2014/main" id="{1BC5E0AB-6EDC-4020-80FC-407DFD0D3C3E}"/>
-              </a:ext>
-            </a:extLst>
-          </p:cNvPr>
-          <p:cNvPicPr>
-            <a:picLocks noChangeAspect="1"/>
-          </p:cNvPicPr>
-          <p:nvPr/>
-        </p:nvPicPr>
-        <p:blipFill>
-          <a:blip r:embed="rId2" cstate="hqprint">
-            <a:extLst>
-              <a:ext uri="{28A0092B-C50C-407E-A947-70E740481C1C}">
-                <a14:useLocalDpi xmlns:a14="http://schemas.microsoft.com/office/drawing/2010/main" val="0"/>
-              </a:ext>
-            </a:extLst>
-          </a:blip>
-          <a:stretch>
-            <a:fillRect/>
-          </a:stretch>
-        </p:blipFill>
-        <p:spPr>
-          <a:xfrm>
-            <a:off x="11371740" y="365125"/>
-            <a:ext cx="599846" cy="535577"/>
-          </a:xfrm>
-          <a:prstGeom prst="rect">
-            <a:avLst/>
-          </a:prstGeom>
-        </p:spPr>
-      </p:pic>
-      <p:sp>
-        <p:nvSpPr>
-          <p:cNvPr id="6" name="Título 1">
+      <p:sp>
+        <p:nvSpPr>
+          <p:cNvPr id="2" name="Título 1">
             <a:extLst>
               <a:ext uri="{FF2B5EF4-FFF2-40B4-BE49-F238E27FC236}">
                 <a16:creationId xmlns:a16="http://schemas.microsoft.com/office/drawing/2014/main" id="{99F76FBE-1BC2-4EE6-B90A-22263BF7BDCD}"/>
               </a:ext>
             </a:extLst>
           </p:cNvPr>
-          <p:cNvSpPr txBox="1">
-            <a:spLocks/>
-          </p:cNvSpPr>
-          <p:nvPr/>
+          <p:cNvSpPr>
+            <a:spLocks noGrp="1"/>
+          </p:cNvSpPr>
+          <p:nvPr>
+            <p:ph type="title"/>
+          </p:nvPr>
         </p:nvSpPr>
         <p:spPr>
           <a:xfrm>
             <a:off x="838199" y="1433807"/>
             <a:ext cx="10515600" cy="1325563"/>
           </a:xfrm>
-          <a:prstGeom prst="rect">
-            <a:avLst/>
-          </a:prstGeom>
-        </p:spPr>
-        <p:txBody>
-          <a:bodyPr vert="horz" lIns="91440" tIns="45720" rIns="91440" bIns="45720" rtlCol="0" anchor="ctr">
-            <a:normAutofit/>
-          </a:bodyPr>
-          <a:lstStyle>
-            <a:lvl1pPr algn="l" defTabSz="914400" rtl="0" eaLnBrk="1" latinLnBrk="0" hangingPunct="1">
-              <a:lnSpc>
-                <a:spcPct val="90000"/>
-              </a:lnSpc>
-              <a:spcBef>
-                <a:spcPct val="0"/>
-              </a:spcBef>
-              <a:buNone/>
-              <a:defRPr sz="4400" kern="1200">
-                <a:solidFill>
-                  <a:schemeClr val="tx1"/>
-                </a:solidFill>
-                <a:latin typeface="+mj-lt"/>
-                <a:ea typeface="+mj-ea"/>
-                <a:cs typeface="+mj-cs"/>
-              </a:defRPr>
-            </a:lvl1pPr>
-          </a:lstStyle>
+        </p:spPr>
+        <p:txBody>
+          <a:bodyPr/>
+          <a:lstStyle/>
           <a:p>
             <a:pPr algn="ctr"/>
             <a:r>
-              <a:rPr lang="pt-BR" dirty="0" smtClean="0">
+              <a:rPr lang="pt-BR" dirty="0">
                 <a:solidFill>
                   <a:schemeClr val="tx1">
                     <a:lumMod val="75000"/>
@@ -5627,26 +6230,53 @@
                 </a:solidFill>
                 <a:latin typeface="Bariol Bold" panose="02000506040000020003" pitchFamily="2" charset="0"/>
               </a:rPr>
-              <a:t>Banco de Dados (Protótipo)</a:t>
-            </a:r>
-            <a:endParaRPr lang="pt-BR" dirty="0">
-              <a:solidFill>
-                <a:schemeClr val="tx1">
-                  <a:lumMod val="75000"/>
-                  <a:lumOff val="25000"/>
-                </a:schemeClr>
-              </a:solidFill>
-              <a:latin typeface="Bariol Bold" panose="02000506040000020003" pitchFamily="2" charset="0"/>
-            </a:endParaRPr>
+              <a:t>Protótipo do Site</a:t>
+            </a:r>
           </a:p>
         </p:txBody>
       </p:sp>
       <p:pic>
         <p:nvPicPr>
-          <p:cNvPr id="7" name="Imagem 6" descr="Uma imagem contendo homem, segurando, esqui, neve&#10;&#10;Descrição gerada automaticamente">
-            <a:extLst>
-              <a:ext uri="{FF2B5EF4-FFF2-40B4-BE49-F238E27FC236}">
-                <a16:creationId xmlns:a16="http://schemas.microsoft.com/office/drawing/2014/main" id="{2EB99745-E546-4AF1-BB7A-70FE206BCD05}"/>
+          <p:cNvPr id="3" name="Imagem 2" descr="Uma imagem contendo texto, desenho&#10;&#10;Descrição gerada automaticamente">
+            <a:extLst>
+              <a:ext uri="{FF2B5EF4-FFF2-40B4-BE49-F238E27FC236}">
+                <a16:creationId xmlns:a16="http://schemas.microsoft.com/office/drawing/2014/main" id="{33CEE295-8B68-4E72-8E77-548A33B7E7BB}"/>
+              </a:ext>
+            </a:extLst>
+          </p:cNvPr>
+          <p:cNvPicPr>
+            <a:picLocks noChangeAspect="1"/>
+          </p:cNvPicPr>
+          <p:nvPr/>
+        </p:nvPicPr>
+        <p:blipFill>
+          <a:blip r:embed="rId2" cstate="hqprint">
+            <a:extLst>
+              <a:ext uri="{28A0092B-C50C-407E-A947-70E740481C1C}">
+                <a14:useLocalDpi xmlns:a14="http://schemas.microsoft.com/office/drawing/2010/main" val="0"/>
+              </a:ext>
+            </a:extLst>
+          </a:blip>
+          <a:stretch>
+            <a:fillRect/>
+          </a:stretch>
+        </p:blipFill>
+        <p:spPr>
+          <a:xfrm>
+            <a:off x="11371740" y="365125"/>
+            <a:ext cx="599846" cy="535577"/>
+          </a:xfrm>
+          <a:prstGeom prst="rect">
+            <a:avLst/>
+          </a:prstGeom>
+        </p:spPr>
+      </p:pic>
+      <p:pic>
+        <p:nvPicPr>
+          <p:cNvPr id="5" name="Imagem 4" descr="Uma imagem contendo computador&#10;&#10;Descrição gerada automaticamente">
+            <a:extLst>
+              <a:ext uri="{FF2B5EF4-FFF2-40B4-BE49-F238E27FC236}">
+                <a16:creationId xmlns:a16="http://schemas.microsoft.com/office/drawing/2014/main" id="{83C4BF57-CA9B-4FB0-826A-3CF89B791B0E}"/>
               </a:ext>
             </a:extLst>
           </p:cNvPr>
@@ -5669,8 +6299,8 @@
         </p:blipFill>
         <p:spPr>
           <a:xfrm>
-            <a:off x="2950595" y="2394055"/>
-            <a:ext cx="6468395" cy="4661637"/>
+            <a:off x="2773007" y="2759370"/>
+            <a:ext cx="6645983" cy="3931007"/>
           </a:xfrm>
           <a:prstGeom prst="rect">
             <a:avLst/>
@@ -5680,7 +6310,7 @@
     </p:spTree>
     <p:extLst>
       <p:ext uri="{BB962C8B-B14F-4D97-AF65-F5344CB8AC3E}">
-        <p14:creationId xmlns:p14="http://schemas.microsoft.com/office/powerpoint/2010/main" val="2158821782"/>
+        <p14:creationId xmlns:p14="http://schemas.microsoft.com/office/powerpoint/2010/main" val="2246586275"/>
       </p:ext>
     </p:extLst>
   </p:cSld>
@@ -5722,7 +6352,7 @@
           <p:cNvPr id="3" name="Imagem 2" descr="Uma imagem contendo texto, desenho&#10;&#10;Descrição gerada automaticamente">
             <a:extLst>
               <a:ext uri="{FF2B5EF4-FFF2-40B4-BE49-F238E27FC236}">
-                <a16:creationId xmlns:a16="http://schemas.microsoft.com/office/drawing/2014/main" id="{24410E01-CFD3-472C-9726-E54607DAAD0F}"/>
+                <a16:creationId xmlns:a16="http://schemas.microsoft.com/office/drawing/2014/main" id="{1BC5E0AB-6EDC-4020-80FC-407DFD0D3C3E}"/>
               </a:ext>
             </a:extLst>
           </p:cNvPr>
@@ -5755,7 +6385,7 @@
       </p:pic>
       <p:sp>
         <p:nvSpPr>
-          <p:cNvPr id="7" name="Título 1">
+          <p:cNvPr id="6" name="Título 1">
             <a:extLst>
               <a:ext uri="{FF2B5EF4-FFF2-40B4-BE49-F238E27FC236}">
                 <a16:creationId xmlns:a16="http://schemas.microsoft.com/office/drawing/2014/main" id="{99F76FBE-1BC2-4EE6-B90A-22263BF7BDCD}"/>
@@ -5802,18 +6432,6 @@
           <a:p>
             <a:pPr algn="ctr"/>
             <a:r>
-              <a:rPr lang="pt-BR" dirty="0" err="1" smtClean="0">
-                <a:solidFill>
-                  <a:schemeClr val="tx1">
-                    <a:lumMod val="75000"/>
-                    <a:lumOff val="25000"/>
-                  </a:schemeClr>
-                </a:solidFill>
-                <a:latin typeface="Bariol Bold" panose="02000506040000020003" pitchFamily="2" charset="0"/>
-              </a:rPr>
-              <a:t>Arduino</a:t>
-            </a:r>
-            <a:r>
               <a:rPr lang="pt-BR" dirty="0" smtClean="0">
                 <a:solidFill>
                   <a:schemeClr val="tx1">
@@ -5823,7 +6441,7 @@
                 </a:solidFill>
                 <a:latin typeface="Bariol Bold" panose="02000506040000020003" pitchFamily="2" charset="0"/>
               </a:rPr>
-              <a:t> e Sensor</a:t>
+              <a:t>Banco de Dados (Protótipo)</a:t>
             </a:r>
             <a:endParaRPr lang="pt-BR" dirty="0">
               <a:solidFill>
@@ -5839,10 +6457,10 @@
       </p:sp>
       <p:pic>
         <p:nvPicPr>
-          <p:cNvPr id="8" name="Imagem 7" descr="Uma imagem contendo homem, em pé&#10;&#10;Descrição gerada automaticamente">
-            <a:extLst>
-              <a:ext uri="{FF2B5EF4-FFF2-40B4-BE49-F238E27FC236}">
-                <a16:creationId xmlns:a16="http://schemas.microsoft.com/office/drawing/2014/main" id="{DA7F4A6C-A6AF-458A-BCA8-4F6A41D15F36}"/>
+          <p:cNvPr id="7" name="Imagem 6" descr="Uma imagem contendo homem, segurando, esqui, neve&#10;&#10;Descrição gerada automaticamente">
+            <a:extLst>
+              <a:ext uri="{FF2B5EF4-FFF2-40B4-BE49-F238E27FC236}">
+                <a16:creationId xmlns:a16="http://schemas.microsoft.com/office/drawing/2014/main" id="{2EB99745-E546-4AF1-BB7A-70FE206BCD05}"/>
               </a:ext>
             </a:extLst>
           </p:cNvPr>
@@ -5865,8 +6483,8 @@
         </p:blipFill>
         <p:spPr>
           <a:xfrm>
-            <a:off x="2282411" y="2394055"/>
-            <a:ext cx="7627176" cy="4307191"/>
+            <a:off x="2950595" y="2394055"/>
+            <a:ext cx="6468395" cy="4661637"/>
           </a:xfrm>
           <a:prstGeom prst="rect">
             <a:avLst/>
@@ -5876,7 +6494,7 @@
     </p:spTree>
     <p:extLst>
       <p:ext uri="{BB962C8B-B14F-4D97-AF65-F5344CB8AC3E}">
-        <p14:creationId xmlns:p14="http://schemas.microsoft.com/office/powerpoint/2010/main" val="3564643130"/>
+        <p14:creationId xmlns:p14="http://schemas.microsoft.com/office/powerpoint/2010/main" val="2158821782"/>
       </p:ext>
     </p:extLst>
   </p:cSld>

--- a/documentacao/slide-synergy.pptx
+++ b/documentacao/slide-synergy.pptx
@@ -3737,8 +3737,43 @@
           </p:cNvPicPr>
           <p:nvPr/>
         </p:nvPicPr>
+        <p:blipFill rotWithShape="1">
+          <a:blip r:embed="rId2">
+            <a:extLst>
+              <a:ext uri="{28A0092B-C50C-407E-A947-70E740481C1C}">
+                <a14:useLocalDpi xmlns:a14="http://schemas.microsoft.com/office/drawing/2010/main" val="0"/>
+              </a:ext>
+            </a:extLst>
+          </a:blip>
+          <a:srcRect l="25393" t="60190" r="27757" b="9412"/>
+          <a:stretch/>
+        </p:blipFill>
+        <p:spPr>
+          <a:xfrm>
+            <a:off x="3135532" y="3723232"/>
+            <a:ext cx="5711927" cy="2084679"/>
+          </a:xfrm>
+          <a:prstGeom prst="rect">
+            <a:avLst/>
+          </a:prstGeom>
+        </p:spPr>
+      </p:pic>
+      <p:pic>
+        <p:nvPicPr>
+          <p:cNvPr id="3" name="Imagem 2" descr="Uma imagem contendo texto, desenho&#10;&#10;Descrição gerada automaticamente">
+            <a:extLst>
+              <a:ext uri="{FF2B5EF4-FFF2-40B4-BE49-F238E27FC236}">
+                <a16:creationId xmlns:a16="http://schemas.microsoft.com/office/drawing/2014/main" id="{1111ADB1-2918-40BD-BC1F-D7866A69CB23}"/>
+              </a:ext>
+            </a:extLst>
+          </p:cNvPr>
+          <p:cNvPicPr>
+            <a:picLocks noChangeAspect="1"/>
+          </p:cNvPicPr>
+          <p:nvPr/>
+        </p:nvPicPr>
         <p:blipFill>
-          <a:blip r:embed="rId2">
+          <a:blip r:embed="rId3" cstate="hqprint">
             <a:extLst>
               <a:ext uri="{28A0092B-C50C-407E-A947-70E740481C1C}">
                 <a14:useLocalDpi xmlns:a14="http://schemas.microsoft.com/office/drawing/2010/main" val="0"/>
@@ -3751,8 +3786,8 @@
         </p:blipFill>
         <p:spPr>
           <a:xfrm>
-            <a:off x="0" y="0"/>
-            <a:ext cx="12192000" cy="6858000"/>
+            <a:off x="4785942" y="1423170"/>
+            <a:ext cx="2411106" cy="2182132"/>
           </a:xfrm>
           <a:prstGeom prst="rect">
             <a:avLst/>
@@ -3772,6 +3807,129 @@
   <p:transition>
     <p:fade/>
   </p:transition>
+  <p:timing>
+    <p:tnLst>
+      <p:par>
+        <p:cTn id="1" dur="indefinite" restart="never" nodeType="tmRoot">
+          <p:childTnLst>
+            <p:seq concurrent="1" nextAc="seek">
+              <p:cTn id="2" dur="indefinite" nodeType="mainSeq">
+                <p:childTnLst>
+                  <p:par>
+                    <p:cTn id="3" fill="hold">
+                      <p:stCondLst>
+                        <p:cond delay="indefinite"/>
+                      </p:stCondLst>
+                      <p:childTnLst>
+                        <p:par>
+                          <p:cTn id="4" fill="hold">
+                            <p:stCondLst>
+                              <p:cond delay="0"/>
+                            </p:stCondLst>
+                            <p:childTnLst>
+                              <p:par>
+                                <p:cTn id="5" presetID="10" presetClass="exit" presetSubtype="0" fill="hold" nodeType="clickEffect">
+                                  <p:stCondLst>
+                                    <p:cond delay="0"/>
+                                  </p:stCondLst>
+                                  <p:childTnLst>
+                                    <p:animEffect transition="out" filter="fade">
+                                      <p:cBhvr>
+                                        <p:cTn id="6" dur="500"/>
+                                        <p:tgtEl>
+                                          <p:spTgt spid="5"/>
+                                        </p:tgtEl>
+                                      </p:cBhvr>
+                                    </p:animEffect>
+                                    <p:set>
+                                      <p:cBhvr>
+                                        <p:cTn id="7" dur="1" fill="hold">
+                                          <p:stCondLst>
+                                            <p:cond delay="499"/>
+                                          </p:stCondLst>
+                                        </p:cTn>
+                                        <p:tgtEl>
+                                          <p:spTgt spid="5"/>
+                                        </p:tgtEl>
+                                        <p:attrNameLst>
+                                          <p:attrName>style.visibility</p:attrName>
+                                        </p:attrNameLst>
+                                      </p:cBhvr>
+                                      <p:to>
+                                        <p:strVal val="hidden"/>
+                                      </p:to>
+                                    </p:set>
+                                  </p:childTnLst>
+                                </p:cTn>
+                              </p:par>
+                              <p:par>
+                                <p:cTn id="8" presetID="6" presetClass="emph" presetSubtype="0" fill="hold" nodeType="withEffect">
+                                  <p:stCondLst>
+                                    <p:cond delay="0"/>
+                                  </p:stCondLst>
+                                  <p:childTnLst>
+                                    <p:animScale>
+                                      <p:cBhvr>
+                                        <p:cTn id="9" dur="500" fill="hold"/>
+                                        <p:tgtEl>
+                                          <p:spTgt spid="3"/>
+                                        </p:tgtEl>
+                                      </p:cBhvr>
+                                      <p:by x="25000" y="25000"/>
+                                    </p:animScale>
+                                  </p:childTnLst>
+                                </p:cTn>
+                              </p:par>
+                              <p:par>
+                                <p:cTn id="10" presetID="63" presetClass="path" presetSubtype="0" accel="50000" decel="50000" fill="hold" nodeType="withEffect">
+                                  <p:stCondLst>
+                                    <p:cond delay="0"/>
+                                  </p:stCondLst>
+                                  <p:childTnLst>
+                                    <p:animMotion origin="layout" path="M 3.75E-6 4.81481E-6 L 0.46549 -0.27431 " pathEditMode="relative" rAng="0" ptsTypes="AA">
+                                      <p:cBhvr>
+                                        <p:cTn id="11" dur="1000" fill="hold"/>
+                                        <p:tgtEl>
+                                          <p:spTgt spid="3"/>
+                                        </p:tgtEl>
+                                        <p:attrNameLst>
+                                          <p:attrName>ppt_x</p:attrName>
+                                          <p:attrName>ppt_y</p:attrName>
+                                        </p:attrNameLst>
+                                      </p:cBhvr>
+                                      <p:rCtr x="23268" y="-13727"/>
+                                    </p:animMotion>
+                                  </p:childTnLst>
+                                </p:cTn>
+                              </p:par>
+                            </p:childTnLst>
+                          </p:cTn>
+                        </p:par>
+                      </p:childTnLst>
+                    </p:cTn>
+                  </p:par>
+                </p:childTnLst>
+              </p:cTn>
+              <p:prevCondLst>
+                <p:cond evt="onPrev" delay="0">
+                  <p:tgtEl>
+                    <p:sldTgt/>
+                  </p:tgtEl>
+                </p:cond>
+              </p:prevCondLst>
+              <p:nextCondLst>
+                <p:cond evt="onNext" delay="0">
+                  <p:tgtEl>
+                    <p:sldTgt/>
+                  </p:tgtEl>
+                </p:cond>
+              </p:nextCondLst>
+            </p:seq>
+          </p:childTnLst>
+        </p:cTn>
+      </p:par>
+    </p:tnLst>
+  </p:timing>
 </p:sld>
 </file>
 
@@ -3949,6 +4107,13 @@
   <p:transition>
     <p:fade/>
   </p:transition>
+  <p:timing>
+    <p:tnLst>
+      <p:par>
+        <p:cTn id="1" dur="indefinite" restart="never" nodeType="tmRoot"/>
+      </p:par>
+    </p:tnLst>
+  </p:timing>
 </p:sld>
 </file>
 
@@ -4516,9 +4681,16 @@
   <p:clrMapOvr>
     <a:masterClrMapping/>
   </p:clrMapOvr>
-  <p:transition>
+  <p:transition advClick="0">
     <p:fade/>
   </p:transition>
+  <p:timing>
+    <p:tnLst>
+      <p:par>
+        <p:cTn id="1" dur="indefinite" restart="never" nodeType="tmRoot"/>
+      </p:par>
+    </p:tnLst>
+  </p:timing>
 </p:sld>
 </file>
 
@@ -4660,6 +4832,13 @@
   <p:transition>
     <p:fade/>
   </p:transition>
+  <p:timing>
+    <p:tnLst>
+      <p:par>
+        <p:cTn id="1" dur="indefinite" restart="never" nodeType="tmRoot"/>
+      </p:par>
+    </p:tnLst>
+  </p:timing>
 </p:sld>
 </file>
 
@@ -4873,6 +5052,199 @@
   <p:transition>
     <p:fade/>
   </p:transition>
+  <p:timing>
+    <p:tnLst>
+      <p:par>
+        <p:cTn id="1" dur="indefinite" restart="never" nodeType="tmRoot">
+          <p:childTnLst>
+            <p:seq concurrent="1" nextAc="seek">
+              <p:cTn id="2" dur="indefinite" nodeType="mainSeq">
+                <p:childTnLst>
+                  <p:par>
+                    <p:cTn id="3" fill="hold">
+                      <p:stCondLst>
+                        <p:cond delay="indefinite"/>
+                        <p:cond evt="onBegin" delay="0">
+                          <p:tn val="2"/>
+                        </p:cond>
+                      </p:stCondLst>
+                      <p:childTnLst>
+                        <p:par>
+                          <p:cTn id="4" fill="hold">
+                            <p:stCondLst>
+                              <p:cond delay="0"/>
+                            </p:stCondLst>
+                            <p:childTnLst>
+                              <p:par>
+                                <p:cTn id="5" presetID="10" presetClass="entr" presetSubtype="0" fill="hold" grpId="0" nodeType="afterEffect">
+                                  <p:stCondLst>
+                                    <p:cond delay="0"/>
+                                  </p:stCondLst>
+                                  <p:childTnLst>
+                                    <p:set>
+                                      <p:cBhvr>
+                                        <p:cTn id="6" dur="1" fill="hold">
+                                          <p:stCondLst>
+                                            <p:cond delay="0"/>
+                                          </p:stCondLst>
+                                        </p:cTn>
+                                        <p:tgtEl>
+                                          <p:spTgt spid="4">
+                                            <p:txEl>
+                                              <p:pRg st="0" end="0"/>
+                                            </p:txEl>
+                                          </p:spTgt>
+                                        </p:tgtEl>
+                                        <p:attrNameLst>
+                                          <p:attrName>style.visibility</p:attrName>
+                                        </p:attrNameLst>
+                                      </p:cBhvr>
+                                      <p:to>
+                                        <p:strVal val="visible"/>
+                                      </p:to>
+                                    </p:set>
+                                    <p:animEffect transition="in" filter="fade">
+                                      <p:cBhvr>
+                                        <p:cTn id="7" dur="500"/>
+                                        <p:tgtEl>
+                                          <p:spTgt spid="4">
+                                            <p:txEl>
+                                              <p:pRg st="0" end="0"/>
+                                            </p:txEl>
+                                          </p:spTgt>
+                                        </p:tgtEl>
+                                      </p:cBhvr>
+                                    </p:animEffect>
+                                  </p:childTnLst>
+                                </p:cTn>
+                              </p:par>
+                            </p:childTnLst>
+                          </p:cTn>
+                        </p:par>
+                        <p:par>
+                          <p:cTn id="8" fill="hold">
+                            <p:stCondLst>
+                              <p:cond delay="500"/>
+                            </p:stCondLst>
+                            <p:childTnLst>
+                              <p:par>
+                                <p:cTn id="9" presetID="10" presetClass="entr" presetSubtype="0" fill="hold" grpId="0" nodeType="afterEffect">
+                                  <p:stCondLst>
+                                    <p:cond delay="0"/>
+                                  </p:stCondLst>
+                                  <p:childTnLst>
+                                    <p:set>
+                                      <p:cBhvr>
+                                        <p:cTn id="10" dur="1" fill="hold">
+                                          <p:stCondLst>
+                                            <p:cond delay="0"/>
+                                          </p:stCondLst>
+                                        </p:cTn>
+                                        <p:tgtEl>
+                                          <p:spTgt spid="4">
+                                            <p:txEl>
+                                              <p:pRg st="2" end="2"/>
+                                            </p:txEl>
+                                          </p:spTgt>
+                                        </p:tgtEl>
+                                        <p:attrNameLst>
+                                          <p:attrName>style.visibility</p:attrName>
+                                        </p:attrNameLst>
+                                      </p:cBhvr>
+                                      <p:to>
+                                        <p:strVal val="visible"/>
+                                      </p:to>
+                                    </p:set>
+                                    <p:animEffect transition="in" filter="fade">
+                                      <p:cBhvr>
+                                        <p:cTn id="11" dur="500"/>
+                                        <p:tgtEl>
+                                          <p:spTgt spid="4">
+                                            <p:txEl>
+                                              <p:pRg st="2" end="2"/>
+                                            </p:txEl>
+                                          </p:spTgt>
+                                        </p:tgtEl>
+                                      </p:cBhvr>
+                                    </p:animEffect>
+                                  </p:childTnLst>
+                                </p:cTn>
+                              </p:par>
+                            </p:childTnLst>
+                          </p:cTn>
+                        </p:par>
+                        <p:par>
+                          <p:cTn id="12" fill="hold">
+                            <p:stCondLst>
+                              <p:cond delay="1000"/>
+                            </p:stCondLst>
+                            <p:childTnLst>
+                              <p:par>
+                                <p:cTn id="13" presetID="10" presetClass="entr" presetSubtype="0" fill="hold" nodeType="afterEffect">
+                                  <p:stCondLst>
+                                    <p:cond delay="0"/>
+                                  </p:stCondLst>
+                                  <p:childTnLst>
+                                    <p:set>
+                                      <p:cBhvr>
+                                        <p:cTn id="14" dur="1" fill="hold">
+                                          <p:stCondLst>
+                                            <p:cond delay="0"/>
+                                          </p:stCondLst>
+                                        </p:cTn>
+                                        <p:tgtEl>
+                                          <p:spTgt spid="6"/>
+                                        </p:tgtEl>
+                                        <p:attrNameLst>
+                                          <p:attrName>style.visibility</p:attrName>
+                                        </p:attrNameLst>
+                                      </p:cBhvr>
+                                      <p:to>
+                                        <p:strVal val="visible"/>
+                                      </p:to>
+                                    </p:set>
+                                    <p:animEffect transition="in" filter="fade">
+                                      <p:cBhvr>
+                                        <p:cTn id="15" dur="500"/>
+                                        <p:tgtEl>
+                                          <p:spTgt spid="6"/>
+                                        </p:tgtEl>
+                                      </p:cBhvr>
+                                    </p:animEffect>
+                                  </p:childTnLst>
+                                </p:cTn>
+                              </p:par>
+                            </p:childTnLst>
+                          </p:cTn>
+                        </p:par>
+                      </p:childTnLst>
+                    </p:cTn>
+                  </p:par>
+                </p:childTnLst>
+              </p:cTn>
+              <p:prevCondLst>
+                <p:cond evt="onPrev" delay="0">
+                  <p:tgtEl>
+                    <p:sldTgt/>
+                  </p:tgtEl>
+                </p:cond>
+              </p:prevCondLst>
+              <p:nextCondLst>
+                <p:cond evt="onNext" delay="0">
+                  <p:tgtEl>
+                    <p:sldTgt/>
+                  </p:tgtEl>
+                </p:cond>
+              </p:nextCondLst>
+            </p:seq>
+          </p:childTnLst>
+        </p:cTn>
+      </p:par>
+    </p:tnLst>
+    <p:bldLst>
+      <p:bldP spid="4" grpId="0" build="allAtOnce"/>
+    </p:bldLst>
+  </p:timing>
 </p:sld>
 </file>
 
@@ -5115,6 +5487,251 @@
   <p:transition>
     <p:fade/>
   </p:transition>
+  <p:timing>
+    <p:tnLst>
+      <p:par>
+        <p:cTn id="1" dur="indefinite" restart="never" nodeType="tmRoot">
+          <p:childTnLst>
+            <p:seq concurrent="1" nextAc="seek">
+              <p:cTn id="2" dur="indefinite" nodeType="mainSeq">
+                <p:childTnLst>
+                  <p:par>
+                    <p:cTn id="3" fill="hold">
+                      <p:stCondLst>
+                        <p:cond delay="indefinite"/>
+                        <p:cond evt="onBegin" delay="0">
+                          <p:tn val="2"/>
+                        </p:cond>
+                      </p:stCondLst>
+                      <p:childTnLst>
+                        <p:par>
+                          <p:cTn id="4" fill="hold">
+                            <p:stCondLst>
+                              <p:cond delay="0"/>
+                            </p:stCondLst>
+                            <p:childTnLst>
+                              <p:par>
+                                <p:cTn id="5" presetID="10" presetClass="entr" presetSubtype="0" fill="hold" grpId="0" nodeType="afterEffect">
+                                  <p:stCondLst>
+                                    <p:cond delay="0"/>
+                                  </p:stCondLst>
+                                  <p:childTnLst>
+                                    <p:set>
+                                      <p:cBhvr>
+                                        <p:cTn id="6" dur="1" fill="hold">
+                                          <p:stCondLst>
+                                            <p:cond delay="0"/>
+                                          </p:stCondLst>
+                                        </p:cTn>
+                                        <p:tgtEl>
+                                          <p:spTgt spid="6">
+                                            <p:txEl>
+                                              <p:pRg st="0" end="0"/>
+                                            </p:txEl>
+                                          </p:spTgt>
+                                        </p:tgtEl>
+                                        <p:attrNameLst>
+                                          <p:attrName>style.visibility</p:attrName>
+                                        </p:attrNameLst>
+                                      </p:cBhvr>
+                                      <p:to>
+                                        <p:strVal val="visible"/>
+                                      </p:to>
+                                    </p:set>
+                                    <p:animEffect transition="in" filter="fade">
+                                      <p:cBhvr>
+                                        <p:cTn id="7" dur="500"/>
+                                        <p:tgtEl>
+                                          <p:spTgt spid="6">
+                                            <p:txEl>
+                                              <p:pRg st="0" end="0"/>
+                                            </p:txEl>
+                                          </p:spTgt>
+                                        </p:tgtEl>
+                                      </p:cBhvr>
+                                    </p:animEffect>
+                                  </p:childTnLst>
+                                </p:cTn>
+                              </p:par>
+                            </p:childTnLst>
+                          </p:cTn>
+                        </p:par>
+                        <p:par>
+                          <p:cTn id="8" fill="hold">
+                            <p:stCondLst>
+                              <p:cond delay="500"/>
+                            </p:stCondLst>
+                            <p:childTnLst>
+                              <p:par>
+                                <p:cTn id="9" presetID="10" presetClass="entr" presetSubtype="0" fill="hold" grpId="0" nodeType="afterEffect">
+                                  <p:stCondLst>
+                                    <p:cond delay="0"/>
+                                  </p:stCondLst>
+                                  <p:childTnLst>
+                                    <p:set>
+                                      <p:cBhvr>
+                                        <p:cTn id="10" dur="1" fill="hold">
+                                          <p:stCondLst>
+                                            <p:cond delay="0"/>
+                                          </p:stCondLst>
+                                        </p:cTn>
+                                        <p:tgtEl>
+                                          <p:spTgt spid="6">
+                                            <p:txEl>
+                                              <p:pRg st="2" end="2"/>
+                                            </p:txEl>
+                                          </p:spTgt>
+                                        </p:tgtEl>
+                                        <p:attrNameLst>
+                                          <p:attrName>style.visibility</p:attrName>
+                                        </p:attrNameLst>
+                                      </p:cBhvr>
+                                      <p:to>
+                                        <p:strVal val="visible"/>
+                                      </p:to>
+                                    </p:set>
+                                    <p:animEffect transition="in" filter="fade">
+                                      <p:cBhvr>
+                                        <p:cTn id="11" dur="500"/>
+                                        <p:tgtEl>
+                                          <p:spTgt spid="6">
+                                            <p:txEl>
+                                              <p:pRg st="2" end="2"/>
+                                            </p:txEl>
+                                          </p:spTgt>
+                                        </p:tgtEl>
+                                      </p:cBhvr>
+                                    </p:animEffect>
+                                  </p:childTnLst>
+                                </p:cTn>
+                              </p:par>
+                            </p:childTnLst>
+                          </p:cTn>
+                        </p:par>
+                        <p:par>
+                          <p:cTn id="12" fill="hold">
+                            <p:stCondLst>
+                              <p:cond delay="1000"/>
+                            </p:stCondLst>
+                            <p:childTnLst>
+                              <p:par>
+                                <p:cTn id="13" presetID="10" presetClass="entr" presetSubtype="0" fill="hold" grpId="0" nodeType="afterEffect">
+                                  <p:stCondLst>
+                                    <p:cond delay="0"/>
+                                  </p:stCondLst>
+                                  <p:childTnLst>
+                                    <p:set>
+                                      <p:cBhvr>
+                                        <p:cTn id="14" dur="1" fill="hold">
+                                          <p:stCondLst>
+                                            <p:cond delay="0"/>
+                                          </p:stCondLst>
+                                        </p:cTn>
+                                        <p:tgtEl>
+                                          <p:spTgt spid="6">
+                                            <p:txEl>
+                                              <p:pRg st="4" end="4"/>
+                                            </p:txEl>
+                                          </p:spTgt>
+                                        </p:tgtEl>
+                                        <p:attrNameLst>
+                                          <p:attrName>style.visibility</p:attrName>
+                                        </p:attrNameLst>
+                                      </p:cBhvr>
+                                      <p:to>
+                                        <p:strVal val="visible"/>
+                                      </p:to>
+                                    </p:set>
+                                    <p:animEffect transition="in" filter="fade">
+                                      <p:cBhvr>
+                                        <p:cTn id="15" dur="500"/>
+                                        <p:tgtEl>
+                                          <p:spTgt spid="6">
+                                            <p:txEl>
+                                              <p:pRg st="4" end="4"/>
+                                            </p:txEl>
+                                          </p:spTgt>
+                                        </p:tgtEl>
+                                      </p:cBhvr>
+                                    </p:animEffect>
+                                  </p:childTnLst>
+                                </p:cTn>
+                              </p:par>
+                            </p:childTnLst>
+                          </p:cTn>
+                        </p:par>
+                        <p:par>
+                          <p:cTn id="16" fill="hold">
+                            <p:stCondLst>
+                              <p:cond delay="1500"/>
+                            </p:stCondLst>
+                            <p:childTnLst>
+                              <p:par>
+                                <p:cTn id="17" presetID="10" presetClass="entr" presetSubtype="0" fill="hold" nodeType="afterEffect">
+                                  <p:stCondLst>
+                                    <p:cond delay="0"/>
+                                  </p:stCondLst>
+                                  <p:childTnLst>
+                                    <p:set>
+                                      <p:cBhvr>
+                                        <p:cTn id="18" dur="1" fill="hold">
+                                          <p:stCondLst>
+                                            <p:cond delay="0"/>
+                                          </p:stCondLst>
+                                        </p:cTn>
+                                        <p:tgtEl>
+                                          <p:spTgt spid="5"/>
+                                        </p:tgtEl>
+                                        <p:attrNameLst>
+                                          <p:attrName>style.visibility</p:attrName>
+                                        </p:attrNameLst>
+                                      </p:cBhvr>
+                                      <p:to>
+                                        <p:strVal val="visible"/>
+                                      </p:to>
+                                    </p:set>
+                                    <p:animEffect transition="in" filter="fade">
+                                      <p:cBhvr>
+                                        <p:cTn id="19" dur="500"/>
+                                        <p:tgtEl>
+                                          <p:spTgt spid="5"/>
+                                        </p:tgtEl>
+                                      </p:cBhvr>
+                                    </p:animEffect>
+                                  </p:childTnLst>
+                                </p:cTn>
+                              </p:par>
+                            </p:childTnLst>
+                          </p:cTn>
+                        </p:par>
+                      </p:childTnLst>
+                    </p:cTn>
+                  </p:par>
+                </p:childTnLst>
+              </p:cTn>
+              <p:prevCondLst>
+                <p:cond evt="onPrev" delay="0">
+                  <p:tgtEl>
+                    <p:sldTgt/>
+                  </p:tgtEl>
+                </p:cond>
+              </p:prevCondLst>
+              <p:nextCondLst>
+                <p:cond evt="onNext" delay="0">
+                  <p:tgtEl>
+                    <p:sldTgt/>
+                  </p:tgtEl>
+                </p:cond>
+              </p:nextCondLst>
+            </p:seq>
+          </p:childTnLst>
+        </p:cTn>
+      </p:par>
+    </p:tnLst>
+    <p:bldLst>
+      <p:bldP spid="6" grpId="0" uiExpand="1" build="p"/>
+    </p:bldLst>
+  </p:timing>
 </p:sld>
 </file>
 
@@ -5359,6 +5976,251 @@
   <p:transition>
     <p:fade/>
   </p:transition>
+  <p:timing>
+    <p:tnLst>
+      <p:par>
+        <p:cTn id="1" dur="indefinite" restart="never" nodeType="tmRoot">
+          <p:childTnLst>
+            <p:seq concurrent="1" nextAc="seek">
+              <p:cTn id="2" dur="indefinite" nodeType="mainSeq">
+                <p:childTnLst>
+                  <p:par>
+                    <p:cTn id="3" fill="hold">
+                      <p:stCondLst>
+                        <p:cond delay="indefinite"/>
+                        <p:cond evt="onBegin" delay="0">
+                          <p:tn val="2"/>
+                        </p:cond>
+                      </p:stCondLst>
+                      <p:childTnLst>
+                        <p:par>
+                          <p:cTn id="4" fill="hold">
+                            <p:stCondLst>
+                              <p:cond delay="0"/>
+                            </p:stCondLst>
+                            <p:childTnLst>
+                              <p:par>
+                                <p:cTn id="5" presetID="10" presetClass="entr" presetSubtype="0" fill="hold" grpId="0" nodeType="afterEffect">
+                                  <p:stCondLst>
+                                    <p:cond delay="0"/>
+                                  </p:stCondLst>
+                                  <p:childTnLst>
+                                    <p:set>
+                                      <p:cBhvr>
+                                        <p:cTn id="6" dur="1" fill="hold">
+                                          <p:stCondLst>
+                                            <p:cond delay="0"/>
+                                          </p:stCondLst>
+                                        </p:cTn>
+                                        <p:tgtEl>
+                                          <p:spTgt spid="5">
+                                            <p:txEl>
+                                              <p:pRg st="0" end="0"/>
+                                            </p:txEl>
+                                          </p:spTgt>
+                                        </p:tgtEl>
+                                        <p:attrNameLst>
+                                          <p:attrName>style.visibility</p:attrName>
+                                        </p:attrNameLst>
+                                      </p:cBhvr>
+                                      <p:to>
+                                        <p:strVal val="visible"/>
+                                      </p:to>
+                                    </p:set>
+                                    <p:animEffect transition="in" filter="fade">
+                                      <p:cBhvr>
+                                        <p:cTn id="7" dur="500"/>
+                                        <p:tgtEl>
+                                          <p:spTgt spid="5">
+                                            <p:txEl>
+                                              <p:pRg st="0" end="0"/>
+                                            </p:txEl>
+                                          </p:spTgt>
+                                        </p:tgtEl>
+                                      </p:cBhvr>
+                                    </p:animEffect>
+                                  </p:childTnLst>
+                                </p:cTn>
+                              </p:par>
+                            </p:childTnLst>
+                          </p:cTn>
+                        </p:par>
+                        <p:par>
+                          <p:cTn id="8" fill="hold">
+                            <p:stCondLst>
+                              <p:cond delay="500"/>
+                            </p:stCondLst>
+                            <p:childTnLst>
+                              <p:par>
+                                <p:cTn id="9" presetID="10" presetClass="entr" presetSubtype="0" fill="hold" grpId="0" nodeType="afterEffect">
+                                  <p:stCondLst>
+                                    <p:cond delay="0"/>
+                                  </p:stCondLst>
+                                  <p:childTnLst>
+                                    <p:set>
+                                      <p:cBhvr>
+                                        <p:cTn id="10" dur="1" fill="hold">
+                                          <p:stCondLst>
+                                            <p:cond delay="0"/>
+                                          </p:stCondLst>
+                                        </p:cTn>
+                                        <p:tgtEl>
+                                          <p:spTgt spid="5">
+                                            <p:txEl>
+                                              <p:pRg st="2" end="2"/>
+                                            </p:txEl>
+                                          </p:spTgt>
+                                        </p:tgtEl>
+                                        <p:attrNameLst>
+                                          <p:attrName>style.visibility</p:attrName>
+                                        </p:attrNameLst>
+                                      </p:cBhvr>
+                                      <p:to>
+                                        <p:strVal val="visible"/>
+                                      </p:to>
+                                    </p:set>
+                                    <p:animEffect transition="in" filter="fade">
+                                      <p:cBhvr>
+                                        <p:cTn id="11" dur="500"/>
+                                        <p:tgtEl>
+                                          <p:spTgt spid="5">
+                                            <p:txEl>
+                                              <p:pRg st="2" end="2"/>
+                                            </p:txEl>
+                                          </p:spTgt>
+                                        </p:tgtEl>
+                                      </p:cBhvr>
+                                    </p:animEffect>
+                                  </p:childTnLst>
+                                </p:cTn>
+                              </p:par>
+                            </p:childTnLst>
+                          </p:cTn>
+                        </p:par>
+                        <p:par>
+                          <p:cTn id="12" fill="hold">
+                            <p:stCondLst>
+                              <p:cond delay="1000"/>
+                            </p:stCondLst>
+                            <p:childTnLst>
+                              <p:par>
+                                <p:cTn id="13" presetID="10" presetClass="entr" presetSubtype="0" fill="hold" grpId="0" nodeType="afterEffect">
+                                  <p:stCondLst>
+                                    <p:cond delay="0"/>
+                                  </p:stCondLst>
+                                  <p:childTnLst>
+                                    <p:set>
+                                      <p:cBhvr>
+                                        <p:cTn id="14" dur="1" fill="hold">
+                                          <p:stCondLst>
+                                            <p:cond delay="0"/>
+                                          </p:stCondLst>
+                                        </p:cTn>
+                                        <p:tgtEl>
+                                          <p:spTgt spid="5">
+                                            <p:txEl>
+                                              <p:pRg st="4" end="4"/>
+                                            </p:txEl>
+                                          </p:spTgt>
+                                        </p:tgtEl>
+                                        <p:attrNameLst>
+                                          <p:attrName>style.visibility</p:attrName>
+                                        </p:attrNameLst>
+                                      </p:cBhvr>
+                                      <p:to>
+                                        <p:strVal val="visible"/>
+                                      </p:to>
+                                    </p:set>
+                                    <p:animEffect transition="in" filter="fade">
+                                      <p:cBhvr>
+                                        <p:cTn id="15" dur="500"/>
+                                        <p:tgtEl>
+                                          <p:spTgt spid="5">
+                                            <p:txEl>
+                                              <p:pRg st="4" end="4"/>
+                                            </p:txEl>
+                                          </p:spTgt>
+                                        </p:tgtEl>
+                                      </p:cBhvr>
+                                    </p:animEffect>
+                                  </p:childTnLst>
+                                </p:cTn>
+                              </p:par>
+                            </p:childTnLst>
+                          </p:cTn>
+                        </p:par>
+                        <p:par>
+                          <p:cTn id="16" fill="hold">
+                            <p:stCondLst>
+                              <p:cond delay="1500"/>
+                            </p:stCondLst>
+                            <p:childTnLst>
+                              <p:par>
+                                <p:cTn id="17" presetID="10" presetClass="entr" presetSubtype="0" fill="hold" nodeType="afterEffect">
+                                  <p:stCondLst>
+                                    <p:cond delay="0"/>
+                                  </p:stCondLst>
+                                  <p:childTnLst>
+                                    <p:set>
+                                      <p:cBhvr>
+                                        <p:cTn id="18" dur="1" fill="hold">
+                                          <p:stCondLst>
+                                            <p:cond delay="0"/>
+                                          </p:stCondLst>
+                                        </p:cTn>
+                                        <p:tgtEl>
+                                          <p:spTgt spid="6"/>
+                                        </p:tgtEl>
+                                        <p:attrNameLst>
+                                          <p:attrName>style.visibility</p:attrName>
+                                        </p:attrNameLst>
+                                      </p:cBhvr>
+                                      <p:to>
+                                        <p:strVal val="visible"/>
+                                      </p:to>
+                                    </p:set>
+                                    <p:animEffect transition="in" filter="fade">
+                                      <p:cBhvr>
+                                        <p:cTn id="19" dur="500"/>
+                                        <p:tgtEl>
+                                          <p:spTgt spid="6"/>
+                                        </p:tgtEl>
+                                      </p:cBhvr>
+                                    </p:animEffect>
+                                  </p:childTnLst>
+                                </p:cTn>
+                              </p:par>
+                            </p:childTnLst>
+                          </p:cTn>
+                        </p:par>
+                      </p:childTnLst>
+                    </p:cTn>
+                  </p:par>
+                </p:childTnLst>
+              </p:cTn>
+              <p:prevCondLst>
+                <p:cond evt="onPrev" delay="0">
+                  <p:tgtEl>
+                    <p:sldTgt/>
+                  </p:tgtEl>
+                </p:cond>
+              </p:prevCondLst>
+              <p:nextCondLst>
+                <p:cond evt="onNext" delay="0">
+                  <p:tgtEl>
+                    <p:sldTgt/>
+                  </p:tgtEl>
+                </p:cond>
+              </p:nextCondLst>
+            </p:seq>
+          </p:childTnLst>
+        </p:cTn>
+      </p:par>
+    </p:tnLst>
+    <p:bldLst>
+      <p:bldP spid="5" grpId="0" uiExpand="1" build="allAtOnce"/>
+    </p:bldLst>
+  </p:timing>
 </p:sld>
 </file>
 

--- a/documentacao/slide-synergy.pptx
+++ b/documentacao/slide-synergy.pptx
@@ -5,19 +5,21 @@
     <p:sldMasterId id="2147483648" r:id="rId1"/>
   </p:sldMasterIdLst>
   <p:notesMasterIdLst>
-    <p:notesMasterId r:id="rId12"/>
+    <p:notesMasterId r:id="rId14"/>
   </p:notesMasterIdLst>
   <p:sldIdLst>
     <p:sldId id="256" r:id="rId2"/>
     <p:sldId id="257" r:id="rId3"/>
-    <p:sldId id="258" r:id="rId4"/>
-    <p:sldId id="259" r:id="rId5"/>
-    <p:sldId id="260" r:id="rId6"/>
-    <p:sldId id="261" r:id="rId7"/>
-    <p:sldId id="262" r:id="rId8"/>
-    <p:sldId id="264" r:id="rId9"/>
-    <p:sldId id="265" r:id="rId10"/>
-    <p:sldId id="266" r:id="rId11"/>
+    <p:sldId id="267" r:id="rId4"/>
+    <p:sldId id="258" r:id="rId5"/>
+    <p:sldId id="259" r:id="rId6"/>
+    <p:sldId id="260" r:id="rId7"/>
+    <p:sldId id="268" r:id="rId8"/>
+    <p:sldId id="261" r:id="rId9"/>
+    <p:sldId id="262" r:id="rId10"/>
+    <p:sldId id="264" r:id="rId11"/>
+    <p:sldId id="265" r:id="rId12"/>
+    <p:sldId id="266" r:id="rId13"/>
   </p:sldIdLst>
   <p:sldSz cx="12192000" cy="6858000"/>
   <p:notesSz cx="6858000" cy="9144000"/>
@@ -206,7 +208,7 @@
           <a:p>
             <a:fld id="{655F7DB7-5B35-44EF-86DD-30F04B6260EF}" type="datetimeFigureOut">
               <a:rPr lang="pt-BR" smtClean="0"/>
-              <a:t>09/03/2020</a:t>
+              <a:t>10/03/2020</a:t>
             </a:fld>
             <a:endParaRPr lang="pt-BR"/>
           </a:p>
@@ -620,7 +622,7 @@
           <a:p>
             <a:fld id="{15B003F1-72A3-4565-B369-F67C067E940D}" type="datetimeFigureOut">
               <a:rPr lang="pt-BR" smtClean="0"/>
-              <a:t>09/03/2020</a:t>
+              <a:t>10/03/2020</a:t>
             </a:fld>
             <a:endParaRPr lang="pt-BR"/>
           </a:p>
@@ -821,7 +823,7 @@
           <a:p>
             <a:fld id="{15B003F1-72A3-4565-B369-F67C067E940D}" type="datetimeFigureOut">
               <a:rPr lang="pt-BR" smtClean="0"/>
-              <a:t>09/03/2020</a:t>
+              <a:t>10/03/2020</a:t>
             </a:fld>
             <a:endParaRPr lang="pt-BR"/>
           </a:p>
@@ -1032,7 +1034,7 @@
           <a:p>
             <a:fld id="{15B003F1-72A3-4565-B369-F67C067E940D}" type="datetimeFigureOut">
               <a:rPr lang="pt-BR" smtClean="0"/>
-              <a:t>09/03/2020</a:t>
+              <a:t>10/03/2020</a:t>
             </a:fld>
             <a:endParaRPr lang="pt-BR"/>
           </a:p>
@@ -1233,7 +1235,7 @@
           <a:p>
             <a:fld id="{15B003F1-72A3-4565-B369-F67C067E940D}" type="datetimeFigureOut">
               <a:rPr lang="pt-BR" smtClean="0"/>
-              <a:t>09/03/2020</a:t>
+              <a:t>10/03/2020</a:t>
             </a:fld>
             <a:endParaRPr lang="pt-BR"/>
           </a:p>
@@ -1511,7 +1513,7 @@
           <a:p>
             <a:fld id="{15B003F1-72A3-4565-B369-F67C067E940D}" type="datetimeFigureOut">
               <a:rPr lang="pt-BR" smtClean="0"/>
-              <a:t>09/03/2020</a:t>
+              <a:t>10/03/2020</a:t>
             </a:fld>
             <a:endParaRPr lang="pt-BR"/>
           </a:p>
@@ -1779,7 +1781,7 @@
           <a:p>
             <a:fld id="{15B003F1-72A3-4565-B369-F67C067E940D}" type="datetimeFigureOut">
               <a:rPr lang="pt-BR" smtClean="0"/>
-              <a:t>09/03/2020</a:t>
+              <a:t>10/03/2020</a:t>
             </a:fld>
             <a:endParaRPr lang="pt-BR"/>
           </a:p>
@@ -2194,7 +2196,7 @@
           <a:p>
             <a:fld id="{15B003F1-72A3-4565-B369-F67C067E940D}" type="datetimeFigureOut">
               <a:rPr lang="pt-BR" smtClean="0"/>
-              <a:t>09/03/2020</a:t>
+              <a:t>10/03/2020</a:t>
             </a:fld>
             <a:endParaRPr lang="pt-BR"/>
           </a:p>
@@ -2338,7 +2340,7 @@
           <a:p>
             <a:fld id="{15B003F1-72A3-4565-B369-F67C067E940D}" type="datetimeFigureOut">
               <a:rPr lang="pt-BR" smtClean="0"/>
-              <a:t>09/03/2020</a:t>
+              <a:t>10/03/2020</a:t>
             </a:fld>
             <a:endParaRPr lang="pt-BR"/>
           </a:p>
@@ -2454,7 +2456,7 @@
           <a:p>
             <a:fld id="{15B003F1-72A3-4565-B369-F67C067E940D}" type="datetimeFigureOut">
               <a:rPr lang="pt-BR" smtClean="0"/>
-              <a:t>09/03/2020</a:t>
+              <a:t>10/03/2020</a:t>
             </a:fld>
             <a:endParaRPr lang="pt-BR"/>
           </a:p>
@@ -2768,7 +2770,7 @@
           <a:p>
             <a:fld id="{15B003F1-72A3-4565-B369-F67C067E940D}" type="datetimeFigureOut">
               <a:rPr lang="pt-BR" smtClean="0"/>
-              <a:t>09/03/2020</a:t>
+              <a:t>10/03/2020</a:t>
             </a:fld>
             <a:endParaRPr lang="pt-BR"/>
           </a:p>
@@ -3059,7 +3061,7 @@
           <a:p>
             <a:fld id="{15B003F1-72A3-4565-B369-F67C067E940D}" type="datetimeFigureOut">
               <a:rPr lang="pt-BR" smtClean="0"/>
-              <a:t>09/03/2020</a:t>
+              <a:t>10/03/2020</a:t>
             </a:fld>
             <a:endParaRPr lang="pt-BR"/>
           </a:p>
@@ -3303,7 +3305,7 @@
           <a:p>
             <a:fld id="{15B003F1-72A3-4565-B369-F67C067E940D}" type="datetimeFigureOut">
               <a:rPr lang="pt-BR" smtClean="0"/>
-              <a:t>09/03/2020</a:t>
+              <a:t>10/03/2020</a:t>
             </a:fld>
             <a:endParaRPr lang="pt-BR"/>
           </a:p>
@@ -3955,6 +3957,386 @@
           <p:cNvPr id="3" name="Imagem 2" descr="Uma imagem contendo texto, desenho&#10;&#10;Descrição gerada automaticamente">
             <a:extLst>
               <a:ext uri="{FF2B5EF4-FFF2-40B4-BE49-F238E27FC236}">
+                <a16:creationId xmlns:a16="http://schemas.microsoft.com/office/drawing/2014/main" id="{1BC5E0AB-6EDC-4020-80FC-407DFD0D3C3E}"/>
+              </a:ext>
+            </a:extLst>
+          </p:cNvPr>
+          <p:cNvPicPr>
+            <a:picLocks noChangeAspect="1"/>
+          </p:cNvPicPr>
+          <p:nvPr/>
+        </p:nvPicPr>
+        <p:blipFill>
+          <a:blip r:embed="rId2" cstate="hqprint">
+            <a:extLst>
+              <a:ext uri="{28A0092B-C50C-407E-A947-70E740481C1C}">
+                <a14:useLocalDpi xmlns:a14="http://schemas.microsoft.com/office/drawing/2010/main" val="0"/>
+              </a:ext>
+            </a:extLst>
+          </a:blip>
+          <a:stretch>
+            <a:fillRect/>
+          </a:stretch>
+        </p:blipFill>
+        <p:spPr>
+          <a:xfrm>
+            <a:off x="11371740" y="365125"/>
+            <a:ext cx="599846" cy="535577"/>
+          </a:xfrm>
+          <a:prstGeom prst="rect">
+            <a:avLst/>
+          </a:prstGeom>
+        </p:spPr>
+      </p:pic>
+      <p:sp>
+        <p:nvSpPr>
+          <p:cNvPr id="6" name="Título 1">
+            <a:extLst>
+              <a:ext uri="{FF2B5EF4-FFF2-40B4-BE49-F238E27FC236}">
+                <a16:creationId xmlns:a16="http://schemas.microsoft.com/office/drawing/2014/main" id="{99F76FBE-1BC2-4EE6-B90A-22263BF7BDCD}"/>
+              </a:ext>
+            </a:extLst>
+          </p:cNvPr>
+          <p:cNvSpPr txBox="1">
+            <a:spLocks/>
+          </p:cNvSpPr>
+          <p:nvPr/>
+        </p:nvSpPr>
+        <p:spPr>
+          <a:xfrm>
+            <a:off x="838199" y="1433807"/>
+            <a:ext cx="10515600" cy="1325563"/>
+          </a:xfrm>
+          <a:prstGeom prst="rect">
+            <a:avLst/>
+          </a:prstGeom>
+        </p:spPr>
+        <p:txBody>
+          <a:bodyPr vert="horz" lIns="91440" tIns="45720" rIns="91440" bIns="45720" rtlCol="0" anchor="ctr">
+            <a:normAutofit/>
+          </a:bodyPr>
+          <a:lstStyle>
+            <a:lvl1pPr algn="l" defTabSz="914400" rtl="0" eaLnBrk="1" latinLnBrk="0" hangingPunct="1">
+              <a:lnSpc>
+                <a:spcPct val="90000"/>
+              </a:lnSpc>
+              <a:spcBef>
+                <a:spcPct val="0"/>
+              </a:spcBef>
+              <a:buNone/>
+              <a:defRPr sz="4400" kern="1200">
+                <a:solidFill>
+                  <a:schemeClr val="tx1"/>
+                </a:solidFill>
+                <a:latin typeface="+mj-lt"/>
+                <a:ea typeface="+mj-ea"/>
+                <a:cs typeface="+mj-cs"/>
+              </a:defRPr>
+            </a:lvl1pPr>
+          </a:lstStyle>
+          <a:p>
+            <a:pPr algn="ctr"/>
+            <a:r>
+              <a:rPr lang="pt-BR" dirty="0" smtClean="0">
+                <a:solidFill>
+                  <a:schemeClr val="tx1">
+                    <a:lumMod val="75000"/>
+                    <a:lumOff val="25000"/>
+                  </a:schemeClr>
+                </a:solidFill>
+                <a:latin typeface="Bariol Bold" panose="02000506040000020003" pitchFamily="2" charset="0"/>
+              </a:rPr>
+              <a:t>Banco de Dados (Protótipo)</a:t>
+            </a:r>
+            <a:endParaRPr lang="pt-BR" dirty="0">
+              <a:solidFill>
+                <a:schemeClr val="tx1">
+                  <a:lumMod val="75000"/>
+                  <a:lumOff val="25000"/>
+                </a:schemeClr>
+              </a:solidFill>
+              <a:latin typeface="Bariol Bold" panose="02000506040000020003" pitchFamily="2" charset="0"/>
+            </a:endParaRPr>
+          </a:p>
+        </p:txBody>
+      </p:sp>
+      <p:pic>
+        <p:nvPicPr>
+          <p:cNvPr id="7" name="Imagem 6" descr="Uma imagem contendo homem, segurando, esqui, neve&#10;&#10;Descrição gerada automaticamente">
+            <a:extLst>
+              <a:ext uri="{FF2B5EF4-FFF2-40B4-BE49-F238E27FC236}">
+                <a16:creationId xmlns:a16="http://schemas.microsoft.com/office/drawing/2014/main" id="{2EB99745-E546-4AF1-BB7A-70FE206BCD05}"/>
+              </a:ext>
+            </a:extLst>
+          </p:cNvPr>
+          <p:cNvPicPr>
+            <a:picLocks noChangeAspect="1"/>
+          </p:cNvPicPr>
+          <p:nvPr/>
+        </p:nvPicPr>
+        <p:blipFill>
+          <a:blip r:embed="rId3">
+            <a:extLst>
+              <a:ext uri="{28A0092B-C50C-407E-A947-70E740481C1C}">
+                <a14:useLocalDpi xmlns:a14="http://schemas.microsoft.com/office/drawing/2010/main" val="0"/>
+              </a:ext>
+            </a:extLst>
+          </a:blip>
+          <a:stretch>
+            <a:fillRect/>
+          </a:stretch>
+        </p:blipFill>
+        <p:spPr>
+          <a:xfrm>
+            <a:off x="2950595" y="2394055"/>
+            <a:ext cx="6468395" cy="4661637"/>
+          </a:xfrm>
+          <a:prstGeom prst="rect">
+            <a:avLst/>
+          </a:prstGeom>
+        </p:spPr>
+      </p:pic>
+    </p:spTree>
+    <p:extLst>
+      <p:ext uri="{BB962C8B-B14F-4D97-AF65-F5344CB8AC3E}">
+        <p14:creationId xmlns:p14="http://schemas.microsoft.com/office/powerpoint/2010/main" val="2158821782"/>
+      </p:ext>
+    </p:extLst>
+  </p:cSld>
+  <p:clrMapOvr>
+    <a:masterClrMapping/>
+  </p:clrMapOvr>
+  <p:transition>
+    <p:fade/>
+  </p:transition>
+  <p:timing>
+    <p:tnLst>
+      <p:par>
+        <p:cTn id="1" dur="indefinite" restart="never" nodeType="tmRoot"/>
+      </p:par>
+    </p:tnLst>
+  </p:timing>
+</p:sld>
+</file>
+
+<file path=ppt/slides/slide11.xml><?xml version="1.0" encoding="utf-8"?>
+<p:sld xmlns:a="http://schemas.openxmlformats.org/drawingml/2006/main" xmlns:r="http://schemas.openxmlformats.org/officeDocument/2006/relationships" xmlns:p="http://schemas.openxmlformats.org/presentationml/2006/main">
+  <p:cSld>
+    <p:spTree>
+      <p:nvGrpSpPr>
+        <p:cNvPr id="1" name=""/>
+        <p:cNvGrpSpPr/>
+        <p:nvPr/>
+      </p:nvGrpSpPr>
+      <p:grpSpPr>
+        <a:xfrm>
+          <a:off x="0" y="0"/>
+          <a:ext cx="0" cy="0"/>
+          <a:chOff x="0" y="0"/>
+          <a:chExt cx="0" cy="0"/>
+        </a:xfrm>
+      </p:grpSpPr>
+      <p:pic>
+        <p:nvPicPr>
+          <p:cNvPr id="3" name="Imagem 2" descr="Uma imagem contendo texto, desenho&#10;&#10;Descrição gerada automaticamente">
+            <a:extLst>
+              <a:ext uri="{FF2B5EF4-FFF2-40B4-BE49-F238E27FC236}">
+                <a16:creationId xmlns:a16="http://schemas.microsoft.com/office/drawing/2014/main" id="{24410E01-CFD3-472C-9726-E54607DAAD0F}"/>
+              </a:ext>
+            </a:extLst>
+          </p:cNvPr>
+          <p:cNvPicPr>
+            <a:picLocks noChangeAspect="1"/>
+          </p:cNvPicPr>
+          <p:nvPr/>
+        </p:nvPicPr>
+        <p:blipFill>
+          <a:blip r:embed="rId2" cstate="hqprint">
+            <a:extLst>
+              <a:ext uri="{28A0092B-C50C-407E-A947-70E740481C1C}">
+                <a14:useLocalDpi xmlns:a14="http://schemas.microsoft.com/office/drawing/2010/main" val="0"/>
+              </a:ext>
+            </a:extLst>
+          </a:blip>
+          <a:stretch>
+            <a:fillRect/>
+          </a:stretch>
+        </p:blipFill>
+        <p:spPr>
+          <a:xfrm>
+            <a:off x="11371740" y="365125"/>
+            <a:ext cx="599846" cy="535577"/>
+          </a:xfrm>
+          <a:prstGeom prst="rect">
+            <a:avLst/>
+          </a:prstGeom>
+        </p:spPr>
+      </p:pic>
+      <p:sp>
+        <p:nvSpPr>
+          <p:cNvPr id="7" name="Título 1">
+            <a:extLst>
+              <a:ext uri="{FF2B5EF4-FFF2-40B4-BE49-F238E27FC236}">
+                <a16:creationId xmlns:a16="http://schemas.microsoft.com/office/drawing/2014/main" id="{99F76FBE-1BC2-4EE6-B90A-22263BF7BDCD}"/>
+              </a:ext>
+            </a:extLst>
+          </p:cNvPr>
+          <p:cNvSpPr txBox="1">
+            <a:spLocks/>
+          </p:cNvSpPr>
+          <p:nvPr/>
+        </p:nvSpPr>
+        <p:spPr>
+          <a:xfrm>
+            <a:off x="838199" y="1433807"/>
+            <a:ext cx="10515600" cy="1325563"/>
+          </a:xfrm>
+          <a:prstGeom prst="rect">
+            <a:avLst/>
+          </a:prstGeom>
+        </p:spPr>
+        <p:txBody>
+          <a:bodyPr vert="horz" lIns="91440" tIns="45720" rIns="91440" bIns="45720" rtlCol="0" anchor="ctr">
+            <a:normAutofit/>
+          </a:bodyPr>
+          <a:lstStyle>
+            <a:lvl1pPr algn="l" defTabSz="914400" rtl="0" eaLnBrk="1" latinLnBrk="0" hangingPunct="1">
+              <a:lnSpc>
+                <a:spcPct val="90000"/>
+              </a:lnSpc>
+              <a:spcBef>
+                <a:spcPct val="0"/>
+              </a:spcBef>
+              <a:buNone/>
+              <a:defRPr sz="4400" kern="1200">
+                <a:solidFill>
+                  <a:schemeClr val="tx1"/>
+                </a:solidFill>
+                <a:latin typeface="+mj-lt"/>
+                <a:ea typeface="+mj-ea"/>
+                <a:cs typeface="+mj-cs"/>
+              </a:defRPr>
+            </a:lvl1pPr>
+          </a:lstStyle>
+          <a:p>
+            <a:pPr algn="ctr"/>
+            <a:r>
+              <a:rPr lang="pt-BR" dirty="0" err="1" smtClean="0">
+                <a:solidFill>
+                  <a:schemeClr val="tx1">
+                    <a:lumMod val="75000"/>
+                    <a:lumOff val="25000"/>
+                  </a:schemeClr>
+                </a:solidFill>
+                <a:latin typeface="Bariol Bold" panose="02000506040000020003" pitchFamily="2" charset="0"/>
+              </a:rPr>
+              <a:t>Arduino</a:t>
+            </a:r>
+            <a:r>
+              <a:rPr lang="pt-BR" dirty="0" smtClean="0">
+                <a:solidFill>
+                  <a:schemeClr val="tx1">
+                    <a:lumMod val="75000"/>
+                    <a:lumOff val="25000"/>
+                  </a:schemeClr>
+                </a:solidFill>
+                <a:latin typeface="Bariol Bold" panose="02000506040000020003" pitchFamily="2" charset="0"/>
+              </a:rPr>
+              <a:t> e Sensor</a:t>
+            </a:r>
+            <a:endParaRPr lang="pt-BR" dirty="0">
+              <a:solidFill>
+                <a:schemeClr val="tx1">
+                  <a:lumMod val="75000"/>
+                  <a:lumOff val="25000"/>
+                </a:schemeClr>
+              </a:solidFill>
+              <a:latin typeface="Bariol Bold" panose="02000506040000020003" pitchFamily="2" charset="0"/>
+            </a:endParaRPr>
+          </a:p>
+        </p:txBody>
+      </p:sp>
+      <p:pic>
+        <p:nvPicPr>
+          <p:cNvPr id="8" name="Imagem 7" descr="Uma imagem contendo homem, em pé&#10;&#10;Descrição gerada automaticamente">
+            <a:extLst>
+              <a:ext uri="{FF2B5EF4-FFF2-40B4-BE49-F238E27FC236}">
+                <a16:creationId xmlns:a16="http://schemas.microsoft.com/office/drawing/2014/main" id="{DA7F4A6C-A6AF-458A-BCA8-4F6A41D15F36}"/>
+              </a:ext>
+            </a:extLst>
+          </p:cNvPr>
+          <p:cNvPicPr>
+            <a:picLocks noChangeAspect="1"/>
+          </p:cNvPicPr>
+          <p:nvPr/>
+        </p:nvPicPr>
+        <p:blipFill>
+          <a:blip r:embed="rId3">
+            <a:extLst>
+              <a:ext uri="{28A0092B-C50C-407E-A947-70E740481C1C}">
+                <a14:useLocalDpi xmlns:a14="http://schemas.microsoft.com/office/drawing/2010/main" val="0"/>
+              </a:ext>
+            </a:extLst>
+          </a:blip>
+          <a:stretch>
+            <a:fillRect/>
+          </a:stretch>
+        </p:blipFill>
+        <p:spPr>
+          <a:xfrm>
+            <a:off x="2282411" y="2394055"/>
+            <a:ext cx="7627176" cy="4307191"/>
+          </a:xfrm>
+          <a:prstGeom prst="rect">
+            <a:avLst/>
+          </a:prstGeom>
+        </p:spPr>
+      </p:pic>
+    </p:spTree>
+    <p:extLst>
+      <p:ext uri="{BB962C8B-B14F-4D97-AF65-F5344CB8AC3E}">
+        <p14:creationId xmlns:p14="http://schemas.microsoft.com/office/powerpoint/2010/main" val="3564643130"/>
+      </p:ext>
+    </p:extLst>
+  </p:cSld>
+  <p:clrMapOvr>
+    <a:masterClrMapping/>
+  </p:clrMapOvr>
+  <p:transition>
+    <p:fade/>
+  </p:transition>
+  <p:timing>
+    <p:tnLst>
+      <p:par>
+        <p:cTn id="1" dur="indefinite" restart="never" nodeType="tmRoot"/>
+      </p:par>
+    </p:tnLst>
+  </p:timing>
+</p:sld>
+</file>
+
+<file path=ppt/slides/slide12.xml><?xml version="1.0" encoding="utf-8"?>
+<p:sld xmlns:a="http://schemas.openxmlformats.org/drawingml/2006/main" xmlns:r="http://schemas.openxmlformats.org/officeDocument/2006/relationships" xmlns:p="http://schemas.openxmlformats.org/presentationml/2006/main">
+  <p:cSld>
+    <p:spTree>
+      <p:nvGrpSpPr>
+        <p:cNvPr id="1" name=""/>
+        <p:cNvGrpSpPr/>
+        <p:nvPr/>
+      </p:nvGrpSpPr>
+      <p:grpSpPr>
+        <a:xfrm>
+          <a:off x="0" y="0"/>
+          <a:ext cx="0" cy="0"/>
+          <a:chOff x="0" y="0"/>
+          <a:chExt cx="0" cy="0"/>
+        </a:xfrm>
+      </p:grpSpPr>
+      <p:pic>
+        <p:nvPicPr>
+          <p:cNvPr id="3" name="Imagem 2" descr="Uma imagem contendo texto, desenho&#10;&#10;Descrição gerada automaticamente">
+            <a:extLst>
+              <a:ext uri="{FF2B5EF4-FFF2-40B4-BE49-F238E27FC236}">
                 <a16:creationId xmlns:a16="http://schemas.microsoft.com/office/drawing/2014/main" id="{6AECC232-D7AB-402E-90C7-3E1285C8879A}"/>
               </a:ext>
             </a:extLst>
@@ -4733,6 +5115,421 @@
           <a:lstStyle/>
           <a:p>
             <a:r>
+              <a:rPr lang="pt-BR" dirty="0" smtClean="0">
+                <a:solidFill>
+                  <a:schemeClr val="tx1">
+                    <a:lumMod val="75000"/>
+                    <a:lumOff val="25000"/>
+                  </a:schemeClr>
+                </a:solidFill>
+                <a:latin typeface="Bariol Bold" panose="02000506040000020003" pitchFamily="2" charset="0"/>
+              </a:rPr>
+              <a:t>Segmento/Mercado</a:t>
+            </a:r>
+            <a:endParaRPr lang="pt-BR" dirty="0">
+              <a:solidFill>
+                <a:schemeClr val="tx1">
+                  <a:lumMod val="75000"/>
+                  <a:lumOff val="25000"/>
+                </a:schemeClr>
+              </a:solidFill>
+              <a:latin typeface="Bariol Bold" panose="02000506040000020003" pitchFamily="2" charset="0"/>
+            </a:endParaRPr>
+          </a:p>
+        </p:txBody>
+      </p:sp>
+      <p:pic>
+        <p:nvPicPr>
+          <p:cNvPr id="3" name="Imagem 2" descr="Uma imagem contendo texto, desenho&#10;&#10;Descrição gerada automaticamente">
+            <a:extLst>
+              <a:ext uri="{FF2B5EF4-FFF2-40B4-BE49-F238E27FC236}">
+                <a16:creationId xmlns:a16="http://schemas.microsoft.com/office/drawing/2014/main" id="{1111ADB1-2918-40BD-BC1F-D7866A69CB23}"/>
+              </a:ext>
+            </a:extLst>
+          </p:cNvPr>
+          <p:cNvPicPr>
+            <a:picLocks noChangeAspect="1"/>
+          </p:cNvPicPr>
+          <p:nvPr/>
+        </p:nvPicPr>
+        <p:blipFill>
+          <a:blip r:embed="rId2" cstate="hqprint">
+            <a:extLst>
+              <a:ext uri="{28A0092B-C50C-407E-A947-70E740481C1C}">
+                <a14:useLocalDpi xmlns:a14="http://schemas.microsoft.com/office/drawing/2010/main" val="0"/>
+              </a:ext>
+            </a:extLst>
+          </a:blip>
+          <a:stretch>
+            <a:fillRect/>
+          </a:stretch>
+        </p:blipFill>
+        <p:spPr>
+          <a:xfrm>
+            <a:off x="11371740" y="365125"/>
+            <a:ext cx="599846" cy="535577"/>
+          </a:xfrm>
+          <a:prstGeom prst="rect">
+            <a:avLst/>
+          </a:prstGeom>
+        </p:spPr>
+      </p:pic>
+      <p:sp>
+        <p:nvSpPr>
+          <p:cNvPr id="5" name="CaixaDeTexto 4">
+            <a:extLst>
+              <a:ext uri="{FF2B5EF4-FFF2-40B4-BE49-F238E27FC236}">
+                <a16:creationId xmlns:a16="http://schemas.microsoft.com/office/drawing/2014/main" id="{FE989C62-5914-45D9-B2FF-7FB8E76D6324}"/>
+              </a:ext>
+            </a:extLst>
+          </p:cNvPr>
+          <p:cNvSpPr txBox="1"/>
+          <p:nvPr/>
+        </p:nvSpPr>
+        <p:spPr>
+          <a:xfrm>
+            <a:off x="838200" y="2274838"/>
+            <a:ext cx="5995851" cy="1200329"/>
+          </a:xfrm>
+          <a:prstGeom prst="rect">
+            <a:avLst/>
+          </a:prstGeom>
+          <a:noFill/>
+        </p:spPr>
+        <p:txBody>
+          <a:bodyPr wrap="square" rtlCol="0">
+            <a:spAutoFit/>
+          </a:bodyPr>
+          <a:lstStyle/>
+          <a:p>
+            <a:pPr marL="285750" indent="-285750">
+              <a:buClr>
+                <a:srgbClr val="4772FF"/>
+              </a:buClr>
+              <a:buSzPct val="80000"/>
+              <a:buFont typeface="Wingdings" panose="05000000000000000000" pitchFamily="2" charset="2"/>
+              <a:buChar char="Ø"/>
+            </a:pPr>
+            <a:r>
+              <a:rPr lang="pt-BR" sz="2400" dirty="0" smtClean="0">
+                <a:latin typeface="Bariol Bold" panose="02000506040000020003" pitchFamily="2" charset="0"/>
+              </a:rPr>
+              <a:t>Transporte publico metroviário</a:t>
+            </a:r>
+            <a:endParaRPr lang="pt-BR" sz="2400" dirty="0">
+              <a:latin typeface="Bariol Bold" panose="02000506040000020003" pitchFamily="2" charset="0"/>
+            </a:endParaRPr>
+          </a:p>
+          <a:p>
+            <a:pPr>
+              <a:buClr>
+                <a:srgbClr val="4772FF"/>
+              </a:buClr>
+              <a:buSzPct val="80000"/>
+            </a:pPr>
+            <a:endParaRPr lang="pt-BR" sz="2400" dirty="0">
+              <a:latin typeface="Bariol Bold" panose="02000506040000020003" pitchFamily="2" charset="0"/>
+            </a:endParaRPr>
+          </a:p>
+          <a:p>
+            <a:pPr marL="285750" indent="-285750">
+              <a:buClr>
+                <a:srgbClr val="4772FF"/>
+              </a:buClr>
+              <a:buSzPct val="80000"/>
+              <a:buFont typeface="Wingdings" panose="05000000000000000000" pitchFamily="2" charset="2"/>
+              <a:buChar char="Ø"/>
+            </a:pPr>
+            <a:r>
+              <a:rPr lang="pt-BR" sz="2400" dirty="0" smtClean="0">
+                <a:latin typeface="Bariol Bold" panose="02000506040000020003" pitchFamily="2" charset="0"/>
+              </a:rPr>
+              <a:t>Uso de informações para fins comerciais</a:t>
+            </a:r>
+            <a:endParaRPr lang="pt-BR" sz="2400" dirty="0">
+              <a:latin typeface="Bariol Bold" panose="02000506040000020003" pitchFamily="2" charset="0"/>
+            </a:endParaRPr>
+          </a:p>
+        </p:txBody>
+      </p:sp>
+      <p:pic>
+        <p:nvPicPr>
+          <p:cNvPr id="7" name="Imagem 6"/>
+          <p:cNvPicPr>
+            <a:picLocks noChangeAspect="1"/>
+          </p:cNvPicPr>
+          <p:nvPr/>
+        </p:nvPicPr>
+        <p:blipFill>
+          <a:blip r:embed="rId3">
+            <a:extLst>
+              <a:ext uri="{28A0092B-C50C-407E-A947-70E740481C1C}">
+                <a14:useLocalDpi xmlns:a14="http://schemas.microsoft.com/office/drawing/2010/main" val="0"/>
+              </a:ext>
+            </a:extLst>
+          </a:blip>
+          <a:stretch>
+            <a:fillRect/>
+          </a:stretch>
+        </p:blipFill>
+        <p:spPr>
+          <a:xfrm>
+            <a:off x="7571231" y="3683723"/>
+            <a:ext cx="4055556" cy="2952206"/>
+          </a:xfrm>
+          <a:prstGeom prst="rect">
+            <a:avLst/>
+          </a:prstGeom>
+        </p:spPr>
+      </p:pic>
+    </p:spTree>
+    <p:extLst>
+      <p:ext uri="{BB962C8B-B14F-4D97-AF65-F5344CB8AC3E}">
+        <p14:creationId xmlns:p14="http://schemas.microsoft.com/office/powerpoint/2010/main" val="3052130900"/>
+      </p:ext>
+    </p:extLst>
+  </p:cSld>
+  <p:clrMapOvr>
+    <a:masterClrMapping/>
+  </p:clrMapOvr>
+  <p:transition>
+    <p:fade/>
+  </p:transition>
+  <p:timing>
+    <p:tnLst>
+      <p:par>
+        <p:cTn id="1" dur="indefinite" restart="never" nodeType="tmRoot">
+          <p:childTnLst>
+            <p:seq concurrent="1" nextAc="seek">
+              <p:cTn id="2" dur="indefinite" nodeType="mainSeq">
+                <p:childTnLst>
+                  <p:par>
+                    <p:cTn id="3" fill="hold">
+                      <p:stCondLst>
+                        <p:cond delay="indefinite"/>
+                        <p:cond evt="onBegin" delay="0">
+                          <p:tn val="2"/>
+                        </p:cond>
+                      </p:stCondLst>
+                      <p:childTnLst>
+                        <p:par>
+                          <p:cTn id="4" fill="hold">
+                            <p:stCondLst>
+                              <p:cond delay="0"/>
+                            </p:stCondLst>
+                            <p:childTnLst>
+                              <p:par>
+                                <p:cTn id="5" presetID="10" presetClass="entr" presetSubtype="0" fill="hold" grpId="0" nodeType="afterEffect">
+                                  <p:stCondLst>
+                                    <p:cond delay="0"/>
+                                  </p:stCondLst>
+                                  <p:childTnLst>
+                                    <p:set>
+                                      <p:cBhvr>
+                                        <p:cTn id="6" dur="1" fill="hold">
+                                          <p:stCondLst>
+                                            <p:cond delay="0"/>
+                                          </p:stCondLst>
+                                        </p:cTn>
+                                        <p:tgtEl>
+                                          <p:spTgt spid="5">
+                                            <p:txEl>
+                                              <p:pRg st="0" end="0"/>
+                                            </p:txEl>
+                                          </p:spTgt>
+                                        </p:tgtEl>
+                                        <p:attrNameLst>
+                                          <p:attrName>style.visibility</p:attrName>
+                                        </p:attrNameLst>
+                                      </p:cBhvr>
+                                      <p:to>
+                                        <p:strVal val="visible"/>
+                                      </p:to>
+                                    </p:set>
+                                    <p:animEffect transition="in" filter="fade">
+                                      <p:cBhvr>
+                                        <p:cTn id="7" dur="500"/>
+                                        <p:tgtEl>
+                                          <p:spTgt spid="5">
+                                            <p:txEl>
+                                              <p:pRg st="0" end="0"/>
+                                            </p:txEl>
+                                          </p:spTgt>
+                                        </p:tgtEl>
+                                      </p:cBhvr>
+                                    </p:animEffect>
+                                  </p:childTnLst>
+                                </p:cTn>
+                              </p:par>
+                            </p:childTnLst>
+                          </p:cTn>
+                        </p:par>
+                        <p:par>
+                          <p:cTn id="8" fill="hold">
+                            <p:stCondLst>
+                              <p:cond delay="500"/>
+                            </p:stCondLst>
+                            <p:childTnLst>
+                              <p:par>
+                                <p:cTn id="9" presetID="10" presetClass="entr" presetSubtype="0" fill="hold" grpId="0" nodeType="afterEffect">
+                                  <p:stCondLst>
+                                    <p:cond delay="0"/>
+                                  </p:stCondLst>
+                                  <p:childTnLst>
+                                    <p:set>
+                                      <p:cBhvr>
+                                        <p:cTn id="10" dur="1" fill="hold">
+                                          <p:stCondLst>
+                                            <p:cond delay="0"/>
+                                          </p:stCondLst>
+                                        </p:cTn>
+                                        <p:tgtEl>
+                                          <p:spTgt spid="5">
+                                            <p:txEl>
+                                              <p:pRg st="2" end="2"/>
+                                            </p:txEl>
+                                          </p:spTgt>
+                                        </p:tgtEl>
+                                        <p:attrNameLst>
+                                          <p:attrName>style.visibility</p:attrName>
+                                        </p:attrNameLst>
+                                      </p:cBhvr>
+                                      <p:to>
+                                        <p:strVal val="visible"/>
+                                      </p:to>
+                                    </p:set>
+                                    <p:animEffect transition="in" filter="fade">
+                                      <p:cBhvr>
+                                        <p:cTn id="11" dur="500"/>
+                                        <p:tgtEl>
+                                          <p:spTgt spid="5">
+                                            <p:txEl>
+                                              <p:pRg st="2" end="2"/>
+                                            </p:txEl>
+                                          </p:spTgt>
+                                        </p:tgtEl>
+                                      </p:cBhvr>
+                                    </p:animEffect>
+                                  </p:childTnLst>
+                                </p:cTn>
+                              </p:par>
+                            </p:childTnLst>
+                          </p:cTn>
+                        </p:par>
+                        <p:par>
+                          <p:cTn id="12" fill="hold">
+                            <p:stCondLst>
+                              <p:cond delay="1000"/>
+                            </p:stCondLst>
+                            <p:childTnLst>
+                              <p:par>
+                                <p:cTn id="13" presetID="10" presetClass="entr" presetSubtype="0" fill="hold" nodeType="afterEffect">
+                                  <p:stCondLst>
+                                    <p:cond delay="0"/>
+                                  </p:stCondLst>
+                                  <p:childTnLst>
+                                    <p:set>
+                                      <p:cBhvr>
+                                        <p:cTn id="14" dur="1" fill="hold">
+                                          <p:stCondLst>
+                                            <p:cond delay="0"/>
+                                          </p:stCondLst>
+                                        </p:cTn>
+                                        <p:tgtEl>
+                                          <p:spTgt spid="7"/>
+                                        </p:tgtEl>
+                                        <p:attrNameLst>
+                                          <p:attrName>style.visibility</p:attrName>
+                                        </p:attrNameLst>
+                                      </p:cBhvr>
+                                      <p:to>
+                                        <p:strVal val="visible"/>
+                                      </p:to>
+                                    </p:set>
+                                    <p:animEffect transition="in" filter="fade">
+                                      <p:cBhvr>
+                                        <p:cTn id="15" dur="500"/>
+                                        <p:tgtEl>
+                                          <p:spTgt spid="7"/>
+                                        </p:tgtEl>
+                                      </p:cBhvr>
+                                    </p:animEffect>
+                                  </p:childTnLst>
+                                </p:cTn>
+                              </p:par>
+                            </p:childTnLst>
+                          </p:cTn>
+                        </p:par>
+                      </p:childTnLst>
+                    </p:cTn>
+                  </p:par>
+                </p:childTnLst>
+              </p:cTn>
+              <p:prevCondLst>
+                <p:cond evt="onPrev" delay="0">
+                  <p:tgtEl>
+                    <p:sldTgt/>
+                  </p:tgtEl>
+                </p:cond>
+              </p:prevCondLst>
+              <p:nextCondLst>
+                <p:cond evt="onNext" delay="0">
+                  <p:tgtEl>
+                    <p:sldTgt/>
+                  </p:tgtEl>
+                </p:cond>
+              </p:nextCondLst>
+            </p:seq>
+          </p:childTnLst>
+        </p:cTn>
+      </p:par>
+    </p:tnLst>
+    <p:bldLst>
+      <p:bldP spid="5" grpId="0" uiExpand="1" build="allAtOnce"/>
+    </p:bldLst>
+  </p:timing>
+</p:sld>
+</file>
+
+<file path=ppt/slides/slide4.xml><?xml version="1.0" encoding="utf-8"?>
+<p:sld xmlns:a="http://schemas.openxmlformats.org/drawingml/2006/main" xmlns:r="http://schemas.openxmlformats.org/officeDocument/2006/relationships" xmlns:p="http://schemas.openxmlformats.org/presentationml/2006/main">
+  <p:cSld>
+    <p:spTree>
+      <p:nvGrpSpPr>
+        <p:cNvPr id="1" name=""/>
+        <p:cNvGrpSpPr/>
+        <p:nvPr/>
+      </p:nvGrpSpPr>
+      <p:grpSpPr>
+        <a:xfrm>
+          <a:off x="0" y="0"/>
+          <a:ext cx="0" cy="0"/>
+          <a:chOff x="0" y="0"/>
+          <a:chExt cx="0" cy="0"/>
+        </a:xfrm>
+      </p:grpSpPr>
+      <p:sp>
+        <p:nvSpPr>
+          <p:cNvPr id="2" name="Título 1">
+            <a:extLst>
+              <a:ext uri="{FF2B5EF4-FFF2-40B4-BE49-F238E27FC236}">
+                <a16:creationId xmlns:a16="http://schemas.microsoft.com/office/drawing/2014/main" id="{99F76FBE-1BC2-4EE6-B90A-22263BF7BDCD}"/>
+              </a:ext>
+            </a:extLst>
+          </p:cNvPr>
+          <p:cNvSpPr>
+            <a:spLocks noGrp="1"/>
+          </p:cNvSpPr>
+          <p:nvPr>
+            <p:ph type="title"/>
+          </p:nvPr>
+        </p:nvSpPr>
+        <p:spPr/>
+        <p:txBody>
+          <a:bodyPr/>
+          <a:lstStyle/>
+          <a:p>
+            <a:r>
               <a:rPr lang="pt-BR" dirty="0">
                 <a:solidFill>
                   <a:schemeClr val="tx1">
@@ -4819,6 +5616,156 @@
           </a:prstGeom>
         </p:spPr>
       </p:pic>
+      <p:sp>
+        <p:nvSpPr>
+          <p:cNvPr id="6" name="CaixaDeTexto 5">
+            <a:extLst>
+              <a:ext uri="{FF2B5EF4-FFF2-40B4-BE49-F238E27FC236}">
+                <a16:creationId xmlns:a16="http://schemas.microsoft.com/office/drawing/2014/main" id="{FE989C62-5914-45D9-B2FF-7FB8E76D6324}"/>
+              </a:ext>
+            </a:extLst>
+          </p:cNvPr>
+          <p:cNvSpPr txBox="1"/>
+          <p:nvPr/>
+        </p:nvSpPr>
+        <p:spPr>
+          <a:xfrm>
+            <a:off x="838200" y="2274838"/>
+            <a:ext cx="5995851" cy="1938992"/>
+          </a:xfrm>
+          <a:prstGeom prst="rect">
+            <a:avLst/>
+          </a:prstGeom>
+          <a:noFill/>
+        </p:spPr>
+        <p:txBody>
+          <a:bodyPr wrap="square" rtlCol="0">
+            <a:spAutoFit/>
+          </a:bodyPr>
+          <a:lstStyle/>
+          <a:p>
+            <a:pPr marL="285750" indent="-285750">
+              <a:buClr>
+                <a:srgbClr val="4772FF"/>
+              </a:buClr>
+              <a:buSzPct val="80000"/>
+              <a:buFont typeface="Wingdings" panose="05000000000000000000" pitchFamily="2" charset="2"/>
+              <a:buChar char="Ø"/>
+            </a:pPr>
+            <a:r>
+              <a:rPr lang="pt-BR" sz="2400" dirty="0">
+                <a:latin typeface="Bariol Bold" panose="02000506040000020003" pitchFamily="2" charset="0"/>
+              </a:rPr>
+              <a:t>Superlotação </a:t>
+            </a:r>
+            <a:r>
+              <a:rPr lang="pt-BR" sz="2400" dirty="0">
+                <a:latin typeface="Bariol Bold" panose="02000506040000020003" pitchFamily="2" charset="0"/>
+              </a:rPr>
+              <a:t>é a maior reclamação dos usuários do Metrô e da </a:t>
+            </a:r>
+            <a:r>
+              <a:rPr lang="pt-BR" sz="2400" dirty="0" smtClean="0">
+                <a:latin typeface="Bariol Bold" panose="02000506040000020003" pitchFamily="2" charset="0"/>
+              </a:rPr>
+              <a:t>CPTM.			    </a:t>
+            </a:r>
+            <a:r>
+              <a:rPr lang="pt-BR" sz="2000" dirty="0" smtClean="0">
+                <a:solidFill>
+                  <a:schemeClr val="tx1">
+                    <a:lumMod val="85000"/>
+                    <a:lumOff val="15000"/>
+                  </a:schemeClr>
+                </a:solidFill>
+                <a:latin typeface="Bariol Bold" panose="02000506040000020003" pitchFamily="2" charset="0"/>
+              </a:rPr>
+              <a:t>- Procon</a:t>
+            </a:r>
+            <a:endParaRPr lang="pt-BR" sz="2000" dirty="0" smtClean="0">
+              <a:solidFill>
+                <a:schemeClr val="tx1">
+                  <a:lumMod val="85000"/>
+                  <a:lumOff val="15000"/>
+                </a:schemeClr>
+              </a:solidFill>
+              <a:latin typeface="Bariol Bold" panose="02000506040000020003" pitchFamily="2" charset="0"/>
+            </a:endParaRPr>
+          </a:p>
+          <a:p>
+            <a:pPr>
+              <a:buClr>
+                <a:srgbClr val="4772FF"/>
+              </a:buClr>
+              <a:buSzPct val="80000"/>
+            </a:pPr>
+            <a:endParaRPr lang="pt-BR" sz="2400" dirty="0">
+              <a:latin typeface="Bariol Bold" panose="02000506040000020003" pitchFamily="2" charset="0"/>
+            </a:endParaRPr>
+          </a:p>
+          <a:p>
+            <a:pPr marL="285750" indent="-285750">
+              <a:buClr>
+                <a:srgbClr val="4772FF"/>
+              </a:buClr>
+              <a:buSzPct val="80000"/>
+              <a:buFont typeface="Wingdings" panose="05000000000000000000" pitchFamily="2" charset="2"/>
+              <a:buChar char="Ø"/>
+            </a:pPr>
+            <a:r>
+              <a:rPr lang="pt-BR" sz="2400" dirty="0" smtClean="0">
+                <a:latin typeface="Bariol Bold" panose="02000506040000020003" pitchFamily="2" charset="0"/>
+              </a:rPr>
+              <a:t>Número </a:t>
+            </a:r>
+            <a:r>
+              <a:rPr lang="pt-BR" sz="2400" dirty="0">
+                <a:latin typeface="Bariol Bold" panose="02000506040000020003" pitchFamily="2" charset="0"/>
+              </a:rPr>
+              <a:t>de passageiros transportados pelo </a:t>
+            </a:r>
+            <a:r>
+              <a:rPr lang="pt-BR" sz="2400" dirty="0" smtClean="0">
+                <a:latin typeface="Bariol Bold" panose="02000506040000020003" pitchFamily="2" charset="0"/>
+              </a:rPr>
+              <a:t>Metrô </a:t>
+            </a:r>
+            <a:r>
+              <a:rPr lang="pt-BR" sz="2400" dirty="0">
+                <a:latin typeface="Bariol Bold" panose="02000506040000020003" pitchFamily="2" charset="0"/>
+              </a:rPr>
+              <a:t>cai 12 milhões em </a:t>
+            </a:r>
+            <a:r>
+              <a:rPr lang="pt-BR" sz="2400" dirty="0" smtClean="0">
+                <a:latin typeface="Bariol Bold" panose="02000506040000020003" pitchFamily="2" charset="0"/>
+              </a:rPr>
+              <a:t>2017.</a:t>
+            </a:r>
+            <a:r>
+              <a:rPr lang="pt-BR" sz="2000" dirty="0" smtClean="0">
+                <a:solidFill>
+                  <a:schemeClr val="tx1">
+                    <a:lumMod val="85000"/>
+                    <a:lumOff val="15000"/>
+                  </a:schemeClr>
+                </a:solidFill>
+                <a:latin typeface="Bariol Bold" panose="02000506040000020003" pitchFamily="2" charset="0"/>
+              </a:rPr>
+              <a:t>     	- G1 Globo</a:t>
+            </a:r>
+            <a:endParaRPr lang="pt-BR" sz="2000" dirty="0">
+              <a:solidFill>
+                <a:schemeClr val="tx1">
+                  <a:lumMod val="85000"/>
+                  <a:lumOff val="15000"/>
+                </a:schemeClr>
+              </a:solidFill>
+              <a:latin typeface="Bariol Bold" panose="02000506040000020003" pitchFamily="2" charset="0"/>
+            </a:endParaRPr>
+          </a:p>
+        </p:txBody>
+      </p:sp>
     </p:spTree>
     <p:extLst>
       <p:ext uri="{BB962C8B-B14F-4D97-AF65-F5344CB8AC3E}">
@@ -4835,14 +5782,191 @@
   <p:timing>
     <p:tnLst>
       <p:par>
-        <p:cTn id="1" dur="indefinite" restart="never" nodeType="tmRoot"/>
+        <p:cTn id="1" dur="indefinite" restart="never" nodeType="tmRoot">
+          <p:childTnLst>
+            <p:seq concurrent="1" nextAc="seek">
+              <p:cTn id="2" dur="indefinite" nodeType="mainSeq">
+                <p:childTnLst>
+                  <p:par>
+                    <p:cTn id="3" fill="hold">
+                      <p:stCondLst>
+                        <p:cond delay="indefinite"/>
+                        <p:cond evt="onBegin" delay="0">
+                          <p:tn val="2"/>
+                        </p:cond>
+                      </p:stCondLst>
+                      <p:childTnLst>
+                        <p:par>
+                          <p:cTn id="4" fill="hold">
+                            <p:stCondLst>
+                              <p:cond delay="0"/>
+                            </p:stCondLst>
+                            <p:childTnLst>
+                              <p:par>
+                                <p:cTn id="5" presetID="10" presetClass="entr" presetSubtype="0" fill="hold" grpId="0" nodeType="afterEffect">
+                                  <p:stCondLst>
+                                    <p:cond delay="0"/>
+                                  </p:stCondLst>
+                                  <p:childTnLst>
+                                    <p:set>
+                                      <p:cBhvr>
+                                        <p:cTn id="6" dur="1" fill="hold">
+                                          <p:stCondLst>
+                                            <p:cond delay="0"/>
+                                          </p:stCondLst>
+                                        </p:cTn>
+                                        <p:tgtEl>
+                                          <p:spTgt spid="6">
+                                            <p:txEl>
+                                              <p:pRg st="0" end="0"/>
+                                            </p:txEl>
+                                          </p:spTgt>
+                                        </p:tgtEl>
+                                        <p:attrNameLst>
+                                          <p:attrName>style.visibility</p:attrName>
+                                        </p:attrNameLst>
+                                      </p:cBhvr>
+                                      <p:to>
+                                        <p:strVal val="visible"/>
+                                      </p:to>
+                                    </p:set>
+                                    <p:animEffect transition="in" filter="fade">
+                                      <p:cBhvr>
+                                        <p:cTn id="7" dur="500"/>
+                                        <p:tgtEl>
+                                          <p:spTgt spid="6">
+                                            <p:txEl>
+                                              <p:pRg st="0" end="0"/>
+                                            </p:txEl>
+                                          </p:spTgt>
+                                        </p:tgtEl>
+                                      </p:cBhvr>
+                                    </p:animEffect>
+                                  </p:childTnLst>
+                                </p:cTn>
+                              </p:par>
+                            </p:childTnLst>
+                          </p:cTn>
+                        </p:par>
+                        <p:par>
+                          <p:cTn id="8" fill="hold">
+                            <p:stCondLst>
+                              <p:cond delay="500"/>
+                            </p:stCondLst>
+                            <p:childTnLst>
+                              <p:par>
+                                <p:cTn id="9" presetID="10" presetClass="entr" presetSubtype="0" fill="hold" grpId="0" nodeType="afterEffect">
+                                  <p:stCondLst>
+                                    <p:cond delay="0"/>
+                                  </p:stCondLst>
+                                  <p:childTnLst>
+                                    <p:set>
+                                      <p:cBhvr>
+                                        <p:cTn id="10" dur="1" fill="hold">
+                                          <p:stCondLst>
+                                            <p:cond delay="0"/>
+                                          </p:stCondLst>
+                                        </p:cTn>
+                                        <p:tgtEl>
+                                          <p:spTgt spid="6">
+                                            <p:txEl>
+                                              <p:pRg st="2" end="2"/>
+                                            </p:txEl>
+                                          </p:spTgt>
+                                        </p:tgtEl>
+                                        <p:attrNameLst>
+                                          <p:attrName>style.visibility</p:attrName>
+                                        </p:attrNameLst>
+                                      </p:cBhvr>
+                                      <p:to>
+                                        <p:strVal val="visible"/>
+                                      </p:to>
+                                    </p:set>
+                                    <p:animEffect transition="in" filter="fade">
+                                      <p:cBhvr>
+                                        <p:cTn id="11" dur="500"/>
+                                        <p:tgtEl>
+                                          <p:spTgt spid="6">
+                                            <p:txEl>
+                                              <p:pRg st="2" end="2"/>
+                                            </p:txEl>
+                                          </p:spTgt>
+                                        </p:tgtEl>
+                                      </p:cBhvr>
+                                    </p:animEffect>
+                                  </p:childTnLst>
+                                </p:cTn>
+                              </p:par>
+                              <p:par>
+                                <p:cTn id="12" presetID="10" presetClass="entr" presetSubtype="0" fill="hold" nodeType="withEffect">
+                                  <p:stCondLst>
+                                    <p:cond delay="0"/>
+                                  </p:stCondLst>
+                                  <p:childTnLst>
+                                    <p:set>
+                                      <p:cBhvr>
+                                        <p:cTn id="13" dur="1" fill="hold">
+                                          <p:stCondLst>
+                                            <p:cond delay="0"/>
+                                          </p:stCondLst>
+                                        </p:cTn>
+                                        <p:tgtEl>
+                                          <p:spTgt spid="4"/>
+                                        </p:tgtEl>
+                                        <p:attrNameLst>
+                                          <p:attrName>style.visibility</p:attrName>
+                                        </p:attrNameLst>
+                                      </p:cBhvr>
+                                      <p:to>
+                                        <p:strVal val="visible"/>
+                                      </p:to>
+                                    </p:set>
+                                    <p:animEffect transition="in" filter="fade">
+                                      <p:cBhvr>
+                                        <p:cTn id="14" dur="500"/>
+                                        <p:tgtEl>
+                                          <p:spTgt spid="4"/>
+                                        </p:tgtEl>
+                                      </p:cBhvr>
+                                    </p:animEffect>
+                                  </p:childTnLst>
+                                </p:cTn>
+                              </p:par>
+                            </p:childTnLst>
+                          </p:cTn>
+                        </p:par>
+                      </p:childTnLst>
+                    </p:cTn>
+                  </p:par>
+                </p:childTnLst>
+              </p:cTn>
+              <p:prevCondLst>
+                <p:cond evt="onPrev" delay="0">
+                  <p:tgtEl>
+                    <p:sldTgt/>
+                  </p:tgtEl>
+                </p:cond>
+              </p:prevCondLst>
+              <p:nextCondLst>
+                <p:cond evt="onNext" delay="0">
+                  <p:tgtEl>
+                    <p:sldTgt/>
+                  </p:tgtEl>
+                </p:cond>
+              </p:nextCondLst>
+            </p:seq>
+          </p:childTnLst>
+        </p:cTn>
       </p:par>
     </p:tnLst>
+    <p:bldLst>
+      <p:bldP spid="6" grpId="0" uiExpand="1" build="allAtOnce"/>
+    </p:bldLst>
   </p:timing>
 </p:sld>
 </file>
 
-<file path=ppt/slides/slide4.xml><?xml version="1.0" encoding="utf-8"?>
+<file path=ppt/slides/slide5.xml><?xml version="1.0" encoding="utf-8"?>
 <p:sld xmlns:a="http://schemas.openxmlformats.org/drawingml/2006/main" xmlns:r="http://schemas.openxmlformats.org/officeDocument/2006/relationships" xmlns:p="http://schemas.openxmlformats.org/presentationml/2006/main">
   <p:cSld>
     <p:spTree>
@@ -5170,24 +6294,15 @@
                                   </p:childTnLst>
                                 </p:cTn>
                               </p:par>
-                            </p:childTnLst>
-                          </p:cTn>
-                        </p:par>
-                        <p:par>
-                          <p:cTn id="12" fill="hold">
-                            <p:stCondLst>
-                              <p:cond delay="1000"/>
-                            </p:stCondLst>
-                            <p:childTnLst>
                               <p:par>
-                                <p:cTn id="13" presetID="10" presetClass="entr" presetSubtype="0" fill="hold" nodeType="afterEffect">
+                                <p:cTn id="12" presetID="10" presetClass="entr" presetSubtype="0" fill="hold" nodeType="withEffect">
                                   <p:stCondLst>
                                     <p:cond delay="0"/>
                                   </p:stCondLst>
                                   <p:childTnLst>
                                     <p:set>
                                       <p:cBhvr>
-                                        <p:cTn id="14" dur="1" fill="hold">
+                                        <p:cTn id="13" dur="1" fill="hold">
                                           <p:stCondLst>
                                             <p:cond delay="0"/>
                                           </p:stCondLst>
@@ -5205,7 +6320,7 @@
                                     </p:set>
                                     <p:animEffect transition="in" filter="fade">
                                       <p:cBhvr>
-                                        <p:cTn id="15" dur="500"/>
+                                        <p:cTn id="14" dur="500"/>
                                         <p:tgtEl>
                                           <p:spTgt spid="6"/>
                                         </p:tgtEl>
@@ -5242,13 +6357,13 @@
       </p:par>
     </p:tnLst>
     <p:bldLst>
-      <p:bldP spid="4" grpId="0" build="allAtOnce"/>
+      <p:bldP spid="4" grpId="0" uiExpand="1" build="allAtOnce"/>
     </p:bldLst>
   </p:timing>
 </p:sld>
 </file>
 
-<file path=ppt/slides/slide5.xml><?xml version="1.0" encoding="utf-8"?>
+<file path=ppt/slides/slide6.xml><?xml version="1.0" encoding="utf-8"?>
 <p:sld xmlns:a="http://schemas.openxmlformats.org/drawingml/2006/main" xmlns:r="http://schemas.openxmlformats.org/officeDocument/2006/relationships" xmlns:p="http://schemas.openxmlformats.org/presentationml/2006/main">
   <p:cSld>
     <p:spTree>
@@ -5735,7 +6850,881 @@
 </p:sld>
 </file>
 
-<file path=ppt/slides/slide6.xml><?xml version="1.0" encoding="utf-8"?>
+<file path=ppt/slides/slide7.xml><?xml version="1.0" encoding="utf-8"?>
+<p:sld xmlns:a="http://schemas.openxmlformats.org/drawingml/2006/main" xmlns:r="http://schemas.openxmlformats.org/officeDocument/2006/relationships" xmlns:p="http://schemas.openxmlformats.org/presentationml/2006/main">
+  <p:cSld>
+    <p:spTree>
+      <p:nvGrpSpPr>
+        <p:cNvPr id="1" name=""/>
+        <p:cNvGrpSpPr/>
+        <p:nvPr/>
+      </p:nvGrpSpPr>
+      <p:grpSpPr>
+        <a:xfrm>
+          <a:off x="0" y="0"/>
+          <a:ext cx="0" cy="0"/>
+          <a:chOff x="0" y="0"/>
+          <a:chExt cx="0" cy="0"/>
+        </a:xfrm>
+      </p:grpSpPr>
+      <p:pic>
+        <p:nvPicPr>
+          <p:cNvPr id="13" name="Imagem 12"/>
+          <p:cNvPicPr>
+            <a:picLocks noChangeAspect="1"/>
+          </p:cNvPicPr>
+          <p:nvPr/>
+        </p:nvPicPr>
+        <p:blipFill>
+          <a:blip r:embed="rId2" cstate="print">
+            <a:extLst>
+              <a:ext uri="{28A0092B-C50C-407E-A947-70E740481C1C}">
+                <a14:useLocalDpi xmlns:a14="http://schemas.microsoft.com/office/drawing/2010/main" val="0"/>
+              </a:ext>
+            </a:extLst>
+          </a:blip>
+          <a:stretch>
+            <a:fillRect/>
+          </a:stretch>
+        </p:blipFill>
+        <p:spPr>
+          <a:xfrm>
+            <a:off x="224121" y="428431"/>
+            <a:ext cx="3028173" cy="2111223"/>
+          </a:xfrm>
+          <a:prstGeom prst="rect">
+            <a:avLst/>
+          </a:prstGeom>
+        </p:spPr>
+      </p:pic>
+      <p:pic>
+        <p:nvPicPr>
+          <p:cNvPr id="15" name="Imagem 14"/>
+          <p:cNvPicPr>
+            <a:picLocks noChangeAspect="1"/>
+          </p:cNvPicPr>
+          <p:nvPr/>
+        </p:nvPicPr>
+        <p:blipFill>
+          <a:blip r:embed="rId3" cstate="print">
+            <a:extLst>
+              <a:ext uri="{28A0092B-C50C-407E-A947-70E740481C1C}">
+                <a14:useLocalDpi xmlns:a14="http://schemas.microsoft.com/office/drawing/2010/main" val="0"/>
+              </a:ext>
+            </a:extLst>
+          </a:blip>
+          <a:stretch>
+            <a:fillRect/>
+          </a:stretch>
+        </p:blipFill>
+        <p:spPr>
+          <a:xfrm>
+            <a:off x="4376814" y="434500"/>
+            <a:ext cx="3122779" cy="2188713"/>
+          </a:xfrm>
+          <a:prstGeom prst="rect">
+            <a:avLst/>
+          </a:prstGeom>
+        </p:spPr>
+      </p:pic>
+      <p:sp>
+        <p:nvSpPr>
+          <p:cNvPr id="18" name="CaixaDeTexto 17"/>
+          <p:cNvSpPr txBox="1"/>
+          <p:nvPr/>
+        </p:nvSpPr>
+        <p:spPr>
+          <a:xfrm>
+            <a:off x="4109422" y="2429851"/>
+            <a:ext cx="3516806" cy="584775"/>
+          </a:xfrm>
+          <a:prstGeom prst="rect">
+            <a:avLst/>
+          </a:prstGeom>
+          <a:noFill/>
+        </p:spPr>
+        <p:txBody>
+          <a:bodyPr wrap="square" rtlCol="0">
+            <a:spAutoFit/>
+          </a:bodyPr>
+          <a:lstStyle/>
+          <a:p>
+            <a:pPr algn="ctr"/>
+            <a:r>
+              <a:rPr lang="pt-BR" sz="1600" dirty="0" smtClean="0">
+                <a:latin typeface="Bariol Bold" panose="02000506040000020003"/>
+                <a:cs typeface="Arial" panose="020B0604020202020204" pitchFamily="34" charset="0"/>
+              </a:rPr>
+              <a:t>O sistema determina com esses dados o nível de circulação de pessoas no local.</a:t>
+            </a:r>
+          </a:p>
+        </p:txBody>
+      </p:sp>
+      <p:sp>
+        <p:nvSpPr>
+          <p:cNvPr id="19" name="CaixaDeTexto 18"/>
+          <p:cNvSpPr txBox="1"/>
+          <p:nvPr/>
+        </p:nvSpPr>
+        <p:spPr>
+          <a:xfrm>
+            <a:off x="224121" y="2420017"/>
+            <a:ext cx="3139434" cy="830997"/>
+          </a:xfrm>
+          <a:prstGeom prst="rect">
+            <a:avLst/>
+          </a:prstGeom>
+          <a:noFill/>
+        </p:spPr>
+        <p:txBody>
+          <a:bodyPr wrap="square" rtlCol="0">
+            <a:spAutoFit/>
+          </a:bodyPr>
+          <a:lstStyle/>
+          <a:p>
+            <a:pPr algn="ctr"/>
+            <a:r>
+              <a:rPr lang="pt-BR" sz="1600" dirty="0" smtClean="0">
+                <a:latin typeface="Bariol Bold" panose="02000506040000020003"/>
+                <a:cs typeface="Arial" panose="020B0604020202020204" pitchFamily="34" charset="0"/>
+              </a:rPr>
+              <a:t>Coleta de dados através de sensor de calor.</a:t>
+            </a:r>
+          </a:p>
+          <a:p>
+            <a:endParaRPr lang="pt-BR" sz="1600" dirty="0">
+              <a:latin typeface="Bariol Bold" panose="02000506040000020003"/>
+            </a:endParaRPr>
+          </a:p>
+        </p:txBody>
+      </p:sp>
+      <p:sp>
+        <p:nvSpPr>
+          <p:cNvPr id="20" name="CaixaDeTexto 19"/>
+          <p:cNvSpPr txBox="1"/>
+          <p:nvPr/>
+        </p:nvSpPr>
+        <p:spPr>
+          <a:xfrm>
+            <a:off x="8056889" y="2457119"/>
+            <a:ext cx="3743438" cy="830997"/>
+          </a:xfrm>
+          <a:prstGeom prst="rect">
+            <a:avLst/>
+          </a:prstGeom>
+          <a:noFill/>
+        </p:spPr>
+        <p:txBody>
+          <a:bodyPr wrap="square" rtlCol="0">
+            <a:spAutoFit/>
+          </a:bodyPr>
+          <a:lstStyle/>
+          <a:p>
+            <a:pPr algn="ctr"/>
+            <a:r>
+              <a:rPr lang="pt-BR" sz="1600" dirty="0" smtClean="0">
+                <a:latin typeface="Bariol Bold" panose="02000506040000020003"/>
+                <a:cs typeface="Arial" panose="020B0604020202020204" pitchFamily="34" charset="0"/>
+              </a:rPr>
+              <a:t>Um órgão responsável pelo transporte coletivo  pode usa-las para tomadas de decisão operacionais  nesses lugares</a:t>
+            </a:r>
+            <a:endParaRPr lang="pt-BR" sz="1600" dirty="0">
+              <a:latin typeface="Bariol Bold" panose="02000506040000020003"/>
+              <a:cs typeface="Arial" panose="020B0604020202020204" pitchFamily="34" charset="0"/>
+            </a:endParaRPr>
+          </a:p>
+        </p:txBody>
+      </p:sp>
+      <p:pic>
+        <p:nvPicPr>
+          <p:cNvPr id="21" name="Imagem 20"/>
+          <p:cNvPicPr>
+            <a:picLocks noChangeAspect="1"/>
+          </p:cNvPicPr>
+          <p:nvPr/>
+        </p:nvPicPr>
+        <p:blipFill>
+          <a:blip r:embed="rId4" cstate="print">
+            <a:extLst>
+              <a:ext uri="{28A0092B-C50C-407E-A947-70E740481C1C}">
+                <a14:useLocalDpi xmlns:a14="http://schemas.microsoft.com/office/drawing/2010/main" val="0"/>
+              </a:ext>
+            </a:extLst>
+          </a:blip>
+          <a:stretch>
+            <a:fillRect/>
+          </a:stretch>
+        </p:blipFill>
+        <p:spPr>
+          <a:xfrm>
+            <a:off x="8419675" y="523905"/>
+            <a:ext cx="3105170" cy="1918620"/>
+          </a:xfrm>
+          <a:prstGeom prst="rect">
+            <a:avLst/>
+          </a:prstGeom>
+        </p:spPr>
+      </p:pic>
+      <p:sp>
+        <p:nvSpPr>
+          <p:cNvPr id="22" name="CaixaDeTexto 21"/>
+          <p:cNvSpPr txBox="1"/>
+          <p:nvPr/>
+        </p:nvSpPr>
+        <p:spPr>
+          <a:xfrm>
+            <a:off x="-10585" y="6021233"/>
+            <a:ext cx="3566160" cy="584775"/>
+          </a:xfrm>
+          <a:prstGeom prst="rect">
+            <a:avLst/>
+          </a:prstGeom>
+          <a:noFill/>
+        </p:spPr>
+        <p:txBody>
+          <a:bodyPr wrap="square" rtlCol="0">
+            <a:spAutoFit/>
+          </a:bodyPr>
+          <a:lstStyle/>
+          <a:p>
+            <a:pPr algn="ctr"/>
+            <a:r>
+              <a:rPr lang="pt-BR" sz="1600" dirty="0" smtClean="0">
+                <a:latin typeface="Bariol Bold" panose="02000506040000020003"/>
+                <a:cs typeface="Arial" panose="020B0604020202020204" pitchFamily="34" charset="0"/>
+              </a:rPr>
+              <a:t>E assim eles podem optar por outras rotas se quiserem evitar a lotação desse local.</a:t>
+            </a:r>
+            <a:endParaRPr lang="pt-BR" sz="1600" dirty="0">
+              <a:latin typeface="Bariol Bold" panose="02000506040000020003"/>
+              <a:cs typeface="Arial" panose="020B0604020202020204" pitchFamily="34" charset="0"/>
+            </a:endParaRPr>
+          </a:p>
+        </p:txBody>
+      </p:sp>
+      <p:pic>
+        <p:nvPicPr>
+          <p:cNvPr id="23" name="Imagem 22"/>
+          <p:cNvPicPr>
+            <a:picLocks noChangeAspect="1"/>
+          </p:cNvPicPr>
+          <p:nvPr/>
+        </p:nvPicPr>
+        <p:blipFill>
+          <a:blip r:embed="rId5" cstate="print">
+            <a:extLst>
+              <a:ext uri="{28A0092B-C50C-407E-A947-70E740481C1C}">
+                <a14:useLocalDpi xmlns:a14="http://schemas.microsoft.com/office/drawing/2010/main" val="0"/>
+              </a:ext>
+            </a:extLst>
+          </a:blip>
+          <a:stretch>
+            <a:fillRect/>
+          </a:stretch>
+        </p:blipFill>
+        <p:spPr>
+          <a:xfrm>
+            <a:off x="538663" y="4113424"/>
+            <a:ext cx="2467664" cy="1882755"/>
+          </a:xfrm>
+          <a:prstGeom prst="rect">
+            <a:avLst/>
+          </a:prstGeom>
+        </p:spPr>
+      </p:pic>
+      <p:sp>
+        <p:nvSpPr>
+          <p:cNvPr id="24" name="CaixaDeTexto 23"/>
+          <p:cNvSpPr txBox="1"/>
+          <p:nvPr/>
+        </p:nvSpPr>
+        <p:spPr>
+          <a:xfrm>
+            <a:off x="3803167" y="6039025"/>
+            <a:ext cx="4129315" cy="584775"/>
+          </a:xfrm>
+          <a:prstGeom prst="rect">
+            <a:avLst/>
+          </a:prstGeom>
+          <a:noFill/>
+        </p:spPr>
+        <p:txBody>
+          <a:bodyPr wrap="square" rtlCol="0">
+            <a:spAutoFit/>
+          </a:bodyPr>
+          <a:lstStyle/>
+          <a:p>
+            <a:pPr algn="ctr"/>
+            <a:r>
+              <a:rPr lang="pt-BR" sz="1600" dirty="0" smtClean="0">
+                <a:latin typeface="Bariol Bold" panose="02000506040000020003"/>
+                <a:cs typeface="Arial" panose="020B0604020202020204" pitchFamily="34" charset="0"/>
+              </a:rPr>
+              <a:t> A informação será disponibilizada através de um website para usuários do trem/ metrô.</a:t>
+            </a:r>
+            <a:endParaRPr lang="pt-BR" sz="1600" dirty="0">
+              <a:latin typeface="Bariol Bold" panose="02000506040000020003"/>
+              <a:cs typeface="Arial" panose="020B0604020202020204" pitchFamily="34" charset="0"/>
+            </a:endParaRPr>
+          </a:p>
+        </p:txBody>
+      </p:sp>
+      <p:sp>
+        <p:nvSpPr>
+          <p:cNvPr id="26" name="CaixaDeTexto 25"/>
+          <p:cNvSpPr txBox="1"/>
+          <p:nvPr/>
+        </p:nvSpPr>
+        <p:spPr>
+          <a:xfrm>
+            <a:off x="8176111" y="6035747"/>
+            <a:ext cx="3566160" cy="584775"/>
+          </a:xfrm>
+          <a:prstGeom prst="rect">
+            <a:avLst/>
+          </a:prstGeom>
+          <a:noFill/>
+        </p:spPr>
+        <p:txBody>
+          <a:bodyPr wrap="square" rtlCol="0">
+            <a:spAutoFit/>
+          </a:bodyPr>
+          <a:lstStyle/>
+          <a:p>
+            <a:pPr algn="ctr"/>
+            <a:r>
+              <a:rPr lang="pt-BR" sz="1600" dirty="0" smtClean="0">
+                <a:latin typeface="Bariol Bold" panose="02000506040000020003"/>
+                <a:cs typeface="Arial" panose="020B0604020202020204" pitchFamily="34" charset="0"/>
+              </a:rPr>
+              <a:t>E empresas para posicionamento estratégico de franquias e marketing em tais locais.</a:t>
+            </a:r>
+            <a:endParaRPr lang="pt-BR" sz="1600" dirty="0">
+              <a:latin typeface="Bariol Bold" panose="02000506040000020003"/>
+              <a:cs typeface="Arial" panose="020B0604020202020204" pitchFamily="34" charset="0"/>
+            </a:endParaRPr>
+          </a:p>
+        </p:txBody>
+      </p:sp>
+      <p:pic>
+        <p:nvPicPr>
+          <p:cNvPr id="27" name="Imagem 26"/>
+          <p:cNvPicPr>
+            <a:picLocks noChangeAspect="1"/>
+          </p:cNvPicPr>
+          <p:nvPr/>
+        </p:nvPicPr>
+        <p:blipFill>
+          <a:blip r:embed="rId6" cstate="print">
+            <a:extLst>
+              <a:ext uri="{28A0092B-C50C-407E-A947-70E740481C1C}">
+                <a14:useLocalDpi xmlns:a14="http://schemas.microsoft.com/office/drawing/2010/main" val="0"/>
+              </a:ext>
+            </a:extLst>
+          </a:blip>
+          <a:stretch>
+            <a:fillRect/>
+          </a:stretch>
+        </p:blipFill>
+        <p:spPr>
+          <a:xfrm>
+            <a:off x="8917413" y="4146823"/>
+            <a:ext cx="2109694" cy="1841862"/>
+          </a:xfrm>
+          <a:prstGeom prst="rect">
+            <a:avLst/>
+          </a:prstGeom>
+        </p:spPr>
+      </p:pic>
+      <p:cxnSp>
+        <p:nvCxnSpPr>
+          <p:cNvPr id="30" name="Conector de Seta Reta 29"/>
+          <p:cNvCxnSpPr/>
+          <p:nvPr/>
+        </p:nvCxnSpPr>
+        <p:spPr>
+          <a:xfrm>
+            <a:off x="3375512" y="1611721"/>
+            <a:ext cx="801702" cy="3725"/>
+          </a:xfrm>
+          <a:prstGeom prst="straightConnector1">
+            <a:avLst/>
+          </a:prstGeom>
+          <a:ln w="38100">
+            <a:solidFill>
+              <a:srgbClr val="6159E6"/>
+            </a:solidFill>
+            <a:tailEnd type="triangle"/>
+          </a:ln>
+        </p:spPr>
+        <p:style>
+          <a:lnRef idx="1">
+            <a:schemeClr val="accent1"/>
+          </a:lnRef>
+          <a:fillRef idx="0">
+            <a:schemeClr val="accent1"/>
+          </a:fillRef>
+          <a:effectRef idx="0">
+            <a:schemeClr val="accent1"/>
+          </a:effectRef>
+          <a:fontRef idx="minor">
+            <a:schemeClr val="tx1"/>
+          </a:fontRef>
+        </p:style>
+      </p:cxnSp>
+      <p:cxnSp>
+        <p:nvCxnSpPr>
+          <p:cNvPr id="32" name="Conector de Seta Reta 31"/>
+          <p:cNvCxnSpPr/>
+          <p:nvPr/>
+        </p:nvCxnSpPr>
+        <p:spPr>
+          <a:xfrm>
+            <a:off x="7533852" y="1618981"/>
+            <a:ext cx="801702" cy="3725"/>
+          </a:xfrm>
+          <a:prstGeom prst="straightConnector1">
+            <a:avLst/>
+          </a:prstGeom>
+          <a:ln w="38100">
+            <a:solidFill>
+              <a:srgbClr val="6159E6"/>
+            </a:solidFill>
+            <a:tailEnd type="triangle"/>
+          </a:ln>
+        </p:spPr>
+        <p:style>
+          <a:lnRef idx="1">
+            <a:schemeClr val="accent1"/>
+          </a:lnRef>
+          <a:fillRef idx="0">
+            <a:schemeClr val="accent1"/>
+          </a:fillRef>
+          <a:effectRef idx="0">
+            <a:schemeClr val="accent1"/>
+          </a:effectRef>
+          <a:fontRef idx="minor">
+            <a:schemeClr val="tx1"/>
+          </a:fontRef>
+        </p:style>
+      </p:cxnSp>
+      <p:cxnSp>
+        <p:nvCxnSpPr>
+          <p:cNvPr id="33" name="Conector de Seta Reta 32"/>
+          <p:cNvCxnSpPr/>
+          <p:nvPr/>
+        </p:nvCxnSpPr>
+        <p:spPr>
+          <a:xfrm flipH="1">
+            <a:off x="7526594" y="4935498"/>
+            <a:ext cx="801702" cy="3725"/>
+          </a:xfrm>
+          <a:prstGeom prst="straightConnector1">
+            <a:avLst/>
+          </a:prstGeom>
+          <a:ln w="38100">
+            <a:solidFill>
+              <a:srgbClr val="6159E6"/>
+            </a:solidFill>
+            <a:tailEnd type="triangle"/>
+          </a:ln>
+        </p:spPr>
+        <p:style>
+          <a:lnRef idx="1">
+            <a:schemeClr val="accent1"/>
+          </a:lnRef>
+          <a:fillRef idx="0">
+            <a:schemeClr val="accent1"/>
+          </a:fillRef>
+          <a:effectRef idx="0">
+            <a:schemeClr val="accent1"/>
+          </a:effectRef>
+          <a:fontRef idx="minor">
+            <a:schemeClr val="tx1"/>
+          </a:fontRef>
+        </p:style>
+      </p:cxnSp>
+      <p:cxnSp>
+        <p:nvCxnSpPr>
+          <p:cNvPr id="34" name="Conector de Seta Reta 33"/>
+          <p:cNvCxnSpPr/>
+          <p:nvPr/>
+        </p:nvCxnSpPr>
+        <p:spPr>
+          <a:xfrm flipH="1">
+            <a:off x="3194078" y="4942758"/>
+            <a:ext cx="801702" cy="3725"/>
+          </a:xfrm>
+          <a:prstGeom prst="straightConnector1">
+            <a:avLst/>
+          </a:prstGeom>
+          <a:ln w="38100">
+            <a:solidFill>
+              <a:srgbClr val="6159E6"/>
+            </a:solidFill>
+            <a:tailEnd type="triangle"/>
+          </a:ln>
+        </p:spPr>
+        <p:style>
+          <a:lnRef idx="1">
+            <a:schemeClr val="accent1"/>
+          </a:lnRef>
+          <a:fillRef idx="0">
+            <a:schemeClr val="accent1"/>
+          </a:fillRef>
+          <a:effectRef idx="0">
+            <a:schemeClr val="accent1"/>
+          </a:effectRef>
+          <a:fontRef idx="minor">
+            <a:schemeClr val="tx1"/>
+          </a:fontRef>
+        </p:style>
+      </p:cxnSp>
+      <p:cxnSp>
+        <p:nvCxnSpPr>
+          <p:cNvPr id="35" name="Conector de Seta Reta 34"/>
+          <p:cNvCxnSpPr/>
+          <p:nvPr/>
+        </p:nvCxnSpPr>
+        <p:spPr>
+          <a:xfrm>
+            <a:off x="10109984" y="3345646"/>
+            <a:ext cx="3573" cy="635627"/>
+          </a:xfrm>
+          <a:prstGeom prst="straightConnector1">
+            <a:avLst/>
+          </a:prstGeom>
+          <a:ln w="38100">
+            <a:solidFill>
+              <a:srgbClr val="6159E6"/>
+            </a:solidFill>
+            <a:tailEnd type="triangle"/>
+          </a:ln>
+        </p:spPr>
+        <p:style>
+          <a:lnRef idx="1">
+            <a:schemeClr val="accent1"/>
+          </a:lnRef>
+          <a:fillRef idx="0">
+            <a:schemeClr val="accent1"/>
+          </a:fillRef>
+          <a:effectRef idx="0">
+            <a:schemeClr val="accent1"/>
+          </a:effectRef>
+          <a:fontRef idx="minor">
+            <a:schemeClr val="tx1"/>
+          </a:fontRef>
+        </p:style>
+      </p:cxnSp>
+      <p:pic>
+        <p:nvPicPr>
+          <p:cNvPr id="28" name="Imagem 27"/>
+          <p:cNvPicPr>
+            <a:picLocks noChangeAspect="1"/>
+          </p:cNvPicPr>
+          <p:nvPr/>
+        </p:nvPicPr>
+        <p:blipFill>
+          <a:blip r:embed="rId7" cstate="hqprint">
+            <a:extLst>
+              <a:ext uri="{28A0092B-C50C-407E-A947-70E740481C1C}">
+                <a14:useLocalDpi xmlns:a14="http://schemas.microsoft.com/office/drawing/2010/main" val="0"/>
+              </a:ext>
+            </a:extLst>
+          </a:blip>
+          <a:stretch>
+            <a:fillRect/>
+          </a:stretch>
+        </p:blipFill>
+        <p:spPr>
+          <a:xfrm>
+            <a:off x="4428639" y="3968599"/>
+            <a:ext cx="2878369" cy="2027580"/>
+          </a:xfrm>
+          <a:prstGeom prst="rect">
+            <a:avLst/>
+          </a:prstGeom>
+        </p:spPr>
+      </p:pic>
+      <p:pic>
+        <p:nvPicPr>
+          <p:cNvPr id="25" name="Imagem 24" descr="Uma imagem contendo texto, desenho&#10;&#10;Descrição gerada automaticamente">
+            <a:extLst>
+              <a:ext uri="{FF2B5EF4-FFF2-40B4-BE49-F238E27FC236}">
+                <a16:creationId xmlns:a16="http://schemas.microsoft.com/office/drawing/2014/main" id="{CB80E98D-A3E9-4C8F-95A5-D3B437CD7F15}"/>
+              </a:ext>
+            </a:extLst>
+          </p:cNvPr>
+          <p:cNvPicPr>
+            <a:picLocks noChangeAspect="1"/>
+          </p:cNvPicPr>
+          <p:nvPr/>
+        </p:nvPicPr>
+        <p:blipFill>
+          <a:blip r:embed="rId8" cstate="hqprint">
+            <a:extLst>
+              <a:ext uri="{28A0092B-C50C-407E-A947-70E740481C1C}">
+                <a14:useLocalDpi xmlns:a14="http://schemas.microsoft.com/office/drawing/2010/main" val="0"/>
+              </a:ext>
+            </a:extLst>
+          </a:blip>
+          <a:stretch>
+            <a:fillRect/>
+          </a:stretch>
+        </p:blipFill>
+        <p:spPr>
+          <a:xfrm>
+            <a:off x="11371740" y="365125"/>
+            <a:ext cx="599846" cy="535577"/>
+          </a:xfrm>
+          <a:prstGeom prst="rect">
+            <a:avLst/>
+          </a:prstGeom>
+        </p:spPr>
+      </p:pic>
+    </p:spTree>
+    <p:extLst>
+      <p:ext uri="{BB962C8B-B14F-4D97-AF65-F5344CB8AC3E}">
+        <p14:creationId xmlns:p14="http://schemas.microsoft.com/office/powerpoint/2010/main" val="3961020289"/>
+      </p:ext>
+    </p:extLst>
+  </p:cSld>
+  <p:clrMapOvr>
+    <a:masterClrMapping/>
+  </p:clrMapOvr>
+  <p:transition>
+    <p:fade/>
+  </p:transition>
+  <p:timing>
+    <p:tnLst>
+      <p:par>
+        <p:cTn id="1" dur="indefinite" restart="never" nodeType="tmRoot">
+          <p:childTnLst>
+            <p:seq concurrent="1" nextAc="seek">
+              <p:cTn id="2" dur="indefinite" nodeType="mainSeq">
+                <p:childTnLst>
+                  <p:par>
+                    <p:cTn id="3" fill="hold">
+                      <p:stCondLst>
+                        <p:cond delay="indefinite"/>
+                        <p:cond evt="onBegin" delay="0">
+                          <p:tn val="2"/>
+                        </p:cond>
+                      </p:stCondLst>
+                      <p:childTnLst>
+                        <p:par>
+                          <p:cTn id="4" fill="hold">
+                            <p:stCondLst>
+                              <p:cond delay="0"/>
+                            </p:stCondLst>
+                            <p:childTnLst>
+                              <p:par>
+                                <p:cTn id="5" presetID="16" presetClass="entr" presetSubtype="21" fill="hold" nodeType="afterEffect">
+                                  <p:stCondLst>
+                                    <p:cond delay="0"/>
+                                  </p:stCondLst>
+                                  <p:childTnLst>
+                                    <p:set>
+                                      <p:cBhvr>
+                                        <p:cTn id="6" dur="1" fill="hold">
+                                          <p:stCondLst>
+                                            <p:cond delay="0"/>
+                                          </p:stCondLst>
+                                        </p:cTn>
+                                        <p:tgtEl>
+                                          <p:spTgt spid="30"/>
+                                        </p:tgtEl>
+                                        <p:attrNameLst>
+                                          <p:attrName>style.visibility</p:attrName>
+                                        </p:attrNameLst>
+                                      </p:cBhvr>
+                                      <p:to>
+                                        <p:strVal val="visible"/>
+                                      </p:to>
+                                    </p:set>
+                                    <p:animEffect transition="in" filter="barn(inVertical)">
+                                      <p:cBhvr>
+                                        <p:cTn id="7" dur="500"/>
+                                        <p:tgtEl>
+                                          <p:spTgt spid="30"/>
+                                        </p:tgtEl>
+                                      </p:cBhvr>
+                                    </p:animEffect>
+                                  </p:childTnLst>
+                                </p:cTn>
+                              </p:par>
+                              <p:par>
+                                <p:cTn id="8" presetID="16" presetClass="entr" presetSubtype="21" fill="hold" nodeType="withEffect">
+                                  <p:stCondLst>
+                                    <p:cond delay="0"/>
+                                  </p:stCondLst>
+                                  <p:childTnLst>
+                                    <p:set>
+                                      <p:cBhvr>
+                                        <p:cTn id="9" dur="1" fill="hold">
+                                          <p:stCondLst>
+                                            <p:cond delay="0"/>
+                                          </p:stCondLst>
+                                        </p:cTn>
+                                        <p:tgtEl>
+                                          <p:spTgt spid="32"/>
+                                        </p:tgtEl>
+                                        <p:attrNameLst>
+                                          <p:attrName>style.visibility</p:attrName>
+                                        </p:attrNameLst>
+                                      </p:cBhvr>
+                                      <p:to>
+                                        <p:strVal val="visible"/>
+                                      </p:to>
+                                    </p:set>
+                                    <p:animEffect transition="in" filter="barn(inVertical)">
+                                      <p:cBhvr>
+                                        <p:cTn id="10" dur="500"/>
+                                        <p:tgtEl>
+                                          <p:spTgt spid="32"/>
+                                        </p:tgtEl>
+                                      </p:cBhvr>
+                                    </p:animEffect>
+                                  </p:childTnLst>
+                                </p:cTn>
+                              </p:par>
+                              <p:par>
+                                <p:cTn id="11" presetID="16" presetClass="entr" presetSubtype="21" fill="hold" nodeType="withEffect">
+                                  <p:stCondLst>
+                                    <p:cond delay="0"/>
+                                  </p:stCondLst>
+                                  <p:childTnLst>
+                                    <p:set>
+                                      <p:cBhvr>
+                                        <p:cTn id="12" dur="1" fill="hold">
+                                          <p:stCondLst>
+                                            <p:cond delay="0"/>
+                                          </p:stCondLst>
+                                        </p:cTn>
+                                        <p:tgtEl>
+                                          <p:spTgt spid="35"/>
+                                        </p:tgtEl>
+                                        <p:attrNameLst>
+                                          <p:attrName>style.visibility</p:attrName>
+                                        </p:attrNameLst>
+                                      </p:cBhvr>
+                                      <p:to>
+                                        <p:strVal val="visible"/>
+                                      </p:to>
+                                    </p:set>
+                                    <p:animEffect transition="in" filter="barn(inVertical)">
+                                      <p:cBhvr>
+                                        <p:cTn id="13" dur="500"/>
+                                        <p:tgtEl>
+                                          <p:spTgt spid="35"/>
+                                        </p:tgtEl>
+                                      </p:cBhvr>
+                                    </p:animEffect>
+                                  </p:childTnLst>
+                                </p:cTn>
+                              </p:par>
+                              <p:par>
+                                <p:cTn id="14" presetID="16" presetClass="entr" presetSubtype="21" fill="hold" nodeType="withEffect">
+                                  <p:stCondLst>
+                                    <p:cond delay="0"/>
+                                  </p:stCondLst>
+                                  <p:childTnLst>
+                                    <p:set>
+                                      <p:cBhvr>
+                                        <p:cTn id="15" dur="1" fill="hold">
+                                          <p:stCondLst>
+                                            <p:cond delay="0"/>
+                                          </p:stCondLst>
+                                        </p:cTn>
+                                        <p:tgtEl>
+                                          <p:spTgt spid="33"/>
+                                        </p:tgtEl>
+                                        <p:attrNameLst>
+                                          <p:attrName>style.visibility</p:attrName>
+                                        </p:attrNameLst>
+                                      </p:cBhvr>
+                                      <p:to>
+                                        <p:strVal val="visible"/>
+                                      </p:to>
+                                    </p:set>
+                                    <p:animEffect transition="in" filter="barn(inVertical)">
+                                      <p:cBhvr>
+                                        <p:cTn id="16" dur="500"/>
+                                        <p:tgtEl>
+                                          <p:spTgt spid="33"/>
+                                        </p:tgtEl>
+                                      </p:cBhvr>
+                                    </p:animEffect>
+                                  </p:childTnLst>
+                                </p:cTn>
+                              </p:par>
+                              <p:par>
+                                <p:cTn id="17" presetID="16" presetClass="entr" presetSubtype="21" fill="hold" nodeType="withEffect">
+                                  <p:stCondLst>
+                                    <p:cond delay="0"/>
+                                  </p:stCondLst>
+                                  <p:childTnLst>
+                                    <p:set>
+                                      <p:cBhvr>
+                                        <p:cTn id="18" dur="1" fill="hold">
+                                          <p:stCondLst>
+                                            <p:cond delay="0"/>
+                                          </p:stCondLst>
+                                        </p:cTn>
+                                        <p:tgtEl>
+                                          <p:spTgt spid="34"/>
+                                        </p:tgtEl>
+                                        <p:attrNameLst>
+                                          <p:attrName>style.visibility</p:attrName>
+                                        </p:attrNameLst>
+                                      </p:cBhvr>
+                                      <p:to>
+                                        <p:strVal val="visible"/>
+                                      </p:to>
+                                    </p:set>
+                                    <p:animEffect transition="in" filter="barn(inVertical)">
+                                      <p:cBhvr>
+                                        <p:cTn id="19" dur="500"/>
+                                        <p:tgtEl>
+                                          <p:spTgt spid="34"/>
+                                        </p:tgtEl>
+                                      </p:cBhvr>
+                                    </p:animEffect>
+                                  </p:childTnLst>
+                                </p:cTn>
+                              </p:par>
+                            </p:childTnLst>
+                          </p:cTn>
+                        </p:par>
+                      </p:childTnLst>
+                    </p:cTn>
+                  </p:par>
+                </p:childTnLst>
+              </p:cTn>
+              <p:prevCondLst>
+                <p:cond evt="onPrev" delay="0">
+                  <p:tgtEl>
+                    <p:sldTgt/>
+                  </p:tgtEl>
+                </p:cond>
+              </p:prevCondLst>
+              <p:nextCondLst>
+                <p:cond evt="onNext" delay="0">
+                  <p:tgtEl>
+                    <p:sldTgt/>
+                  </p:tgtEl>
+                </p:cond>
+              </p:nextCondLst>
+            </p:seq>
+          </p:childTnLst>
+        </p:cTn>
+      </p:par>
+    </p:tnLst>
+  </p:timing>
+</p:sld>
+</file>
+
+<file path=ppt/slides/slide8.xml><?xml version="1.0" encoding="utf-8"?>
 <p:sld xmlns:a="http://schemas.openxmlformats.org/drawingml/2006/main" xmlns:r="http://schemas.openxmlformats.org/officeDocument/2006/relationships" xmlns:p="http://schemas.openxmlformats.org/presentationml/2006/main">
   <p:cSld>
     <p:spTree>
@@ -6224,7 +8213,7 @@
 </p:sld>
 </file>
 
-<file path=ppt/slides/slide7.xml><?xml version="1.0" encoding="utf-8"?>
+<file path=ppt/slides/slide9.xml><?xml version="1.0" encoding="utf-8"?>
 <p:sld xmlns:a="http://schemas.openxmlformats.org/drawingml/2006/main" xmlns:r="http://schemas.openxmlformats.org/officeDocument/2006/relationships" xmlns:p="http://schemas.openxmlformats.org/presentationml/2006/main">
   <p:cSld>
     <p:spTree>
@@ -6259,8 +8248,8 @@
         </p:nvSpPr>
         <p:spPr>
           <a:xfrm>
-            <a:off x="838199" y="1433807"/>
-            <a:ext cx="10515600" cy="1325563"/>
+            <a:off x="0" y="1433807"/>
+            <a:ext cx="12192000" cy="1325563"/>
           </a:xfrm>
         </p:spPr>
         <p:txBody>
@@ -6278,8 +8267,29 @@
                 </a:solidFill>
                 <a:latin typeface="Bariol Bold" panose="02000506040000020003" pitchFamily="2" charset="0"/>
               </a:rPr>
-              <a:t>Protótipo do Site</a:t>
-            </a:r>
+              <a:t>Protótipo do </a:t>
+            </a:r>
+            <a:r>
+              <a:rPr lang="pt-BR" dirty="0" smtClean="0">
+                <a:solidFill>
+                  <a:schemeClr val="tx1">
+                    <a:lumMod val="75000"/>
+                    <a:lumOff val="25000"/>
+                  </a:schemeClr>
+                </a:solidFill>
+                <a:latin typeface="Bariol Bold" panose="02000506040000020003" pitchFamily="2" charset="0"/>
+              </a:rPr>
+              <a:t>Site / Simulador Financeiro</a:t>
+            </a:r>
+            <a:endParaRPr lang="pt-BR" dirty="0">
+              <a:solidFill>
+                <a:schemeClr val="tx1">
+                  <a:lumMod val="75000"/>
+                  <a:lumOff val="25000"/>
+                </a:schemeClr>
+              </a:solidFill>
+              <a:latin typeface="Bariol Bold" panose="02000506040000020003" pitchFamily="2" charset="0"/>
+            </a:endParaRPr>
           </a:p>
         </p:txBody>
       </p:sp>
@@ -6359,386 +8369,6 @@
     <p:extLst>
       <p:ext uri="{BB962C8B-B14F-4D97-AF65-F5344CB8AC3E}">
         <p14:creationId xmlns:p14="http://schemas.microsoft.com/office/powerpoint/2010/main" val="2246586275"/>
-      </p:ext>
-    </p:extLst>
-  </p:cSld>
-  <p:clrMapOvr>
-    <a:masterClrMapping/>
-  </p:clrMapOvr>
-  <p:transition>
-    <p:fade/>
-  </p:transition>
-  <p:timing>
-    <p:tnLst>
-      <p:par>
-        <p:cTn id="1" dur="indefinite" restart="never" nodeType="tmRoot"/>
-      </p:par>
-    </p:tnLst>
-  </p:timing>
-</p:sld>
-</file>
-
-<file path=ppt/slides/slide8.xml><?xml version="1.0" encoding="utf-8"?>
-<p:sld xmlns:a="http://schemas.openxmlformats.org/drawingml/2006/main" xmlns:r="http://schemas.openxmlformats.org/officeDocument/2006/relationships" xmlns:p="http://schemas.openxmlformats.org/presentationml/2006/main">
-  <p:cSld>
-    <p:spTree>
-      <p:nvGrpSpPr>
-        <p:cNvPr id="1" name=""/>
-        <p:cNvGrpSpPr/>
-        <p:nvPr/>
-      </p:nvGrpSpPr>
-      <p:grpSpPr>
-        <a:xfrm>
-          <a:off x="0" y="0"/>
-          <a:ext cx="0" cy="0"/>
-          <a:chOff x="0" y="0"/>
-          <a:chExt cx="0" cy="0"/>
-        </a:xfrm>
-      </p:grpSpPr>
-      <p:pic>
-        <p:nvPicPr>
-          <p:cNvPr id="3" name="Imagem 2" descr="Uma imagem contendo texto, desenho&#10;&#10;Descrição gerada automaticamente">
-            <a:extLst>
-              <a:ext uri="{FF2B5EF4-FFF2-40B4-BE49-F238E27FC236}">
-                <a16:creationId xmlns:a16="http://schemas.microsoft.com/office/drawing/2014/main" id="{1BC5E0AB-6EDC-4020-80FC-407DFD0D3C3E}"/>
-              </a:ext>
-            </a:extLst>
-          </p:cNvPr>
-          <p:cNvPicPr>
-            <a:picLocks noChangeAspect="1"/>
-          </p:cNvPicPr>
-          <p:nvPr/>
-        </p:nvPicPr>
-        <p:blipFill>
-          <a:blip r:embed="rId2" cstate="hqprint">
-            <a:extLst>
-              <a:ext uri="{28A0092B-C50C-407E-A947-70E740481C1C}">
-                <a14:useLocalDpi xmlns:a14="http://schemas.microsoft.com/office/drawing/2010/main" val="0"/>
-              </a:ext>
-            </a:extLst>
-          </a:blip>
-          <a:stretch>
-            <a:fillRect/>
-          </a:stretch>
-        </p:blipFill>
-        <p:spPr>
-          <a:xfrm>
-            <a:off x="11371740" y="365125"/>
-            <a:ext cx="599846" cy="535577"/>
-          </a:xfrm>
-          <a:prstGeom prst="rect">
-            <a:avLst/>
-          </a:prstGeom>
-        </p:spPr>
-      </p:pic>
-      <p:sp>
-        <p:nvSpPr>
-          <p:cNvPr id="6" name="Título 1">
-            <a:extLst>
-              <a:ext uri="{FF2B5EF4-FFF2-40B4-BE49-F238E27FC236}">
-                <a16:creationId xmlns:a16="http://schemas.microsoft.com/office/drawing/2014/main" id="{99F76FBE-1BC2-4EE6-B90A-22263BF7BDCD}"/>
-              </a:ext>
-            </a:extLst>
-          </p:cNvPr>
-          <p:cNvSpPr txBox="1">
-            <a:spLocks/>
-          </p:cNvSpPr>
-          <p:nvPr/>
-        </p:nvSpPr>
-        <p:spPr>
-          <a:xfrm>
-            <a:off x="838199" y="1433807"/>
-            <a:ext cx="10515600" cy="1325563"/>
-          </a:xfrm>
-          <a:prstGeom prst="rect">
-            <a:avLst/>
-          </a:prstGeom>
-        </p:spPr>
-        <p:txBody>
-          <a:bodyPr vert="horz" lIns="91440" tIns="45720" rIns="91440" bIns="45720" rtlCol="0" anchor="ctr">
-            <a:normAutofit/>
-          </a:bodyPr>
-          <a:lstStyle>
-            <a:lvl1pPr algn="l" defTabSz="914400" rtl="0" eaLnBrk="1" latinLnBrk="0" hangingPunct="1">
-              <a:lnSpc>
-                <a:spcPct val="90000"/>
-              </a:lnSpc>
-              <a:spcBef>
-                <a:spcPct val="0"/>
-              </a:spcBef>
-              <a:buNone/>
-              <a:defRPr sz="4400" kern="1200">
-                <a:solidFill>
-                  <a:schemeClr val="tx1"/>
-                </a:solidFill>
-                <a:latin typeface="+mj-lt"/>
-                <a:ea typeface="+mj-ea"/>
-                <a:cs typeface="+mj-cs"/>
-              </a:defRPr>
-            </a:lvl1pPr>
-          </a:lstStyle>
-          <a:p>
-            <a:pPr algn="ctr"/>
-            <a:r>
-              <a:rPr lang="pt-BR" dirty="0" smtClean="0">
-                <a:solidFill>
-                  <a:schemeClr val="tx1">
-                    <a:lumMod val="75000"/>
-                    <a:lumOff val="25000"/>
-                  </a:schemeClr>
-                </a:solidFill>
-                <a:latin typeface="Bariol Bold" panose="02000506040000020003" pitchFamily="2" charset="0"/>
-              </a:rPr>
-              <a:t>Banco de Dados (Protótipo)</a:t>
-            </a:r>
-            <a:endParaRPr lang="pt-BR" dirty="0">
-              <a:solidFill>
-                <a:schemeClr val="tx1">
-                  <a:lumMod val="75000"/>
-                  <a:lumOff val="25000"/>
-                </a:schemeClr>
-              </a:solidFill>
-              <a:latin typeface="Bariol Bold" panose="02000506040000020003" pitchFamily="2" charset="0"/>
-            </a:endParaRPr>
-          </a:p>
-        </p:txBody>
-      </p:sp>
-      <p:pic>
-        <p:nvPicPr>
-          <p:cNvPr id="7" name="Imagem 6" descr="Uma imagem contendo homem, segurando, esqui, neve&#10;&#10;Descrição gerada automaticamente">
-            <a:extLst>
-              <a:ext uri="{FF2B5EF4-FFF2-40B4-BE49-F238E27FC236}">
-                <a16:creationId xmlns:a16="http://schemas.microsoft.com/office/drawing/2014/main" id="{2EB99745-E546-4AF1-BB7A-70FE206BCD05}"/>
-              </a:ext>
-            </a:extLst>
-          </p:cNvPr>
-          <p:cNvPicPr>
-            <a:picLocks noChangeAspect="1"/>
-          </p:cNvPicPr>
-          <p:nvPr/>
-        </p:nvPicPr>
-        <p:blipFill>
-          <a:blip r:embed="rId3">
-            <a:extLst>
-              <a:ext uri="{28A0092B-C50C-407E-A947-70E740481C1C}">
-                <a14:useLocalDpi xmlns:a14="http://schemas.microsoft.com/office/drawing/2010/main" val="0"/>
-              </a:ext>
-            </a:extLst>
-          </a:blip>
-          <a:stretch>
-            <a:fillRect/>
-          </a:stretch>
-        </p:blipFill>
-        <p:spPr>
-          <a:xfrm>
-            <a:off x="2950595" y="2394055"/>
-            <a:ext cx="6468395" cy="4661637"/>
-          </a:xfrm>
-          <a:prstGeom prst="rect">
-            <a:avLst/>
-          </a:prstGeom>
-        </p:spPr>
-      </p:pic>
-    </p:spTree>
-    <p:extLst>
-      <p:ext uri="{BB962C8B-B14F-4D97-AF65-F5344CB8AC3E}">
-        <p14:creationId xmlns:p14="http://schemas.microsoft.com/office/powerpoint/2010/main" val="2158821782"/>
-      </p:ext>
-    </p:extLst>
-  </p:cSld>
-  <p:clrMapOvr>
-    <a:masterClrMapping/>
-  </p:clrMapOvr>
-  <p:transition>
-    <p:fade/>
-  </p:transition>
-  <p:timing>
-    <p:tnLst>
-      <p:par>
-        <p:cTn id="1" dur="indefinite" restart="never" nodeType="tmRoot"/>
-      </p:par>
-    </p:tnLst>
-  </p:timing>
-</p:sld>
-</file>
-
-<file path=ppt/slides/slide9.xml><?xml version="1.0" encoding="utf-8"?>
-<p:sld xmlns:a="http://schemas.openxmlformats.org/drawingml/2006/main" xmlns:r="http://schemas.openxmlformats.org/officeDocument/2006/relationships" xmlns:p="http://schemas.openxmlformats.org/presentationml/2006/main">
-  <p:cSld>
-    <p:spTree>
-      <p:nvGrpSpPr>
-        <p:cNvPr id="1" name=""/>
-        <p:cNvGrpSpPr/>
-        <p:nvPr/>
-      </p:nvGrpSpPr>
-      <p:grpSpPr>
-        <a:xfrm>
-          <a:off x="0" y="0"/>
-          <a:ext cx="0" cy="0"/>
-          <a:chOff x="0" y="0"/>
-          <a:chExt cx="0" cy="0"/>
-        </a:xfrm>
-      </p:grpSpPr>
-      <p:pic>
-        <p:nvPicPr>
-          <p:cNvPr id="3" name="Imagem 2" descr="Uma imagem contendo texto, desenho&#10;&#10;Descrição gerada automaticamente">
-            <a:extLst>
-              <a:ext uri="{FF2B5EF4-FFF2-40B4-BE49-F238E27FC236}">
-                <a16:creationId xmlns:a16="http://schemas.microsoft.com/office/drawing/2014/main" id="{24410E01-CFD3-472C-9726-E54607DAAD0F}"/>
-              </a:ext>
-            </a:extLst>
-          </p:cNvPr>
-          <p:cNvPicPr>
-            <a:picLocks noChangeAspect="1"/>
-          </p:cNvPicPr>
-          <p:nvPr/>
-        </p:nvPicPr>
-        <p:blipFill>
-          <a:blip r:embed="rId2" cstate="hqprint">
-            <a:extLst>
-              <a:ext uri="{28A0092B-C50C-407E-A947-70E740481C1C}">
-                <a14:useLocalDpi xmlns:a14="http://schemas.microsoft.com/office/drawing/2010/main" val="0"/>
-              </a:ext>
-            </a:extLst>
-          </a:blip>
-          <a:stretch>
-            <a:fillRect/>
-          </a:stretch>
-        </p:blipFill>
-        <p:spPr>
-          <a:xfrm>
-            <a:off x="11371740" y="365125"/>
-            <a:ext cx="599846" cy="535577"/>
-          </a:xfrm>
-          <a:prstGeom prst="rect">
-            <a:avLst/>
-          </a:prstGeom>
-        </p:spPr>
-      </p:pic>
-      <p:sp>
-        <p:nvSpPr>
-          <p:cNvPr id="7" name="Título 1">
-            <a:extLst>
-              <a:ext uri="{FF2B5EF4-FFF2-40B4-BE49-F238E27FC236}">
-                <a16:creationId xmlns:a16="http://schemas.microsoft.com/office/drawing/2014/main" id="{99F76FBE-1BC2-4EE6-B90A-22263BF7BDCD}"/>
-              </a:ext>
-            </a:extLst>
-          </p:cNvPr>
-          <p:cNvSpPr txBox="1">
-            <a:spLocks/>
-          </p:cNvSpPr>
-          <p:nvPr/>
-        </p:nvSpPr>
-        <p:spPr>
-          <a:xfrm>
-            <a:off x="838199" y="1433807"/>
-            <a:ext cx="10515600" cy="1325563"/>
-          </a:xfrm>
-          <a:prstGeom prst="rect">
-            <a:avLst/>
-          </a:prstGeom>
-        </p:spPr>
-        <p:txBody>
-          <a:bodyPr vert="horz" lIns="91440" tIns="45720" rIns="91440" bIns="45720" rtlCol="0" anchor="ctr">
-            <a:normAutofit/>
-          </a:bodyPr>
-          <a:lstStyle>
-            <a:lvl1pPr algn="l" defTabSz="914400" rtl="0" eaLnBrk="1" latinLnBrk="0" hangingPunct="1">
-              <a:lnSpc>
-                <a:spcPct val="90000"/>
-              </a:lnSpc>
-              <a:spcBef>
-                <a:spcPct val="0"/>
-              </a:spcBef>
-              <a:buNone/>
-              <a:defRPr sz="4400" kern="1200">
-                <a:solidFill>
-                  <a:schemeClr val="tx1"/>
-                </a:solidFill>
-                <a:latin typeface="+mj-lt"/>
-                <a:ea typeface="+mj-ea"/>
-                <a:cs typeface="+mj-cs"/>
-              </a:defRPr>
-            </a:lvl1pPr>
-          </a:lstStyle>
-          <a:p>
-            <a:pPr algn="ctr"/>
-            <a:r>
-              <a:rPr lang="pt-BR" dirty="0" err="1" smtClean="0">
-                <a:solidFill>
-                  <a:schemeClr val="tx1">
-                    <a:lumMod val="75000"/>
-                    <a:lumOff val="25000"/>
-                  </a:schemeClr>
-                </a:solidFill>
-                <a:latin typeface="Bariol Bold" panose="02000506040000020003" pitchFamily="2" charset="0"/>
-              </a:rPr>
-              <a:t>Arduino</a:t>
-            </a:r>
-            <a:r>
-              <a:rPr lang="pt-BR" dirty="0" smtClean="0">
-                <a:solidFill>
-                  <a:schemeClr val="tx1">
-                    <a:lumMod val="75000"/>
-                    <a:lumOff val="25000"/>
-                  </a:schemeClr>
-                </a:solidFill>
-                <a:latin typeface="Bariol Bold" panose="02000506040000020003" pitchFamily="2" charset="0"/>
-              </a:rPr>
-              <a:t> e Sensor</a:t>
-            </a:r>
-            <a:endParaRPr lang="pt-BR" dirty="0">
-              <a:solidFill>
-                <a:schemeClr val="tx1">
-                  <a:lumMod val="75000"/>
-                  <a:lumOff val="25000"/>
-                </a:schemeClr>
-              </a:solidFill>
-              <a:latin typeface="Bariol Bold" panose="02000506040000020003" pitchFamily="2" charset="0"/>
-            </a:endParaRPr>
-          </a:p>
-        </p:txBody>
-      </p:sp>
-      <p:pic>
-        <p:nvPicPr>
-          <p:cNvPr id="8" name="Imagem 7" descr="Uma imagem contendo homem, em pé&#10;&#10;Descrição gerada automaticamente">
-            <a:extLst>
-              <a:ext uri="{FF2B5EF4-FFF2-40B4-BE49-F238E27FC236}">
-                <a16:creationId xmlns:a16="http://schemas.microsoft.com/office/drawing/2014/main" id="{DA7F4A6C-A6AF-458A-BCA8-4F6A41D15F36}"/>
-              </a:ext>
-            </a:extLst>
-          </p:cNvPr>
-          <p:cNvPicPr>
-            <a:picLocks noChangeAspect="1"/>
-          </p:cNvPicPr>
-          <p:nvPr/>
-        </p:nvPicPr>
-        <p:blipFill>
-          <a:blip r:embed="rId3">
-            <a:extLst>
-              <a:ext uri="{28A0092B-C50C-407E-A947-70E740481C1C}">
-                <a14:useLocalDpi xmlns:a14="http://schemas.microsoft.com/office/drawing/2010/main" val="0"/>
-              </a:ext>
-            </a:extLst>
-          </a:blip>
-          <a:stretch>
-            <a:fillRect/>
-          </a:stretch>
-        </p:blipFill>
-        <p:spPr>
-          <a:xfrm>
-            <a:off x="2282411" y="2394055"/>
-            <a:ext cx="7627176" cy="4307191"/>
-          </a:xfrm>
-          <a:prstGeom prst="rect">
-            <a:avLst/>
-          </a:prstGeom>
-        </p:spPr>
-      </p:pic>
-    </p:spTree>
-    <p:extLst>
-      <p:ext uri="{BB962C8B-B14F-4D97-AF65-F5344CB8AC3E}">
-        <p14:creationId xmlns:p14="http://schemas.microsoft.com/office/powerpoint/2010/main" val="3564643130"/>
       </p:ext>
     </p:extLst>
   </p:cSld>
